--- a/new_images/figures.pptx
+++ b/new_images/figures.pptx
@@ -6,6 +6,7 @@
   </p:sldMasterIdLst>
   <p:sldIdLst>
     <p:sldId id="256" r:id="rId2"/>
+    <p:sldId id="257" r:id="rId3"/>
   </p:sldIdLst>
   <p:sldSz cx="12192000" cy="6858000"/>
   <p:notesSz cx="6858000" cy="9144000"/>
@@ -9452,6 +9453,5903 @@
 </p:sld>
 </file>
 
+<file path=ppt/slides/slide2.xml><?xml version="1.0" encoding="utf-8"?>
+<p:sld xmlns:a="http://schemas.openxmlformats.org/drawingml/2006/main" xmlns:r="http://schemas.openxmlformats.org/officeDocument/2006/relationships" xmlns:p="http://schemas.openxmlformats.org/presentationml/2006/main">
+  <p:cSld>
+    <p:spTree>
+      <p:nvGrpSpPr>
+        <p:cNvPr id="1" name="">
+          <a:extLst>
+            <a:ext uri="{FF2B5EF4-FFF2-40B4-BE49-F238E27FC236}">
+              <a16:creationId xmlns:a16="http://schemas.microsoft.com/office/drawing/2014/main" id="{C36B0BC6-3F30-1B32-AF73-13478B256D84}"/>
+            </a:ext>
+          </a:extLst>
+        </p:cNvPr>
+        <p:cNvGrpSpPr/>
+        <p:nvPr/>
+      </p:nvGrpSpPr>
+      <p:grpSpPr>
+        <a:xfrm>
+          <a:off x="0" y="0"/>
+          <a:ext cx="0" cy="0"/>
+          <a:chOff x="0" y="0"/>
+          <a:chExt cx="0" cy="0"/>
+        </a:xfrm>
+      </p:grpSpPr>
+      <p:sp>
+        <p:nvSpPr>
+          <p:cNvPr id="306" name="Rectangle 305">
+            <a:extLst>
+              <a:ext uri="{FF2B5EF4-FFF2-40B4-BE49-F238E27FC236}">
+                <a16:creationId xmlns:a16="http://schemas.microsoft.com/office/drawing/2014/main" id="{5E3B5C43-B36E-2DB4-076D-E56E5A815F80}"/>
+              </a:ext>
+            </a:extLst>
+          </p:cNvPr>
+          <p:cNvSpPr/>
+          <p:nvPr/>
+        </p:nvSpPr>
+        <p:spPr>
+          <a:xfrm>
+            <a:off x="609600" y="445477"/>
+            <a:ext cx="6518031" cy="5205046"/>
+          </a:xfrm>
+          <a:prstGeom prst="rect">
+            <a:avLst/>
+          </a:prstGeom>
+          <a:solidFill>
+            <a:schemeClr val="bg1"/>
+          </a:solidFill>
+        </p:spPr>
+        <p:style>
+          <a:lnRef idx="2">
+            <a:schemeClr val="accent1">
+              <a:shade val="15000"/>
+            </a:schemeClr>
+          </a:lnRef>
+          <a:fillRef idx="1">
+            <a:schemeClr val="accent1"/>
+          </a:fillRef>
+          <a:effectRef idx="0">
+            <a:schemeClr val="accent1"/>
+          </a:effectRef>
+          <a:fontRef idx="minor">
+            <a:schemeClr val="lt1"/>
+          </a:fontRef>
+        </p:style>
+        <p:txBody>
+          <a:bodyPr rtlCol="0" anchor="ctr"/>
+          <a:lstStyle/>
+          <a:p>
+            <a:pPr algn="ctr"/>
+            <a:endParaRPr lang="en-US"/>
+          </a:p>
+        </p:txBody>
+      </p:sp>
+      <p:sp>
+        <p:nvSpPr>
+          <p:cNvPr id="4" name="Oval 3">
+            <a:extLst>
+              <a:ext uri="{FF2B5EF4-FFF2-40B4-BE49-F238E27FC236}">
+                <a16:creationId xmlns:a16="http://schemas.microsoft.com/office/drawing/2014/main" id="{4E24AD43-7119-2168-AC47-BF45A02DA9F5}"/>
+              </a:ext>
+            </a:extLst>
+          </p:cNvPr>
+          <p:cNvSpPr/>
+          <p:nvPr/>
+        </p:nvSpPr>
+        <p:spPr>
+          <a:xfrm>
+            <a:off x="1343378" y="1591733"/>
+            <a:ext cx="259645" cy="259645"/>
+          </a:xfrm>
+          <a:prstGeom prst="ellipse">
+            <a:avLst/>
+          </a:prstGeom>
+          <a:solidFill>
+            <a:schemeClr val="bg1"/>
+          </a:solidFill>
+          <a:ln>
+            <a:solidFill>
+              <a:schemeClr val="tx1"/>
+            </a:solidFill>
+          </a:ln>
+        </p:spPr>
+        <p:style>
+          <a:lnRef idx="2">
+            <a:schemeClr val="accent1">
+              <a:shade val="15000"/>
+            </a:schemeClr>
+          </a:lnRef>
+          <a:fillRef idx="1">
+            <a:schemeClr val="accent1"/>
+          </a:fillRef>
+          <a:effectRef idx="0">
+            <a:schemeClr val="accent1"/>
+          </a:effectRef>
+          <a:fontRef idx="minor">
+            <a:schemeClr val="lt1"/>
+          </a:fontRef>
+        </p:style>
+        <p:txBody>
+          <a:bodyPr rtlCol="0" anchor="ctr"/>
+          <a:lstStyle/>
+          <a:p>
+            <a:pPr algn="ctr"/>
+            <a:endParaRPr lang="en-US"/>
+          </a:p>
+        </p:txBody>
+      </p:sp>
+      <p:sp>
+        <p:nvSpPr>
+          <p:cNvPr id="5" name="Oval 4">
+            <a:extLst>
+              <a:ext uri="{FF2B5EF4-FFF2-40B4-BE49-F238E27FC236}">
+                <a16:creationId xmlns:a16="http://schemas.microsoft.com/office/drawing/2014/main" id="{A9C44F48-9A8C-D47E-C0E5-BADFE242D0E2}"/>
+              </a:ext>
+            </a:extLst>
+          </p:cNvPr>
+          <p:cNvSpPr/>
+          <p:nvPr/>
+        </p:nvSpPr>
+        <p:spPr>
+          <a:xfrm>
+            <a:off x="1343378" y="2015066"/>
+            <a:ext cx="259645" cy="259645"/>
+          </a:xfrm>
+          <a:prstGeom prst="ellipse">
+            <a:avLst/>
+          </a:prstGeom>
+          <a:solidFill>
+            <a:schemeClr val="bg1"/>
+          </a:solidFill>
+          <a:ln>
+            <a:solidFill>
+              <a:schemeClr val="tx1"/>
+            </a:solidFill>
+          </a:ln>
+        </p:spPr>
+        <p:style>
+          <a:lnRef idx="2">
+            <a:schemeClr val="accent1">
+              <a:shade val="15000"/>
+            </a:schemeClr>
+          </a:lnRef>
+          <a:fillRef idx="1">
+            <a:schemeClr val="accent1"/>
+          </a:fillRef>
+          <a:effectRef idx="0">
+            <a:schemeClr val="accent1"/>
+          </a:effectRef>
+          <a:fontRef idx="minor">
+            <a:schemeClr val="lt1"/>
+          </a:fontRef>
+        </p:style>
+        <p:txBody>
+          <a:bodyPr rtlCol="0" anchor="ctr"/>
+          <a:lstStyle/>
+          <a:p>
+            <a:pPr algn="ctr"/>
+            <a:endParaRPr lang="en-US"/>
+          </a:p>
+        </p:txBody>
+      </p:sp>
+      <p:sp>
+        <p:nvSpPr>
+          <p:cNvPr id="6" name="Oval 5">
+            <a:extLst>
+              <a:ext uri="{FF2B5EF4-FFF2-40B4-BE49-F238E27FC236}">
+                <a16:creationId xmlns:a16="http://schemas.microsoft.com/office/drawing/2014/main" id="{D93A126F-A21D-0749-88CB-ACD10C2E02AF}"/>
+              </a:ext>
+            </a:extLst>
+          </p:cNvPr>
+          <p:cNvSpPr/>
+          <p:nvPr/>
+        </p:nvSpPr>
+        <p:spPr>
+          <a:xfrm>
+            <a:off x="1343377" y="2438399"/>
+            <a:ext cx="259645" cy="259645"/>
+          </a:xfrm>
+          <a:prstGeom prst="ellipse">
+            <a:avLst/>
+          </a:prstGeom>
+          <a:solidFill>
+            <a:schemeClr val="bg1"/>
+          </a:solidFill>
+          <a:ln>
+            <a:solidFill>
+              <a:schemeClr val="tx1"/>
+            </a:solidFill>
+          </a:ln>
+        </p:spPr>
+        <p:style>
+          <a:lnRef idx="2">
+            <a:schemeClr val="accent1">
+              <a:shade val="15000"/>
+            </a:schemeClr>
+          </a:lnRef>
+          <a:fillRef idx="1">
+            <a:schemeClr val="accent1"/>
+          </a:fillRef>
+          <a:effectRef idx="0">
+            <a:schemeClr val="accent1"/>
+          </a:effectRef>
+          <a:fontRef idx="minor">
+            <a:schemeClr val="lt1"/>
+          </a:fontRef>
+        </p:style>
+        <p:txBody>
+          <a:bodyPr rtlCol="0" anchor="ctr"/>
+          <a:lstStyle/>
+          <a:p>
+            <a:pPr algn="ctr"/>
+            <a:endParaRPr lang="en-US"/>
+          </a:p>
+        </p:txBody>
+      </p:sp>
+      <p:sp>
+        <p:nvSpPr>
+          <p:cNvPr id="7" name="Oval 6">
+            <a:extLst>
+              <a:ext uri="{FF2B5EF4-FFF2-40B4-BE49-F238E27FC236}">
+                <a16:creationId xmlns:a16="http://schemas.microsoft.com/office/drawing/2014/main" id="{3814DCA3-DBC6-AB73-2DB0-C4D4E5CE4260}"/>
+              </a:ext>
+            </a:extLst>
+          </p:cNvPr>
+          <p:cNvSpPr/>
+          <p:nvPr/>
+        </p:nvSpPr>
+        <p:spPr>
+          <a:xfrm>
+            <a:off x="1343377" y="2861732"/>
+            <a:ext cx="259645" cy="259645"/>
+          </a:xfrm>
+          <a:prstGeom prst="ellipse">
+            <a:avLst/>
+          </a:prstGeom>
+          <a:solidFill>
+            <a:schemeClr val="bg1"/>
+          </a:solidFill>
+          <a:ln>
+            <a:solidFill>
+              <a:schemeClr val="tx1"/>
+            </a:solidFill>
+          </a:ln>
+        </p:spPr>
+        <p:style>
+          <a:lnRef idx="2">
+            <a:schemeClr val="accent1">
+              <a:shade val="15000"/>
+            </a:schemeClr>
+          </a:lnRef>
+          <a:fillRef idx="1">
+            <a:schemeClr val="accent1"/>
+          </a:fillRef>
+          <a:effectRef idx="0">
+            <a:schemeClr val="accent1"/>
+          </a:effectRef>
+          <a:fontRef idx="minor">
+            <a:schemeClr val="lt1"/>
+          </a:fontRef>
+        </p:style>
+        <p:txBody>
+          <a:bodyPr rtlCol="0" anchor="ctr"/>
+          <a:lstStyle/>
+          <a:p>
+            <a:pPr algn="ctr"/>
+            <a:endParaRPr lang="en-US"/>
+          </a:p>
+        </p:txBody>
+      </p:sp>
+      <p:sp>
+        <p:nvSpPr>
+          <p:cNvPr id="10" name="Oval 9">
+            <a:extLst>
+              <a:ext uri="{FF2B5EF4-FFF2-40B4-BE49-F238E27FC236}">
+                <a16:creationId xmlns:a16="http://schemas.microsoft.com/office/drawing/2014/main" id="{F8904B35-E516-386B-5456-11D5A4EB03C5}"/>
+              </a:ext>
+            </a:extLst>
+          </p:cNvPr>
+          <p:cNvSpPr/>
+          <p:nvPr/>
+        </p:nvSpPr>
+        <p:spPr>
+          <a:xfrm>
+            <a:off x="2534356" y="1168400"/>
+            <a:ext cx="259645" cy="259645"/>
+          </a:xfrm>
+          <a:prstGeom prst="ellipse">
+            <a:avLst/>
+          </a:prstGeom>
+          <a:solidFill>
+            <a:schemeClr val="bg1"/>
+          </a:solidFill>
+        </p:spPr>
+        <p:style>
+          <a:lnRef idx="2">
+            <a:schemeClr val="accent1">
+              <a:shade val="15000"/>
+            </a:schemeClr>
+          </a:lnRef>
+          <a:fillRef idx="1">
+            <a:schemeClr val="accent1"/>
+          </a:fillRef>
+          <a:effectRef idx="0">
+            <a:schemeClr val="accent1"/>
+          </a:effectRef>
+          <a:fontRef idx="minor">
+            <a:schemeClr val="lt1"/>
+          </a:fontRef>
+        </p:style>
+        <p:txBody>
+          <a:bodyPr rtlCol="0" anchor="ctr"/>
+          <a:lstStyle/>
+          <a:p>
+            <a:pPr algn="ctr"/>
+            <a:endParaRPr lang="en-US"/>
+          </a:p>
+        </p:txBody>
+      </p:sp>
+      <p:sp>
+        <p:nvSpPr>
+          <p:cNvPr id="11" name="Oval 10">
+            <a:extLst>
+              <a:ext uri="{FF2B5EF4-FFF2-40B4-BE49-F238E27FC236}">
+                <a16:creationId xmlns:a16="http://schemas.microsoft.com/office/drawing/2014/main" id="{3B8153B2-394A-0A3D-4D65-E63964209BD9}"/>
+              </a:ext>
+            </a:extLst>
+          </p:cNvPr>
+          <p:cNvSpPr/>
+          <p:nvPr/>
+        </p:nvSpPr>
+        <p:spPr>
+          <a:xfrm>
+            <a:off x="2534356" y="1591733"/>
+            <a:ext cx="259645" cy="259645"/>
+          </a:xfrm>
+          <a:prstGeom prst="ellipse">
+            <a:avLst/>
+          </a:prstGeom>
+          <a:solidFill>
+            <a:schemeClr val="bg1"/>
+          </a:solidFill>
+          <a:ln>
+            <a:solidFill>
+              <a:schemeClr val="tx1"/>
+            </a:solidFill>
+          </a:ln>
+        </p:spPr>
+        <p:style>
+          <a:lnRef idx="2">
+            <a:schemeClr val="accent1">
+              <a:shade val="15000"/>
+            </a:schemeClr>
+          </a:lnRef>
+          <a:fillRef idx="1">
+            <a:schemeClr val="accent1"/>
+          </a:fillRef>
+          <a:effectRef idx="0">
+            <a:schemeClr val="accent1"/>
+          </a:effectRef>
+          <a:fontRef idx="minor">
+            <a:schemeClr val="lt1"/>
+          </a:fontRef>
+        </p:style>
+        <p:txBody>
+          <a:bodyPr rtlCol="0" anchor="ctr"/>
+          <a:lstStyle/>
+          <a:p>
+            <a:pPr algn="ctr"/>
+            <a:endParaRPr lang="en-US"/>
+          </a:p>
+        </p:txBody>
+      </p:sp>
+      <p:sp>
+        <p:nvSpPr>
+          <p:cNvPr id="12" name="Oval 11">
+            <a:extLst>
+              <a:ext uri="{FF2B5EF4-FFF2-40B4-BE49-F238E27FC236}">
+                <a16:creationId xmlns:a16="http://schemas.microsoft.com/office/drawing/2014/main" id="{72CAE0C8-1F98-009E-B0F7-5BC33A3B99D3}"/>
+              </a:ext>
+            </a:extLst>
+          </p:cNvPr>
+          <p:cNvSpPr/>
+          <p:nvPr/>
+        </p:nvSpPr>
+        <p:spPr>
+          <a:xfrm>
+            <a:off x="2534355" y="2015066"/>
+            <a:ext cx="259645" cy="259645"/>
+          </a:xfrm>
+          <a:prstGeom prst="ellipse">
+            <a:avLst/>
+          </a:prstGeom>
+          <a:solidFill>
+            <a:schemeClr val="bg1"/>
+          </a:solidFill>
+          <a:ln>
+            <a:solidFill>
+              <a:schemeClr val="tx1"/>
+            </a:solidFill>
+          </a:ln>
+        </p:spPr>
+        <p:style>
+          <a:lnRef idx="2">
+            <a:schemeClr val="accent1">
+              <a:shade val="15000"/>
+            </a:schemeClr>
+          </a:lnRef>
+          <a:fillRef idx="1">
+            <a:schemeClr val="accent1"/>
+          </a:fillRef>
+          <a:effectRef idx="0">
+            <a:schemeClr val="accent1"/>
+          </a:effectRef>
+          <a:fontRef idx="minor">
+            <a:schemeClr val="lt1"/>
+          </a:fontRef>
+        </p:style>
+        <p:txBody>
+          <a:bodyPr rtlCol="0" anchor="ctr"/>
+          <a:lstStyle/>
+          <a:p>
+            <a:pPr algn="ctr"/>
+            <a:endParaRPr lang="en-US"/>
+          </a:p>
+        </p:txBody>
+      </p:sp>
+      <p:sp>
+        <p:nvSpPr>
+          <p:cNvPr id="13" name="Oval 12">
+            <a:extLst>
+              <a:ext uri="{FF2B5EF4-FFF2-40B4-BE49-F238E27FC236}">
+                <a16:creationId xmlns:a16="http://schemas.microsoft.com/office/drawing/2014/main" id="{08D7F292-1A3E-E6B7-AEFE-AF009598E8B7}"/>
+              </a:ext>
+            </a:extLst>
+          </p:cNvPr>
+          <p:cNvSpPr/>
+          <p:nvPr/>
+        </p:nvSpPr>
+        <p:spPr>
+          <a:xfrm>
+            <a:off x="2534355" y="2438399"/>
+            <a:ext cx="259645" cy="259645"/>
+          </a:xfrm>
+          <a:prstGeom prst="ellipse">
+            <a:avLst/>
+          </a:prstGeom>
+          <a:solidFill>
+            <a:schemeClr val="bg1"/>
+          </a:solidFill>
+          <a:ln>
+            <a:solidFill>
+              <a:schemeClr val="tx1"/>
+            </a:solidFill>
+          </a:ln>
+        </p:spPr>
+        <p:style>
+          <a:lnRef idx="2">
+            <a:schemeClr val="accent1">
+              <a:shade val="15000"/>
+            </a:schemeClr>
+          </a:lnRef>
+          <a:fillRef idx="1">
+            <a:schemeClr val="accent1"/>
+          </a:fillRef>
+          <a:effectRef idx="0">
+            <a:schemeClr val="accent1"/>
+          </a:effectRef>
+          <a:fontRef idx="minor">
+            <a:schemeClr val="lt1"/>
+          </a:fontRef>
+        </p:style>
+        <p:txBody>
+          <a:bodyPr rtlCol="0" anchor="ctr"/>
+          <a:lstStyle/>
+          <a:p>
+            <a:pPr algn="ctr"/>
+            <a:endParaRPr lang="en-US"/>
+          </a:p>
+        </p:txBody>
+      </p:sp>
+      <p:sp>
+        <p:nvSpPr>
+          <p:cNvPr id="14" name="Oval 13">
+            <a:extLst>
+              <a:ext uri="{FF2B5EF4-FFF2-40B4-BE49-F238E27FC236}">
+                <a16:creationId xmlns:a16="http://schemas.microsoft.com/office/drawing/2014/main" id="{BE8879C9-DF35-85FF-0396-AAB011295F08}"/>
+              </a:ext>
+            </a:extLst>
+          </p:cNvPr>
+          <p:cNvSpPr/>
+          <p:nvPr/>
+        </p:nvSpPr>
+        <p:spPr>
+          <a:xfrm>
+            <a:off x="2534355" y="2861732"/>
+            <a:ext cx="259645" cy="259645"/>
+          </a:xfrm>
+          <a:prstGeom prst="ellipse">
+            <a:avLst/>
+          </a:prstGeom>
+          <a:solidFill>
+            <a:schemeClr val="bg1"/>
+          </a:solidFill>
+          <a:ln>
+            <a:solidFill>
+              <a:schemeClr val="tx1"/>
+            </a:solidFill>
+          </a:ln>
+        </p:spPr>
+        <p:style>
+          <a:lnRef idx="2">
+            <a:schemeClr val="accent1">
+              <a:shade val="15000"/>
+            </a:schemeClr>
+          </a:lnRef>
+          <a:fillRef idx="1">
+            <a:schemeClr val="accent1"/>
+          </a:fillRef>
+          <a:effectRef idx="0">
+            <a:schemeClr val="accent1"/>
+          </a:effectRef>
+          <a:fontRef idx="minor">
+            <a:schemeClr val="lt1"/>
+          </a:fontRef>
+        </p:style>
+        <p:txBody>
+          <a:bodyPr rtlCol="0" anchor="ctr"/>
+          <a:lstStyle/>
+          <a:p>
+            <a:pPr algn="ctr"/>
+            <a:endParaRPr lang="en-US"/>
+          </a:p>
+        </p:txBody>
+      </p:sp>
+      <p:sp>
+        <p:nvSpPr>
+          <p:cNvPr id="15" name="Oval 14">
+            <a:extLst>
+              <a:ext uri="{FF2B5EF4-FFF2-40B4-BE49-F238E27FC236}">
+                <a16:creationId xmlns:a16="http://schemas.microsoft.com/office/drawing/2014/main" id="{E8A57AFC-DAA6-A187-A793-A21E76BA394D}"/>
+              </a:ext>
+            </a:extLst>
+          </p:cNvPr>
+          <p:cNvSpPr/>
+          <p:nvPr/>
+        </p:nvSpPr>
+        <p:spPr>
+          <a:xfrm>
+            <a:off x="2534355" y="3285065"/>
+            <a:ext cx="259645" cy="259645"/>
+          </a:xfrm>
+          <a:prstGeom prst="ellipse">
+            <a:avLst/>
+          </a:prstGeom>
+          <a:solidFill>
+            <a:schemeClr val="bg1"/>
+          </a:solidFill>
+          <a:ln>
+            <a:solidFill>
+              <a:schemeClr val="tx1"/>
+            </a:solidFill>
+          </a:ln>
+        </p:spPr>
+        <p:style>
+          <a:lnRef idx="2">
+            <a:schemeClr val="accent1">
+              <a:shade val="15000"/>
+            </a:schemeClr>
+          </a:lnRef>
+          <a:fillRef idx="1">
+            <a:schemeClr val="accent1"/>
+          </a:fillRef>
+          <a:effectRef idx="0">
+            <a:schemeClr val="accent1"/>
+          </a:effectRef>
+          <a:fontRef idx="minor">
+            <a:schemeClr val="lt1"/>
+          </a:fontRef>
+        </p:style>
+        <p:txBody>
+          <a:bodyPr rtlCol="0" anchor="ctr"/>
+          <a:lstStyle/>
+          <a:p>
+            <a:pPr algn="ctr"/>
+            <a:endParaRPr lang="en-US"/>
+          </a:p>
+        </p:txBody>
+      </p:sp>
+      <p:sp>
+        <p:nvSpPr>
+          <p:cNvPr id="16" name="Oval 15">
+            <a:extLst>
+              <a:ext uri="{FF2B5EF4-FFF2-40B4-BE49-F238E27FC236}">
+                <a16:creationId xmlns:a16="http://schemas.microsoft.com/office/drawing/2014/main" id="{662427CF-ABE0-E422-B460-1238F2AA4E5F}"/>
+              </a:ext>
+            </a:extLst>
+          </p:cNvPr>
+          <p:cNvSpPr/>
+          <p:nvPr/>
+        </p:nvSpPr>
+        <p:spPr>
+          <a:xfrm>
+            <a:off x="3635021" y="2015066"/>
+            <a:ext cx="259645" cy="259645"/>
+          </a:xfrm>
+          <a:prstGeom prst="ellipse">
+            <a:avLst/>
+          </a:prstGeom>
+          <a:solidFill>
+            <a:schemeClr val="bg1"/>
+          </a:solidFill>
+          <a:ln>
+            <a:solidFill>
+              <a:schemeClr val="tx1"/>
+            </a:solidFill>
+          </a:ln>
+        </p:spPr>
+        <p:style>
+          <a:lnRef idx="2">
+            <a:schemeClr val="accent1">
+              <a:shade val="15000"/>
+            </a:schemeClr>
+          </a:lnRef>
+          <a:fillRef idx="1">
+            <a:schemeClr val="accent1"/>
+          </a:fillRef>
+          <a:effectRef idx="0">
+            <a:schemeClr val="accent1"/>
+          </a:effectRef>
+          <a:fontRef idx="minor">
+            <a:schemeClr val="lt1"/>
+          </a:fontRef>
+        </p:style>
+        <p:txBody>
+          <a:bodyPr rtlCol="0" anchor="ctr"/>
+          <a:lstStyle/>
+          <a:p>
+            <a:pPr algn="ctr"/>
+            <a:endParaRPr lang="en-US"/>
+          </a:p>
+        </p:txBody>
+      </p:sp>
+      <p:sp>
+        <p:nvSpPr>
+          <p:cNvPr id="17" name="Oval 16">
+            <a:extLst>
+              <a:ext uri="{FF2B5EF4-FFF2-40B4-BE49-F238E27FC236}">
+                <a16:creationId xmlns:a16="http://schemas.microsoft.com/office/drawing/2014/main" id="{8DC5FB3B-0B08-1730-700D-D6EC54637663}"/>
+              </a:ext>
+            </a:extLst>
+          </p:cNvPr>
+          <p:cNvSpPr/>
+          <p:nvPr/>
+        </p:nvSpPr>
+        <p:spPr>
+          <a:xfrm>
+            <a:off x="3635021" y="2438399"/>
+            <a:ext cx="259645" cy="259645"/>
+          </a:xfrm>
+          <a:prstGeom prst="ellipse">
+            <a:avLst/>
+          </a:prstGeom>
+          <a:solidFill>
+            <a:schemeClr val="bg1"/>
+          </a:solidFill>
+          <a:ln>
+            <a:solidFill>
+              <a:schemeClr val="tx1"/>
+            </a:solidFill>
+          </a:ln>
+        </p:spPr>
+        <p:style>
+          <a:lnRef idx="2">
+            <a:schemeClr val="accent1">
+              <a:shade val="15000"/>
+            </a:schemeClr>
+          </a:lnRef>
+          <a:fillRef idx="1">
+            <a:schemeClr val="accent1"/>
+          </a:fillRef>
+          <a:effectRef idx="0">
+            <a:schemeClr val="accent1"/>
+          </a:effectRef>
+          <a:fontRef idx="minor">
+            <a:schemeClr val="lt1"/>
+          </a:fontRef>
+        </p:style>
+        <p:txBody>
+          <a:bodyPr rtlCol="0" anchor="ctr"/>
+          <a:lstStyle/>
+          <a:p>
+            <a:pPr algn="ctr"/>
+            <a:endParaRPr lang="en-US"/>
+          </a:p>
+        </p:txBody>
+      </p:sp>
+      <p:cxnSp>
+        <p:nvCxnSpPr>
+          <p:cNvPr id="34" name="Straight Connector 33">
+            <a:extLst>
+              <a:ext uri="{FF2B5EF4-FFF2-40B4-BE49-F238E27FC236}">
+                <a16:creationId xmlns:a16="http://schemas.microsoft.com/office/drawing/2014/main" id="{EA802F44-DA9D-6A14-BD4A-3CA8955E3855}"/>
+              </a:ext>
+            </a:extLst>
+          </p:cNvPr>
+          <p:cNvCxnSpPr>
+            <a:cxnSpLocks/>
+            <a:stCxn id="4" idx="6"/>
+            <a:endCxn id="10" idx="2"/>
+          </p:cNvCxnSpPr>
+          <p:nvPr/>
+        </p:nvCxnSpPr>
+        <p:spPr>
+          <a:xfrm flipV="1">
+            <a:off x="1603023" y="1298223"/>
+            <a:ext cx="931333" cy="423333"/>
+          </a:xfrm>
+          <a:prstGeom prst="line">
+            <a:avLst/>
+          </a:prstGeom>
+          <a:ln>
+            <a:solidFill>
+              <a:schemeClr val="tx1"/>
+            </a:solidFill>
+          </a:ln>
+        </p:spPr>
+        <p:style>
+          <a:lnRef idx="2">
+            <a:schemeClr val="accent1"/>
+          </a:lnRef>
+          <a:fillRef idx="0">
+            <a:schemeClr val="accent1"/>
+          </a:fillRef>
+          <a:effectRef idx="1">
+            <a:schemeClr val="accent1"/>
+          </a:effectRef>
+          <a:fontRef idx="minor">
+            <a:schemeClr val="tx1"/>
+          </a:fontRef>
+        </p:style>
+      </p:cxnSp>
+      <p:cxnSp>
+        <p:nvCxnSpPr>
+          <p:cNvPr id="37" name="Straight Connector 36">
+            <a:extLst>
+              <a:ext uri="{FF2B5EF4-FFF2-40B4-BE49-F238E27FC236}">
+                <a16:creationId xmlns:a16="http://schemas.microsoft.com/office/drawing/2014/main" id="{3E58FED3-FA32-2BED-5471-787F238013EF}"/>
+              </a:ext>
+            </a:extLst>
+          </p:cNvPr>
+          <p:cNvCxnSpPr>
+            <a:cxnSpLocks/>
+            <a:stCxn id="4" idx="6"/>
+            <a:endCxn id="11" idx="2"/>
+          </p:cNvCxnSpPr>
+          <p:nvPr/>
+        </p:nvCxnSpPr>
+        <p:spPr>
+          <a:xfrm>
+            <a:off x="1603023" y="1721556"/>
+            <a:ext cx="931333" cy="0"/>
+          </a:xfrm>
+          <a:prstGeom prst="line">
+            <a:avLst/>
+          </a:prstGeom>
+          <a:ln>
+            <a:solidFill>
+              <a:schemeClr val="tx1"/>
+            </a:solidFill>
+          </a:ln>
+        </p:spPr>
+        <p:style>
+          <a:lnRef idx="2">
+            <a:schemeClr val="accent1"/>
+          </a:lnRef>
+          <a:fillRef idx="0">
+            <a:schemeClr val="accent1"/>
+          </a:fillRef>
+          <a:effectRef idx="1">
+            <a:schemeClr val="accent1"/>
+          </a:effectRef>
+          <a:fontRef idx="minor">
+            <a:schemeClr val="tx1"/>
+          </a:fontRef>
+        </p:style>
+      </p:cxnSp>
+      <p:cxnSp>
+        <p:nvCxnSpPr>
+          <p:cNvPr id="40" name="Straight Connector 39">
+            <a:extLst>
+              <a:ext uri="{FF2B5EF4-FFF2-40B4-BE49-F238E27FC236}">
+                <a16:creationId xmlns:a16="http://schemas.microsoft.com/office/drawing/2014/main" id="{D983DC03-708A-D0BE-DA7B-14F546770288}"/>
+              </a:ext>
+            </a:extLst>
+          </p:cNvPr>
+          <p:cNvCxnSpPr>
+            <a:cxnSpLocks/>
+            <a:stCxn id="4" idx="6"/>
+            <a:endCxn id="12" idx="2"/>
+          </p:cNvCxnSpPr>
+          <p:nvPr/>
+        </p:nvCxnSpPr>
+        <p:spPr>
+          <a:xfrm>
+            <a:off x="1603023" y="1721556"/>
+            <a:ext cx="931332" cy="423333"/>
+          </a:xfrm>
+          <a:prstGeom prst="line">
+            <a:avLst/>
+          </a:prstGeom>
+          <a:ln>
+            <a:solidFill>
+              <a:schemeClr val="tx1"/>
+            </a:solidFill>
+          </a:ln>
+        </p:spPr>
+        <p:style>
+          <a:lnRef idx="2">
+            <a:schemeClr val="accent1"/>
+          </a:lnRef>
+          <a:fillRef idx="0">
+            <a:schemeClr val="accent1"/>
+          </a:fillRef>
+          <a:effectRef idx="1">
+            <a:schemeClr val="accent1"/>
+          </a:effectRef>
+          <a:fontRef idx="minor">
+            <a:schemeClr val="tx1"/>
+          </a:fontRef>
+        </p:style>
+      </p:cxnSp>
+      <p:cxnSp>
+        <p:nvCxnSpPr>
+          <p:cNvPr id="43" name="Straight Connector 42">
+            <a:extLst>
+              <a:ext uri="{FF2B5EF4-FFF2-40B4-BE49-F238E27FC236}">
+                <a16:creationId xmlns:a16="http://schemas.microsoft.com/office/drawing/2014/main" id="{54B9BA5F-B0FB-BFB9-C597-5473D3692E95}"/>
+              </a:ext>
+            </a:extLst>
+          </p:cNvPr>
+          <p:cNvCxnSpPr>
+            <a:cxnSpLocks/>
+            <a:stCxn id="4" idx="6"/>
+            <a:endCxn id="13" idx="2"/>
+          </p:cNvCxnSpPr>
+          <p:nvPr/>
+        </p:nvCxnSpPr>
+        <p:spPr>
+          <a:xfrm>
+            <a:off x="1603023" y="1721556"/>
+            <a:ext cx="931332" cy="846666"/>
+          </a:xfrm>
+          <a:prstGeom prst="line">
+            <a:avLst/>
+          </a:prstGeom>
+          <a:ln>
+            <a:solidFill>
+              <a:schemeClr val="tx1"/>
+            </a:solidFill>
+          </a:ln>
+        </p:spPr>
+        <p:style>
+          <a:lnRef idx="2">
+            <a:schemeClr val="accent1"/>
+          </a:lnRef>
+          <a:fillRef idx="0">
+            <a:schemeClr val="accent1"/>
+          </a:fillRef>
+          <a:effectRef idx="1">
+            <a:schemeClr val="accent1"/>
+          </a:effectRef>
+          <a:fontRef idx="minor">
+            <a:schemeClr val="tx1"/>
+          </a:fontRef>
+        </p:style>
+      </p:cxnSp>
+      <p:cxnSp>
+        <p:nvCxnSpPr>
+          <p:cNvPr id="46" name="Straight Connector 45">
+            <a:extLst>
+              <a:ext uri="{FF2B5EF4-FFF2-40B4-BE49-F238E27FC236}">
+                <a16:creationId xmlns:a16="http://schemas.microsoft.com/office/drawing/2014/main" id="{EC696AC6-3CEA-9CF7-7E69-268094F2EF75}"/>
+              </a:ext>
+            </a:extLst>
+          </p:cNvPr>
+          <p:cNvCxnSpPr>
+            <a:cxnSpLocks/>
+            <a:stCxn id="4" idx="6"/>
+            <a:endCxn id="14" idx="2"/>
+          </p:cNvCxnSpPr>
+          <p:nvPr/>
+        </p:nvCxnSpPr>
+        <p:spPr>
+          <a:xfrm>
+            <a:off x="1603023" y="1721556"/>
+            <a:ext cx="931332" cy="1269999"/>
+          </a:xfrm>
+          <a:prstGeom prst="line">
+            <a:avLst/>
+          </a:prstGeom>
+          <a:ln>
+            <a:solidFill>
+              <a:schemeClr val="tx1"/>
+            </a:solidFill>
+          </a:ln>
+        </p:spPr>
+        <p:style>
+          <a:lnRef idx="2">
+            <a:schemeClr val="accent1"/>
+          </a:lnRef>
+          <a:fillRef idx="0">
+            <a:schemeClr val="accent1"/>
+          </a:fillRef>
+          <a:effectRef idx="1">
+            <a:schemeClr val="accent1"/>
+          </a:effectRef>
+          <a:fontRef idx="minor">
+            <a:schemeClr val="tx1"/>
+          </a:fontRef>
+        </p:style>
+      </p:cxnSp>
+      <p:cxnSp>
+        <p:nvCxnSpPr>
+          <p:cNvPr id="49" name="Straight Connector 48">
+            <a:extLst>
+              <a:ext uri="{FF2B5EF4-FFF2-40B4-BE49-F238E27FC236}">
+                <a16:creationId xmlns:a16="http://schemas.microsoft.com/office/drawing/2014/main" id="{7E1A3EAB-9A37-89AD-B35F-33EC657F8186}"/>
+              </a:ext>
+            </a:extLst>
+          </p:cNvPr>
+          <p:cNvCxnSpPr>
+            <a:cxnSpLocks/>
+            <a:stCxn id="4" idx="6"/>
+            <a:endCxn id="15" idx="2"/>
+          </p:cNvCxnSpPr>
+          <p:nvPr/>
+        </p:nvCxnSpPr>
+        <p:spPr>
+          <a:xfrm>
+            <a:off x="1603023" y="1721556"/>
+            <a:ext cx="931332" cy="1693332"/>
+          </a:xfrm>
+          <a:prstGeom prst="line">
+            <a:avLst/>
+          </a:prstGeom>
+          <a:ln>
+            <a:solidFill>
+              <a:schemeClr val="tx1"/>
+            </a:solidFill>
+          </a:ln>
+        </p:spPr>
+        <p:style>
+          <a:lnRef idx="2">
+            <a:schemeClr val="accent1"/>
+          </a:lnRef>
+          <a:fillRef idx="0">
+            <a:schemeClr val="accent1"/>
+          </a:fillRef>
+          <a:effectRef idx="1">
+            <a:schemeClr val="accent1"/>
+          </a:effectRef>
+          <a:fontRef idx="minor">
+            <a:schemeClr val="tx1"/>
+          </a:fontRef>
+        </p:style>
+      </p:cxnSp>
+      <p:cxnSp>
+        <p:nvCxnSpPr>
+          <p:cNvPr id="52" name="Straight Connector 51">
+            <a:extLst>
+              <a:ext uri="{FF2B5EF4-FFF2-40B4-BE49-F238E27FC236}">
+                <a16:creationId xmlns:a16="http://schemas.microsoft.com/office/drawing/2014/main" id="{34A9A840-1A01-1EF0-246D-41B060DCFCB5}"/>
+              </a:ext>
+            </a:extLst>
+          </p:cNvPr>
+          <p:cNvCxnSpPr>
+            <a:cxnSpLocks/>
+            <a:stCxn id="5" idx="6"/>
+            <a:endCxn id="10" idx="2"/>
+          </p:cNvCxnSpPr>
+          <p:nvPr/>
+        </p:nvCxnSpPr>
+        <p:spPr>
+          <a:xfrm flipV="1">
+            <a:off x="1603023" y="1298223"/>
+            <a:ext cx="931333" cy="846666"/>
+          </a:xfrm>
+          <a:prstGeom prst="line">
+            <a:avLst/>
+          </a:prstGeom>
+          <a:ln>
+            <a:solidFill>
+              <a:schemeClr val="tx1"/>
+            </a:solidFill>
+          </a:ln>
+        </p:spPr>
+        <p:style>
+          <a:lnRef idx="2">
+            <a:schemeClr val="accent1"/>
+          </a:lnRef>
+          <a:fillRef idx="0">
+            <a:schemeClr val="accent1"/>
+          </a:fillRef>
+          <a:effectRef idx="1">
+            <a:schemeClr val="accent1"/>
+          </a:effectRef>
+          <a:fontRef idx="minor">
+            <a:schemeClr val="tx1"/>
+          </a:fontRef>
+        </p:style>
+      </p:cxnSp>
+      <p:cxnSp>
+        <p:nvCxnSpPr>
+          <p:cNvPr id="55" name="Straight Connector 54">
+            <a:extLst>
+              <a:ext uri="{FF2B5EF4-FFF2-40B4-BE49-F238E27FC236}">
+                <a16:creationId xmlns:a16="http://schemas.microsoft.com/office/drawing/2014/main" id="{BCF2F45C-5895-3276-A29B-26E118025F8D}"/>
+              </a:ext>
+            </a:extLst>
+          </p:cNvPr>
+          <p:cNvCxnSpPr>
+            <a:cxnSpLocks/>
+            <a:stCxn id="5" idx="6"/>
+            <a:endCxn id="11" idx="2"/>
+          </p:cNvCxnSpPr>
+          <p:nvPr/>
+        </p:nvCxnSpPr>
+        <p:spPr>
+          <a:xfrm flipV="1">
+            <a:off x="1603023" y="1721556"/>
+            <a:ext cx="931333" cy="423333"/>
+          </a:xfrm>
+          <a:prstGeom prst="line">
+            <a:avLst/>
+          </a:prstGeom>
+          <a:ln>
+            <a:solidFill>
+              <a:schemeClr val="tx1"/>
+            </a:solidFill>
+          </a:ln>
+        </p:spPr>
+        <p:style>
+          <a:lnRef idx="2">
+            <a:schemeClr val="accent1"/>
+          </a:lnRef>
+          <a:fillRef idx="0">
+            <a:schemeClr val="accent1"/>
+          </a:fillRef>
+          <a:effectRef idx="1">
+            <a:schemeClr val="accent1"/>
+          </a:effectRef>
+          <a:fontRef idx="minor">
+            <a:schemeClr val="tx1"/>
+          </a:fontRef>
+        </p:style>
+      </p:cxnSp>
+      <p:cxnSp>
+        <p:nvCxnSpPr>
+          <p:cNvPr id="58" name="Straight Connector 57">
+            <a:extLst>
+              <a:ext uri="{FF2B5EF4-FFF2-40B4-BE49-F238E27FC236}">
+                <a16:creationId xmlns:a16="http://schemas.microsoft.com/office/drawing/2014/main" id="{CE002AA3-2D0F-AFD1-696C-42F876D5C8E3}"/>
+              </a:ext>
+            </a:extLst>
+          </p:cNvPr>
+          <p:cNvCxnSpPr>
+            <a:cxnSpLocks/>
+            <a:stCxn id="5" idx="6"/>
+            <a:endCxn id="12" idx="2"/>
+          </p:cNvCxnSpPr>
+          <p:nvPr/>
+        </p:nvCxnSpPr>
+        <p:spPr>
+          <a:xfrm>
+            <a:off x="1603023" y="2144889"/>
+            <a:ext cx="931332" cy="0"/>
+          </a:xfrm>
+          <a:prstGeom prst="line">
+            <a:avLst/>
+          </a:prstGeom>
+          <a:ln>
+            <a:solidFill>
+              <a:schemeClr val="tx1"/>
+            </a:solidFill>
+          </a:ln>
+        </p:spPr>
+        <p:style>
+          <a:lnRef idx="2">
+            <a:schemeClr val="accent1"/>
+          </a:lnRef>
+          <a:fillRef idx="0">
+            <a:schemeClr val="accent1"/>
+          </a:fillRef>
+          <a:effectRef idx="1">
+            <a:schemeClr val="accent1"/>
+          </a:effectRef>
+          <a:fontRef idx="minor">
+            <a:schemeClr val="tx1"/>
+          </a:fontRef>
+        </p:style>
+      </p:cxnSp>
+      <p:cxnSp>
+        <p:nvCxnSpPr>
+          <p:cNvPr id="61" name="Straight Connector 60">
+            <a:extLst>
+              <a:ext uri="{FF2B5EF4-FFF2-40B4-BE49-F238E27FC236}">
+                <a16:creationId xmlns:a16="http://schemas.microsoft.com/office/drawing/2014/main" id="{7AAC649B-EAB1-3F65-2EC1-F8121398A775}"/>
+              </a:ext>
+            </a:extLst>
+          </p:cNvPr>
+          <p:cNvCxnSpPr>
+            <a:cxnSpLocks/>
+            <a:stCxn id="5" idx="6"/>
+            <a:endCxn id="13" idx="2"/>
+          </p:cNvCxnSpPr>
+          <p:nvPr/>
+        </p:nvCxnSpPr>
+        <p:spPr>
+          <a:xfrm>
+            <a:off x="1603023" y="2144889"/>
+            <a:ext cx="931332" cy="423333"/>
+          </a:xfrm>
+          <a:prstGeom prst="line">
+            <a:avLst/>
+          </a:prstGeom>
+          <a:ln>
+            <a:solidFill>
+              <a:schemeClr val="tx1"/>
+            </a:solidFill>
+          </a:ln>
+        </p:spPr>
+        <p:style>
+          <a:lnRef idx="2">
+            <a:schemeClr val="accent1"/>
+          </a:lnRef>
+          <a:fillRef idx="0">
+            <a:schemeClr val="accent1"/>
+          </a:fillRef>
+          <a:effectRef idx="1">
+            <a:schemeClr val="accent1"/>
+          </a:effectRef>
+          <a:fontRef idx="minor">
+            <a:schemeClr val="tx1"/>
+          </a:fontRef>
+        </p:style>
+      </p:cxnSp>
+      <p:cxnSp>
+        <p:nvCxnSpPr>
+          <p:cNvPr id="64" name="Straight Connector 63">
+            <a:extLst>
+              <a:ext uri="{FF2B5EF4-FFF2-40B4-BE49-F238E27FC236}">
+                <a16:creationId xmlns:a16="http://schemas.microsoft.com/office/drawing/2014/main" id="{8075F70D-D941-7215-D51B-D0B74FDBBC53}"/>
+              </a:ext>
+            </a:extLst>
+          </p:cNvPr>
+          <p:cNvCxnSpPr>
+            <a:cxnSpLocks/>
+            <a:stCxn id="5" idx="6"/>
+            <a:endCxn id="14" idx="2"/>
+          </p:cNvCxnSpPr>
+          <p:nvPr/>
+        </p:nvCxnSpPr>
+        <p:spPr>
+          <a:xfrm>
+            <a:off x="1603023" y="2144889"/>
+            <a:ext cx="931332" cy="846666"/>
+          </a:xfrm>
+          <a:prstGeom prst="line">
+            <a:avLst/>
+          </a:prstGeom>
+          <a:ln>
+            <a:solidFill>
+              <a:schemeClr val="tx1"/>
+            </a:solidFill>
+          </a:ln>
+        </p:spPr>
+        <p:style>
+          <a:lnRef idx="2">
+            <a:schemeClr val="accent1"/>
+          </a:lnRef>
+          <a:fillRef idx="0">
+            <a:schemeClr val="accent1"/>
+          </a:fillRef>
+          <a:effectRef idx="1">
+            <a:schemeClr val="accent1"/>
+          </a:effectRef>
+          <a:fontRef idx="minor">
+            <a:schemeClr val="tx1"/>
+          </a:fontRef>
+        </p:style>
+      </p:cxnSp>
+      <p:cxnSp>
+        <p:nvCxnSpPr>
+          <p:cNvPr id="67" name="Straight Connector 66">
+            <a:extLst>
+              <a:ext uri="{FF2B5EF4-FFF2-40B4-BE49-F238E27FC236}">
+                <a16:creationId xmlns:a16="http://schemas.microsoft.com/office/drawing/2014/main" id="{A1ABB85C-2ED3-CE4A-AE6B-A85CEA02B658}"/>
+              </a:ext>
+            </a:extLst>
+          </p:cNvPr>
+          <p:cNvCxnSpPr>
+            <a:cxnSpLocks/>
+            <a:stCxn id="5" idx="6"/>
+            <a:endCxn id="15" idx="2"/>
+          </p:cNvCxnSpPr>
+          <p:nvPr/>
+        </p:nvCxnSpPr>
+        <p:spPr>
+          <a:xfrm>
+            <a:off x="1603023" y="2144889"/>
+            <a:ext cx="931332" cy="1269999"/>
+          </a:xfrm>
+          <a:prstGeom prst="line">
+            <a:avLst/>
+          </a:prstGeom>
+          <a:ln>
+            <a:solidFill>
+              <a:schemeClr val="tx1"/>
+            </a:solidFill>
+          </a:ln>
+        </p:spPr>
+        <p:style>
+          <a:lnRef idx="2">
+            <a:schemeClr val="accent1"/>
+          </a:lnRef>
+          <a:fillRef idx="0">
+            <a:schemeClr val="accent1"/>
+          </a:fillRef>
+          <a:effectRef idx="1">
+            <a:schemeClr val="accent1"/>
+          </a:effectRef>
+          <a:fontRef idx="minor">
+            <a:schemeClr val="tx1"/>
+          </a:fontRef>
+        </p:style>
+      </p:cxnSp>
+      <p:cxnSp>
+        <p:nvCxnSpPr>
+          <p:cNvPr id="70" name="Straight Connector 69">
+            <a:extLst>
+              <a:ext uri="{FF2B5EF4-FFF2-40B4-BE49-F238E27FC236}">
+                <a16:creationId xmlns:a16="http://schemas.microsoft.com/office/drawing/2014/main" id="{9EC508E7-57AF-2557-08A5-7AA4F77E7B09}"/>
+              </a:ext>
+            </a:extLst>
+          </p:cNvPr>
+          <p:cNvCxnSpPr>
+            <a:cxnSpLocks/>
+            <a:stCxn id="6" idx="6"/>
+            <a:endCxn id="10" idx="2"/>
+          </p:cNvCxnSpPr>
+          <p:nvPr/>
+        </p:nvCxnSpPr>
+        <p:spPr>
+          <a:xfrm flipV="1">
+            <a:off x="1603022" y="1298223"/>
+            <a:ext cx="931334" cy="1269999"/>
+          </a:xfrm>
+          <a:prstGeom prst="line">
+            <a:avLst/>
+          </a:prstGeom>
+          <a:ln>
+            <a:solidFill>
+              <a:schemeClr val="tx1"/>
+            </a:solidFill>
+          </a:ln>
+        </p:spPr>
+        <p:style>
+          <a:lnRef idx="2">
+            <a:schemeClr val="accent1"/>
+          </a:lnRef>
+          <a:fillRef idx="0">
+            <a:schemeClr val="accent1"/>
+          </a:fillRef>
+          <a:effectRef idx="1">
+            <a:schemeClr val="accent1"/>
+          </a:effectRef>
+          <a:fontRef idx="minor">
+            <a:schemeClr val="tx1"/>
+          </a:fontRef>
+        </p:style>
+      </p:cxnSp>
+      <p:cxnSp>
+        <p:nvCxnSpPr>
+          <p:cNvPr id="73" name="Straight Connector 72">
+            <a:extLst>
+              <a:ext uri="{FF2B5EF4-FFF2-40B4-BE49-F238E27FC236}">
+                <a16:creationId xmlns:a16="http://schemas.microsoft.com/office/drawing/2014/main" id="{57EB7022-565D-9013-215D-353ED61F6EE4}"/>
+              </a:ext>
+            </a:extLst>
+          </p:cNvPr>
+          <p:cNvCxnSpPr>
+            <a:cxnSpLocks/>
+            <a:stCxn id="6" idx="6"/>
+            <a:endCxn id="11" idx="2"/>
+          </p:cNvCxnSpPr>
+          <p:nvPr/>
+        </p:nvCxnSpPr>
+        <p:spPr>
+          <a:xfrm flipV="1">
+            <a:off x="1603022" y="1721556"/>
+            <a:ext cx="931334" cy="846666"/>
+          </a:xfrm>
+          <a:prstGeom prst="line">
+            <a:avLst/>
+          </a:prstGeom>
+          <a:ln>
+            <a:solidFill>
+              <a:schemeClr val="tx1"/>
+            </a:solidFill>
+          </a:ln>
+        </p:spPr>
+        <p:style>
+          <a:lnRef idx="2">
+            <a:schemeClr val="accent1"/>
+          </a:lnRef>
+          <a:fillRef idx="0">
+            <a:schemeClr val="accent1"/>
+          </a:fillRef>
+          <a:effectRef idx="1">
+            <a:schemeClr val="accent1"/>
+          </a:effectRef>
+          <a:fontRef idx="minor">
+            <a:schemeClr val="tx1"/>
+          </a:fontRef>
+        </p:style>
+      </p:cxnSp>
+      <p:cxnSp>
+        <p:nvCxnSpPr>
+          <p:cNvPr id="76" name="Straight Connector 75">
+            <a:extLst>
+              <a:ext uri="{FF2B5EF4-FFF2-40B4-BE49-F238E27FC236}">
+                <a16:creationId xmlns:a16="http://schemas.microsoft.com/office/drawing/2014/main" id="{CA913E34-F819-C4D4-05CA-193D70953E2E}"/>
+              </a:ext>
+            </a:extLst>
+          </p:cNvPr>
+          <p:cNvCxnSpPr>
+            <a:cxnSpLocks/>
+            <a:stCxn id="6" idx="6"/>
+            <a:endCxn id="12" idx="2"/>
+          </p:cNvCxnSpPr>
+          <p:nvPr/>
+        </p:nvCxnSpPr>
+        <p:spPr>
+          <a:xfrm flipV="1">
+            <a:off x="1603022" y="2144889"/>
+            <a:ext cx="931333" cy="423333"/>
+          </a:xfrm>
+          <a:prstGeom prst="line">
+            <a:avLst/>
+          </a:prstGeom>
+          <a:ln>
+            <a:solidFill>
+              <a:schemeClr val="tx1"/>
+            </a:solidFill>
+          </a:ln>
+        </p:spPr>
+        <p:style>
+          <a:lnRef idx="2">
+            <a:schemeClr val="accent1"/>
+          </a:lnRef>
+          <a:fillRef idx="0">
+            <a:schemeClr val="accent1"/>
+          </a:fillRef>
+          <a:effectRef idx="1">
+            <a:schemeClr val="accent1"/>
+          </a:effectRef>
+          <a:fontRef idx="minor">
+            <a:schemeClr val="tx1"/>
+          </a:fontRef>
+        </p:style>
+      </p:cxnSp>
+      <p:cxnSp>
+        <p:nvCxnSpPr>
+          <p:cNvPr id="79" name="Straight Connector 78">
+            <a:extLst>
+              <a:ext uri="{FF2B5EF4-FFF2-40B4-BE49-F238E27FC236}">
+                <a16:creationId xmlns:a16="http://schemas.microsoft.com/office/drawing/2014/main" id="{A2D2BBCB-005C-18BD-B768-12600E965D20}"/>
+              </a:ext>
+            </a:extLst>
+          </p:cNvPr>
+          <p:cNvCxnSpPr>
+            <a:cxnSpLocks/>
+            <a:stCxn id="6" idx="6"/>
+            <a:endCxn id="13" idx="2"/>
+          </p:cNvCxnSpPr>
+          <p:nvPr/>
+        </p:nvCxnSpPr>
+        <p:spPr>
+          <a:xfrm>
+            <a:off x="1603022" y="2568222"/>
+            <a:ext cx="931333" cy="0"/>
+          </a:xfrm>
+          <a:prstGeom prst="line">
+            <a:avLst/>
+          </a:prstGeom>
+          <a:ln>
+            <a:solidFill>
+              <a:schemeClr val="tx1"/>
+            </a:solidFill>
+          </a:ln>
+        </p:spPr>
+        <p:style>
+          <a:lnRef idx="2">
+            <a:schemeClr val="accent1"/>
+          </a:lnRef>
+          <a:fillRef idx="0">
+            <a:schemeClr val="accent1"/>
+          </a:fillRef>
+          <a:effectRef idx="1">
+            <a:schemeClr val="accent1"/>
+          </a:effectRef>
+          <a:fontRef idx="minor">
+            <a:schemeClr val="tx1"/>
+          </a:fontRef>
+        </p:style>
+      </p:cxnSp>
+      <p:cxnSp>
+        <p:nvCxnSpPr>
+          <p:cNvPr id="82" name="Straight Connector 81">
+            <a:extLst>
+              <a:ext uri="{FF2B5EF4-FFF2-40B4-BE49-F238E27FC236}">
+                <a16:creationId xmlns:a16="http://schemas.microsoft.com/office/drawing/2014/main" id="{60B2624F-267E-E77B-9B00-F098916132D4}"/>
+              </a:ext>
+            </a:extLst>
+          </p:cNvPr>
+          <p:cNvCxnSpPr>
+            <a:cxnSpLocks/>
+            <a:stCxn id="6" idx="6"/>
+            <a:endCxn id="14" idx="2"/>
+          </p:cNvCxnSpPr>
+          <p:nvPr/>
+        </p:nvCxnSpPr>
+        <p:spPr>
+          <a:xfrm>
+            <a:off x="1603022" y="2568222"/>
+            <a:ext cx="931333" cy="423333"/>
+          </a:xfrm>
+          <a:prstGeom prst="line">
+            <a:avLst/>
+          </a:prstGeom>
+          <a:ln>
+            <a:solidFill>
+              <a:schemeClr val="tx1"/>
+            </a:solidFill>
+          </a:ln>
+        </p:spPr>
+        <p:style>
+          <a:lnRef idx="2">
+            <a:schemeClr val="accent1"/>
+          </a:lnRef>
+          <a:fillRef idx="0">
+            <a:schemeClr val="accent1"/>
+          </a:fillRef>
+          <a:effectRef idx="1">
+            <a:schemeClr val="accent1"/>
+          </a:effectRef>
+          <a:fontRef idx="minor">
+            <a:schemeClr val="tx1"/>
+          </a:fontRef>
+        </p:style>
+      </p:cxnSp>
+      <p:cxnSp>
+        <p:nvCxnSpPr>
+          <p:cNvPr id="85" name="Straight Connector 84">
+            <a:extLst>
+              <a:ext uri="{FF2B5EF4-FFF2-40B4-BE49-F238E27FC236}">
+                <a16:creationId xmlns:a16="http://schemas.microsoft.com/office/drawing/2014/main" id="{FDF8B001-8696-73F2-A4CB-A8ADCA679496}"/>
+              </a:ext>
+            </a:extLst>
+          </p:cNvPr>
+          <p:cNvCxnSpPr>
+            <a:cxnSpLocks/>
+            <a:stCxn id="6" idx="6"/>
+            <a:endCxn id="15" idx="2"/>
+          </p:cNvCxnSpPr>
+          <p:nvPr/>
+        </p:nvCxnSpPr>
+        <p:spPr>
+          <a:xfrm>
+            <a:off x="1603022" y="2568222"/>
+            <a:ext cx="931333" cy="846666"/>
+          </a:xfrm>
+          <a:prstGeom prst="line">
+            <a:avLst/>
+          </a:prstGeom>
+          <a:ln>
+            <a:solidFill>
+              <a:schemeClr val="tx1"/>
+            </a:solidFill>
+          </a:ln>
+        </p:spPr>
+        <p:style>
+          <a:lnRef idx="2">
+            <a:schemeClr val="accent1"/>
+          </a:lnRef>
+          <a:fillRef idx="0">
+            <a:schemeClr val="accent1"/>
+          </a:fillRef>
+          <a:effectRef idx="1">
+            <a:schemeClr val="accent1"/>
+          </a:effectRef>
+          <a:fontRef idx="minor">
+            <a:schemeClr val="tx1"/>
+          </a:fontRef>
+        </p:style>
+      </p:cxnSp>
+      <p:cxnSp>
+        <p:nvCxnSpPr>
+          <p:cNvPr id="88" name="Straight Connector 87">
+            <a:extLst>
+              <a:ext uri="{FF2B5EF4-FFF2-40B4-BE49-F238E27FC236}">
+                <a16:creationId xmlns:a16="http://schemas.microsoft.com/office/drawing/2014/main" id="{D8369C3A-7C9D-3AD5-C638-EBD7CD5926D6}"/>
+              </a:ext>
+            </a:extLst>
+          </p:cNvPr>
+          <p:cNvCxnSpPr>
+            <a:cxnSpLocks/>
+            <a:stCxn id="7" idx="6"/>
+            <a:endCxn id="10" idx="2"/>
+          </p:cNvCxnSpPr>
+          <p:nvPr/>
+        </p:nvCxnSpPr>
+        <p:spPr>
+          <a:xfrm flipV="1">
+            <a:off x="1603022" y="1298223"/>
+            <a:ext cx="931334" cy="1693332"/>
+          </a:xfrm>
+          <a:prstGeom prst="line">
+            <a:avLst/>
+          </a:prstGeom>
+          <a:ln>
+            <a:solidFill>
+              <a:schemeClr val="tx1"/>
+            </a:solidFill>
+          </a:ln>
+        </p:spPr>
+        <p:style>
+          <a:lnRef idx="2">
+            <a:schemeClr val="accent1"/>
+          </a:lnRef>
+          <a:fillRef idx="0">
+            <a:schemeClr val="accent1"/>
+          </a:fillRef>
+          <a:effectRef idx="1">
+            <a:schemeClr val="accent1"/>
+          </a:effectRef>
+          <a:fontRef idx="minor">
+            <a:schemeClr val="tx1"/>
+          </a:fontRef>
+        </p:style>
+      </p:cxnSp>
+      <p:cxnSp>
+        <p:nvCxnSpPr>
+          <p:cNvPr id="91" name="Straight Connector 90">
+            <a:extLst>
+              <a:ext uri="{FF2B5EF4-FFF2-40B4-BE49-F238E27FC236}">
+                <a16:creationId xmlns:a16="http://schemas.microsoft.com/office/drawing/2014/main" id="{1F49C8C3-ADF9-93C4-3EB3-165FA752272D}"/>
+              </a:ext>
+            </a:extLst>
+          </p:cNvPr>
+          <p:cNvCxnSpPr>
+            <a:cxnSpLocks/>
+            <a:stCxn id="7" idx="6"/>
+            <a:endCxn id="11" idx="2"/>
+          </p:cNvCxnSpPr>
+          <p:nvPr/>
+        </p:nvCxnSpPr>
+        <p:spPr>
+          <a:xfrm flipV="1">
+            <a:off x="1603022" y="1721556"/>
+            <a:ext cx="931334" cy="1269999"/>
+          </a:xfrm>
+          <a:prstGeom prst="line">
+            <a:avLst/>
+          </a:prstGeom>
+          <a:ln>
+            <a:solidFill>
+              <a:schemeClr val="tx1"/>
+            </a:solidFill>
+          </a:ln>
+        </p:spPr>
+        <p:style>
+          <a:lnRef idx="2">
+            <a:schemeClr val="accent1"/>
+          </a:lnRef>
+          <a:fillRef idx="0">
+            <a:schemeClr val="accent1"/>
+          </a:fillRef>
+          <a:effectRef idx="1">
+            <a:schemeClr val="accent1"/>
+          </a:effectRef>
+          <a:fontRef idx="minor">
+            <a:schemeClr val="tx1"/>
+          </a:fontRef>
+        </p:style>
+      </p:cxnSp>
+      <p:cxnSp>
+        <p:nvCxnSpPr>
+          <p:cNvPr id="94" name="Straight Connector 93">
+            <a:extLst>
+              <a:ext uri="{FF2B5EF4-FFF2-40B4-BE49-F238E27FC236}">
+                <a16:creationId xmlns:a16="http://schemas.microsoft.com/office/drawing/2014/main" id="{053DA1B7-C7DD-0E39-3ADD-2DFCBA1C9781}"/>
+              </a:ext>
+            </a:extLst>
+          </p:cNvPr>
+          <p:cNvCxnSpPr>
+            <a:cxnSpLocks/>
+            <a:stCxn id="7" idx="6"/>
+            <a:endCxn id="12" idx="2"/>
+          </p:cNvCxnSpPr>
+          <p:nvPr/>
+        </p:nvCxnSpPr>
+        <p:spPr>
+          <a:xfrm flipV="1">
+            <a:off x="1603022" y="2144889"/>
+            <a:ext cx="931333" cy="846666"/>
+          </a:xfrm>
+          <a:prstGeom prst="line">
+            <a:avLst/>
+          </a:prstGeom>
+          <a:ln>
+            <a:solidFill>
+              <a:schemeClr val="tx1"/>
+            </a:solidFill>
+          </a:ln>
+        </p:spPr>
+        <p:style>
+          <a:lnRef idx="2">
+            <a:schemeClr val="accent1"/>
+          </a:lnRef>
+          <a:fillRef idx="0">
+            <a:schemeClr val="accent1"/>
+          </a:fillRef>
+          <a:effectRef idx="1">
+            <a:schemeClr val="accent1"/>
+          </a:effectRef>
+          <a:fontRef idx="minor">
+            <a:schemeClr val="tx1"/>
+          </a:fontRef>
+        </p:style>
+      </p:cxnSp>
+      <p:cxnSp>
+        <p:nvCxnSpPr>
+          <p:cNvPr id="97" name="Straight Connector 96">
+            <a:extLst>
+              <a:ext uri="{FF2B5EF4-FFF2-40B4-BE49-F238E27FC236}">
+                <a16:creationId xmlns:a16="http://schemas.microsoft.com/office/drawing/2014/main" id="{B92388AD-ABCE-4824-CEF0-D5CE3ED2A0AE}"/>
+              </a:ext>
+            </a:extLst>
+          </p:cNvPr>
+          <p:cNvCxnSpPr>
+            <a:cxnSpLocks/>
+            <a:stCxn id="7" idx="6"/>
+            <a:endCxn id="13" idx="2"/>
+          </p:cNvCxnSpPr>
+          <p:nvPr/>
+        </p:nvCxnSpPr>
+        <p:spPr>
+          <a:xfrm flipV="1">
+            <a:off x="1603022" y="2568222"/>
+            <a:ext cx="931333" cy="423333"/>
+          </a:xfrm>
+          <a:prstGeom prst="line">
+            <a:avLst/>
+          </a:prstGeom>
+          <a:ln>
+            <a:solidFill>
+              <a:schemeClr val="tx1"/>
+            </a:solidFill>
+          </a:ln>
+        </p:spPr>
+        <p:style>
+          <a:lnRef idx="2">
+            <a:schemeClr val="accent1"/>
+          </a:lnRef>
+          <a:fillRef idx="0">
+            <a:schemeClr val="accent1"/>
+          </a:fillRef>
+          <a:effectRef idx="1">
+            <a:schemeClr val="accent1"/>
+          </a:effectRef>
+          <a:fontRef idx="minor">
+            <a:schemeClr val="tx1"/>
+          </a:fontRef>
+        </p:style>
+      </p:cxnSp>
+      <p:cxnSp>
+        <p:nvCxnSpPr>
+          <p:cNvPr id="100" name="Straight Connector 99">
+            <a:extLst>
+              <a:ext uri="{FF2B5EF4-FFF2-40B4-BE49-F238E27FC236}">
+                <a16:creationId xmlns:a16="http://schemas.microsoft.com/office/drawing/2014/main" id="{0C3FC6A9-40DE-4F53-6E77-FF824A2DA79C}"/>
+              </a:ext>
+            </a:extLst>
+          </p:cNvPr>
+          <p:cNvCxnSpPr>
+            <a:cxnSpLocks/>
+            <a:stCxn id="7" idx="6"/>
+            <a:endCxn id="14" idx="2"/>
+          </p:cNvCxnSpPr>
+          <p:nvPr/>
+        </p:nvCxnSpPr>
+        <p:spPr>
+          <a:xfrm>
+            <a:off x="1603022" y="2991555"/>
+            <a:ext cx="931333" cy="0"/>
+          </a:xfrm>
+          <a:prstGeom prst="line">
+            <a:avLst/>
+          </a:prstGeom>
+          <a:ln>
+            <a:solidFill>
+              <a:schemeClr val="tx1"/>
+            </a:solidFill>
+          </a:ln>
+        </p:spPr>
+        <p:style>
+          <a:lnRef idx="2">
+            <a:schemeClr val="accent1"/>
+          </a:lnRef>
+          <a:fillRef idx="0">
+            <a:schemeClr val="accent1"/>
+          </a:fillRef>
+          <a:effectRef idx="1">
+            <a:schemeClr val="accent1"/>
+          </a:effectRef>
+          <a:fontRef idx="minor">
+            <a:schemeClr val="tx1"/>
+          </a:fontRef>
+        </p:style>
+      </p:cxnSp>
+      <p:cxnSp>
+        <p:nvCxnSpPr>
+          <p:cNvPr id="103" name="Straight Connector 102">
+            <a:extLst>
+              <a:ext uri="{FF2B5EF4-FFF2-40B4-BE49-F238E27FC236}">
+                <a16:creationId xmlns:a16="http://schemas.microsoft.com/office/drawing/2014/main" id="{016EDB4D-4EC4-8328-16A6-CC8145D0089B}"/>
+              </a:ext>
+            </a:extLst>
+          </p:cNvPr>
+          <p:cNvCxnSpPr>
+            <a:cxnSpLocks/>
+            <a:stCxn id="7" idx="6"/>
+            <a:endCxn id="15" idx="2"/>
+          </p:cNvCxnSpPr>
+          <p:nvPr/>
+        </p:nvCxnSpPr>
+        <p:spPr>
+          <a:xfrm>
+            <a:off x="1603022" y="2991555"/>
+            <a:ext cx="931333" cy="423333"/>
+          </a:xfrm>
+          <a:prstGeom prst="line">
+            <a:avLst/>
+          </a:prstGeom>
+          <a:ln>
+            <a:solidFill>
+              <a:schemeClr val="tx1"/>
+            </a:solidFill>
+          </a:ln>
+        </p:spPr>
+        <p:style>
+          <a:lnRef idx="2">
+            <a:schemeClr val="accent1"/>
+          </a:lnRef>
+          <a:fillRef idx="0">
+            <a:schemeClr val="accent1"/>
+          </a:fillRef>
+          <a:effectRef idx="1">
+            <a:schemeClr val="accent1"/>
+          </a:effectRef>
+          <a:fontRef idx="minor">
+            <a:schemeClr val="tx1"/>
+          </a:fontRef>
+        </p:style>
+      </p:cxnSp>
+      <p:cxnSp>
+        <p:nvCxnSpPr>
+          <p:cNvPr id="106" name="Straight Connector 105">
+            <a:extLst>
+              <a:ext uri="{FF2B5EF4-FFF2-40B4-BE49-F238E27FC236}">
+                <a16:creationId xmlns:a16="http://schemas.microsoft.com/office/drawing/2014/main" id="{1205BE0A-6DCA-5F7B-B24B-FED4EB7585CA}"/>
+              </a:ext>
+            </a:extLst>
+          </p:cNvPr>
+          <p:cNvCxnSpPr>
+            <a:cxnSpLocks/>
+            <a:stCxn id="10" idx="6"/>
+            <a:endCxn id="16" idx="2"/>
+          </p:cNvCxnSpPr>
+          <p:nvPr/>
+        </p:nvCxnSpPr>
+        <p:spPr>
+          <a:xfrm>
+            <a:off x="2794001" y="1298223"/>
+            <a:ext cx="841020" cy="846666"/>
+          </a:xfrm>
+          <a:prstGeom prst="line">
+            <a:avLst/>
+          </a:prstGeom>
+          <a:ln>
+            <a:solidFill>
+              <a:schemeClr val="tx1"/>
+            </a:solidFill>
+          </a:ln>
+        </p:spPr>
+        <p:style>
+          <a:lnRef idx="2">
+            <a:schemeClr val="accent1"/>
+          </a:lnRef>
+          <a:fillRef idx="0">
+            <a:schemeClr val="accent1"/>
+          </a:fillRef>
+          <a:effectRef idx="1">
+            <a:schemeClr val="accent1"/>
+          </a:effectRef>
+          <a:fontRef idx="minor">
+            <a:schemeClr val="tx1"/>
+          </a:fontRef>
+        </p:style>
+      </p:cxnSp>
+      <p:cxnSp>
+        <p:nvCxnSpPr>
+          <p:cNvPr id="109" name="Straight Connector 108">
+            <a:extLst>
+              <a:ext uri="{FF2B5EF4-FFF2-40B4-BE49-F238E27FC236}">
+                <a16:creationId xmlns:a16="http://schemas.microsoft.com/office/drawing/2014/main" id="{7A128A32-0D0C-0B4B-2574-C2F4D982DD09}"/>
+              </a:ext>
+            </a:extLst>
+          </p:cNvPr>
+          <p:cNvCxnSpPr>
+            <a:cxnSpLocks/>
+            <a:stCxn id="11" idx="6"/>
+            <a:endCxn id="16" idx="2"/>
+          </p:cNvCxnSpPr>
+          <p:nvPr/>
+        </p:nvCxnSpPr>
+        <p:spPr>
+          <a:xfrm>
+            <a:off x="2794001" y="1721556"/>
+            <a:ext cx="841020" cy="423333"/>
+          </a:xfrm>
+          <a:prstGeom prst="line">
+            <a:avLst/>
+          </a:prstGeom>
+          <a:ln>
+            <a:solidFill>
+              <a:schemeClr val="tx1"/>
+            </a:solidFill>
+          </a:ln>
+        </p:spPr>
+        <p:style>
+          <a:lnRef idx="2">
+            <a:schemeClr val="accent1"/>
+          </a:lnRef>
+          <a:fillRef idx="0">
+            <a:schemeClr val="accent1"/>
+          </a:fillRef>
+          <a:effectRef idx="1">
+            <a:schemeClr val="accent1"/>
+          </a:effectRef>
+          <a:fontRef idx="minor">
+            <a:schemeClr val="tx1"/>
+          </a:fontRef>
+        </p:style>
+      </p:cxnSp>
+      <p:cxnSp>
+        <p:nvCxnSpPr>
+          <p:cNvPr id="112" name="Straight Connector 111">
+            <a:extLst>
+              <a:ext uri="{FF2B5EF4-FFF2-40B4-BE49-F238E27FC236}">
+                <a16:creationId xmlns:a16="http://schemas.microsoft.com/office/drawing/2014/main" id="{34D19CCA-DA77-29C0-F9F3-2D95142FB16D}"/>
+              </a:ext>
+            </a:extLst>
+          </p:cNvPr>
+          <p:cNvCxnSpPr>
+            <a:cxnSpLocks/>
+            <a:stCxn id="12" idx="6"/>
+            <a:endCxn id="16" idx="2"/>
+          </p:cNvCxnSpPr>
+          <p:nvPr/>
+        </p:nvCxnSpPr>
+        <p:spPr>
+          <a:xfrm>
+            <a:off x="2794000" y="2144889"/>
+            <a:ext cx="841021" cy="0"/>
+          </a:xfrm>
+          <a:prstGeom prst="line">
+            <a:avLst/>
+          </a:prstGeom>
+          <a:ln>
+            <a:solidFill>
+              <a:schemeClr val="tx1"/>
+            </a:solidFill>
+          </a:ln>
+        </p:spPr>
+        <p:style>
+          <a:lnRef idx="2">
+            <a:schemeClr val="accent1"/>
+          </a:lnRef>
+          <a:fillRef idx="0">
+            <a:schemeClr val="accent1"/>
+          </a:fillRef>
+          <a:effectRef idx="1">
+            <a:schemeClr val="accent1"/>
+          </a:effectRef>
+          <a:fontRef idx="minor">
+            <a:schemeClr val="tx1"/>
+          </a:fontRef>
+        </p:style>
+      </p:cxnSp>
+      <p:cxnSp>
+        <p:nvCxnSpPr>
+          <p:cNvPr id="115" name="Straight Connector 114">
+            <a:extLst>
+              <a:ext uri="{FF2B5EF4-FFF2-40B4-BE49-F238E27FC236}">
+                <a16:creationId xmlns:a16="http://schemas.microsoft.com/office/drawing/2014/main" id="{D646836E-3AEC-40EB-4E31-262CD2E9C8C4}"/>
+              </a:ext>
+            </a:extLst>
+          </p:cNvPr>
+          <p:cNvCxnSpPr>
+            <a:cxnSpLocks/>
+            <a:stCxn id="13" idx="6"/>
+            <a:endCxn id="16" idx="2"/>
+          </p:cNvCxnSpPr>
+          <p:nvPr/>
+        </p:nvCxnSpPr>
+        <p:spPr>
+          <a:xfrm flipV="1">
+            <a:off x="2794000" y="2144889"/>
+            <a:ext cx="841021" cy="423333"/>
+          </a:xfrm>
+          <a:prstGeom prst="line">
+            <a:avLst/>
+          </a:prstGeom>
+          <a:ln>
+            <a:solidFill>
+              <a:schemeClr val="tx1"/>
+            </a:solidFill>
+          </a:ln>
+        </p:spPr>
+        <p:style>
+          <a:lnRef idx="2">
+            <a:schemeClr val="accent1"/>
+          </a:lnRef>
+          <a:fillRef idx="0">
+            <a:schemeClr val="accent1"/>
+          </a:fillRef>
+          <a:effectRef idx="1">
+            <a:schemeClr val="accent1"/>
+          </a:effectRef>
+          <a:fontRef idx="minor">
+            <a:schemeClr val="tx1"/>
+          </a:fontRef>
+        </p:style>
+      </p:cxnSp>
+      <p:cxnSp>
+        <p:nvCxnSpPr>
+          <p:cNvPr id="118" name="Straight Connector 117">
+            <a:extLst>
+              <a:ext uri="{FF2B5EF4-FFF2-40B4-BE49-F238E27FC236}">
+                <a16:creationId xmlns:a16="http://schemas.microsoft.com/office/drawing/2014/main" id="{B63A6C3D-AEA4-8751-D690-6FFC59E52EE8}"/>
+              </a:ext>
+            </a:extLst>
+          </p:cNvPr>
+          <p:cNvCxnSpPr>
+            <a:cxnSpLocks/>
+            <a:stCxn id="14" idx="6"/>
+            <a:endCxn id="16" idx="2"/>
+          </p:cNvCxnSpPr>
+          <p:nvPr/>
+        </p:nvCxnSpPr>
+        <p:spPr>
+          <a:xfrm flipV="1">
+            <a:off x="2794000" y="2144889"/>
+            <a:ext cx="841021" cy="846666"/>
+          </a:xfrm>
+          <a:prstGeom prst="line">
+            <a:avLst/>
+          </a:prstGeom>
+          <a:ln>
+            <a:solidFill>
+              <a:schemeClr val="tx1"/>
+            </a:solidFill>
+          </a:ln>
+        </p:spPr>
+        <p:style>
+          <a:lnRef idx="2">
+            <a:schemeClr val="accent1"/>
+          </a:lnRef>
+          <a:fillRef idx="0">
+            <a:schemeClr val="accent1"/>
+          </a:fillRef>
+          <a:effectRef idx="1">
+            <a:schemeClr val="accent1"/>
+          </a:effectRef>
+          <a:fontRef idx="minor">
+            <a:schemeClr val="tx1"/>
+          </a:fontRef>
+        </p:style>
+      </p:cxnSp>
+      <p:cxnSp>
+        <p:nvCxnSpPr>
+          <p:cNvPr id="121" name="Straight Connector 120">
+            <a:extLst>
+              <a:ext uri="{FF2B5EF4-FFF2-40B4-BE49-F238E27FC236}">
+                <a16:creationId xmlns:a16="http://schemas.microsoft.com/office/drawing/2014/main" id="{17D178B7-7449-70A7-DD75-8E1F4C76918F}"/>
+              </a:ext>
+            </a:extLst>
+          </p:cNvPr>
+          <p:cNvCxnSpPr>
+            <a:cxnSpLocks/>
+            <a:stCxn id="15" idx="6"/>
+            <a:endCxn id="16" idx="2"/>
+          </p:cNvCxnSpPr>
+          <p:nvPr/>
+        </p:nvCxnSpPr>
+        <p:spPr>
+          <a:xfrm flipV="1">
+            <a:off x="2794000" y="2144889"/>
+            <a:ext cx="841021" cy="1269999"/>
+          </a:xfrm>
+          <a:prstGeom prst="line">
+            <a:avLst/>
+          </a:prstGeom>
+          <a:ln>
+            <a:solidFill>
+              <a:schemeClr val="tx1"/>
+            </a:solidFill>
+          </a:ln>
+        </p:spPr>
+        <p:style>
+          <a:lnRef idx="2">
+            <a:schemeClr val="accent1"/>
+          </a:lnRef>
+          <a:fillRef idx="0">
+            <a:schemeClr val="accent1"/>
+          </a:fillRef>
+          <a:effectRef idx="1">
+            <a:schemeClr val="accent1"/>
+          </a:effectRef>
+          <a:fontRef idx="minor">
+            <a:schemeClr val="tx1"/>
+          </a:fontRef>
+        </p:style>
+      </p:cxnSp>
+      <p:cxnSp>
+        <p:nvCxnSpPr>
+          <p:cNvPr id="124" name="Straight Connector 123">
+            <a:extLst>
+              <a:ext uri="{FF2B5EF4-FFF2-40B4-BE49-F238E27FC236}">
+                <a16:creationId xmlns:a16="http://schemas.microsoft.com/office/drawing/2014/main" id="{DAE6E88A-8381-164F-AE59-3C53BB8F541A}"/>
+              </a:ext>
+            </a:extLst>
+          </p:cNvPr>
+          <p:cNvCxnSpPr>
+            <a:cxnSpLocks/>
+            <a:stCxn id="10" idx="6"/>
+            <a:endCxn id="17" idx="2"/>
+          </p:cNvCxnSpPr>
+          <p:nvPr/>
+        </p:nvCxnSpPr>
+        <p:spPr>
+          <a:xfrm>
+            <a:off x="2794001" y="1298223"/>
+            <a:ext cx="841020" cy="1269999"/>
+          </a:xfrm>
+          <a:prstGeom prst="line">
+            <a:avLst/>
+          </a:prstGeom>
+          <a:ln>
+            <a:solidFill>
+              <a:schemeClr val="tx1"/>
+            </a:solidFill>
+          </a:ln>
+        </p:spPr>
+        <p:style>
+          <a:lnRef idx="2">
+            <a:schemeClr val="accent1"/>
+          </a:lnRef>
+          <a:fillRef idx="0">
+            <a:schemeClr val="accent1"/>
+          </a:fillRef>
+          <a:effectRef idx="1">
+            <a:schemeClr val="accent1"/>
+          </a:effectRef>
+          <a:fontRef idx="minor">
+            <a:schemeClr val="tx1"/>
+          </a:fontRef>
+        </p:style>
+      </p:cxnSp>
+      <p:cxnSp>
+        <p:nvCxnSpPr>
+          <p:cNvPr id="127" name="Straight Connector 126">
+            <a:extLst>
+              <a:ext uri="{FF2B5EF4-FFF2-40B4-BE49-F238E27FC236}">
+                <a16:creationId xmlns:a16="http://schemas.microsoft.com/office/drawing/2014/main" id="{EAEEF1E7-E00D-D614-643D-614955ADF2F7}"/>
+              </a:ext>
+            </a:extLst>
+          </p:cNvPr>
+          <p:cNvCxnSpPr>
+            <a:cxnSpLocks/>
+            <a:stCxn id="11" idx="6"/>
+            <a:endCxn id="17" idx="2"/>
+          </p:cNvCxnSpPr>
+          <p:nvPr/>
+        </p:nvCxnSpPr>
+        <p:spPr>
+          <a:xfrm>
+            <a:off x="2794001" y="1721556"/>
+            <a:ext cx="841020" cy="846666"/>
+          </a:xfrm>
+          <a:prstGeom prst="line">
+            <a:avLst/>
+          </a:prstGeom>
+          <a:ln>
+            <a:solidFill>
+              <a:schemeClr val="tx1"/>
+            </a:solidFill>
+          </a:ln>
+        </p:spPr>
+        <p:style>
+          <a:lnRef idx="2">
+            <a:schemeClr val="accent1"/>
+          </a:lnRef>
+          <a:fillRef idx="0">
+            <a:schemeClr val="accent1"/>
+          </a:fillRef>
+          <a:effectRef idx="1">
+            <a:schemeClr val="accent1"/>
+          </a:effectRef>
+          <a:fontRef idx="minor">
+            <a:schemeClr val="tx1"/>
+          </a:fontRef>
+        </p:style>
+      </p:cxnSp>
+      <p:cxnSp>
+        <p:nvCxnSpPr>
+          <p:cNvPr id="130" name="Straight Connector 129">
+            <a:extLst>
+              <a:ext uri="{FF2B5EF4-FFF2-40B4-BE49-F238E27FC236}">
+                <a16:creationId xmlns:a16="http://schemas.microsoft.com/office/drawing/2014/main" id="{A885F124-8ECA-F02E-A201-2D400CB7C4A1}"/>
+              </a:ext>
+            </a:extLst>
+          </p:cNvPr>
+          <p:cNvCxnSpPr>
+            <a:cxnSpLocks/>
+            <a:stCxn id="12" idx="6"/>
+            <a:endCxn id="17" idx="2"/>
+          </p:cNvCxnSpPr>
+          <p:nvPr/>
+        </p:nvCxnSpPr>
+        <p:spPr>
+          <a:xfrm>
+            <a:off x="2794000" y="2144889"/>
+            <a:ext cx="841021" cy="423333"/>
+          </a:xfrm>
+          <a:prstGeom prst="line">
+            <a:avLst/>
+          </a:prstGeom>
+          <a:ln>
+            <a:solidFill>
+              <a:schemeClr val="tx1"/>
+            </a:solidFill>
+          </a:ln>
+        </p:spPr>
+        <p:style>
+          <a:lnRef idx="2">
+            <a:schemeClr val="accent1"/>
+          </a:lnRef>
+          <a:fillRef idx="0">
+            <a:schemeClr val="accent1"/>
+          </a:fillRef>
+          <a:effectRef idx="1">
+            <a:schemeClr val="accent1"/>
+          </a:effectRef>
+          <a:fontRef idx="minor">
+            <a:schemeClr val="tx1"/>
+          </a:fontRef>
+        </p:style>
+      </p:cxnSp>
+      <p:cxnSp>
+        <p:nvCxnSpPr>
+          <p:cNvPr id="133" name="Straight Connector 132">
+            <a:extLst>
+              <a:ext uri="{FF2B5EF4-FFF2-40B4-BE49-F238E27FC236}">
+                <a16:creationId xmlns:a16="http://schemas.microsoft.com/office/drawing/2014/main" id="{E72EFE4D-A31C-DCFD-76E0-EC678888E5DA}"/>
+              </a:ext>
+            </a:extLst>
+          </p:cNvPr>
+          <p:cNvCxnSpPr>
+            <a:cxnSpLocks/>
+            <a:stCxn id="13" idx="6"/>
+            <a:endCxn id="17" idx="2"/>
+          </p:cNvCxnSpPr>
+          <p:nvPr/>
+        </p:nvCxnSpPr>
+        <p:spPr>
+          <a:xfrm>
+            <a:off x="2794000" y="2568222"/>
+            <a:ext cx="841021" cy="0"/>
+          </a:xfrm>
+          <a:prstGeom prst="line">
+            <a:avLst/>
+          </a:prstGeom>
+          <a:ln>
+            <a:solidFill>
+              <a:schemeClr val="tx1"/>
+            </a:solidFill>
+          </a:ln>
+        </p:spPr>
+        <p:style>
+          <a:lnRef idx="2">
+            <a:schemeClr val="accent1"/>
+          </a:lnRef>
+          <a:fillRef idx="0">
+            <a:schemeClr val="accent1"/>
+          </a:fillRef>
+          <a:effectRef idx="1">
+            <a:schemeClr val="accent1"/>
+          </a:effectRef>
+          <a:fontRef idx="minor">
+            <a:schemeClr val="tx1"/>
+          </a:fontRef>
+        </p:style>
+      </p:cxnSp>
+      <p:cxnSp>
+        <p:nvCxnSpPr>
+          <p:cNvPr id="136" name="Straight Connector 135">
+            <a:extLst>
+              <a:ext uri="{FF2B5EF4-FFF2-40B4-BE49-F238E27FC236}">
+                <a16:creationId xmlns:a16="http://schemas.microsoft.com/office/drawing/2014/main" id="{99A01E79-2951-00DD-1719-B3BC71F041D7}"/>
+              </a:ext>
+            </a:extLst>
+          </p:cNvPr>
+          <p:cNvCxnSpPr>
+            <a:cxnSpLocks/>
+            <a:stCxn id="14" idx="6"/>
+            <a:endCxn id="17" idx="2"/>
+          </p:cNvCxnSpPr>
+          <p:nvPr/>
+        </p:nvCxnSpPr>
+        <p:spPr>
+          <a:xfrm flipV="1">
+            <a:off x="2794000" y="2568222"/>
+            <a:ext cx="841021" cy="423333"/>
+          </a:xfrm>
+          <a:prstGeom prst="line">
+            <a:avLst/>
+          </a:prstGeom>
+          <a:ln>
+            <a:solidFill>
+              <a:schemeClr val="tx1"/>
+            </a:solidFill>
+          </a:ln>
+        </p:spPr>
+        <p:style>
+          <a:lnRef idx="2">
+            <a:schemeClr val="accent1"/>
+          </a:lnRef>
+          <a:fillRef idx="0">
+            <a:schemeClr val="accent1"/>
+          </a:fillRef>
+          <a:effectRef idx="1">
+            <a:schemeClr val="accent1"/>
+          </a:effectRef>
+          <a:fontRef idx="minor">
+            <a:schemeClr val="tx1"/>
+          </a:fontRef>
+        </p:style>
+      </p:cxnSp>
+      <p:cxnSp>
+        <p:nvCxnSpPr>
+          <p:cNvPr id="139" name="Straight Connector 138">
+            <a:extLst>
+              <a:ext uri="{FF2B5EF4-FFF2-40B4-BE49-F238E27FC236}">
+                <a16:creationId xmlns:a16="http://schemas.microsoft.com/office/drawing/2014/main" id="{D8341C47-7E6C-F816-1CCD-0549DB879C9C}"/>
+              </a:ext>
+            </a:extLst>
+          </p:cNvPr>
+          <p:cNvCxnSpPr>
+            <a:cxnSpLocks/>
+            <a:stCxn id="15" idx="6"/>
+            <a:endCxn id="17" idx="2"/>
+          </p:cNvCxnSpPr>
+          <p:nvPr/>
+        </p:nvCxnSpPr>
+        <p:spPr>
+          <a:xfrm flipV="1">
+            <a:off x="2794000" y="2568222"/>
+            <a:ext cx="841021" cy="846666"/>
+          </a:xfrm>
+          <a:prstGeom prst="line">
+            <a:avLst/>
+          </a:prstGeom>
+          <a:ln>
+            <a:solidFill>
+              <a:schemeClr val="tx1"/>
+            </a:solidFill>
+          </a:ln>
+        </p:spPr>
+        <p:style>
+          <a:lnRef idx="2">
+            <a:schemeClr val="accent1"/>
+          </a:lnRef>
+          <a:fillRef idx="0">
+            <a:schemeClr val="accent1"/>
+          </a:fillRef>
+          <a:effectRef idx="1">
+            <a:schemeClr val="accent1"/>
+          </a:effectRef>
+          <a:fontRef idx="minor">
+            <a:schemeClr val="tx1"/>
+          </a:fontRef>
+        </p:style>
+      </p:cxnSp>
+      <p:sp>
+        <p:nvSpPr>
+          <p:cNvPr id="229" name="Oval 228">
+            <a:extLst>
+              <a:ext uri="{FF2B5EF4-FFF2-40B4-BE49-F238E27FC236}">
+                <a16:creationId xmlns:a16="http://schemas.microsoft.com/office/drawing/2014/main" id="{0F590369-237C-88E5-23A8-F7CA33DAC8DE}"/>
+              </a:ext>
+            </a:extLst>
+          </p:cNvPr>
+          <p:cNvSpPr/>
+          <p:nvPr/>
+        </p:nvSpPr>
+        <p:spPr>
+          <a:xfrm flipH="1">
+            <a:off x="5926664" y="1591733"/>
+            <a:ext cx="259645" cy="259645"/>
+          </a:xfrm>
+          <a:prstGeom prst="ellipse">
+            <a:avLst/>
+          </a:prstGeom>
+          <a:solidFill>
+            <a:schemeClr val="bg1"/>
+          </a:solidFill>
+          <a:ln>
+            <a:solidFill>
+              <a:schemeClr val="tx1"/>
+            </a:solidFill>
+          </a:ln>
+        </p:spPr>
+        <p:style>
+          <a:lnRef idx="2">
+            <a:schemeClr val="accent1">
+              <a:shade val="15000"/>
+            </a:schemeClr>
+          </a:lnRef>
+          <a:fillRef idx="1">
+            <a:schemeClr val="accent1"/>
+          </a:fillRef>
+          <a:effectRef idx="0">
+            <a:schemeClr val="accent1"/>
+          </a:effectRef>
+          <a:fontRef idx="minor">
+            <a:schemeClr val="lt1"/>
+          </a:fontRef>
+        </p:style>
+        <p:txBody>
+          <a:bodyPr rtlCol="0" anchor="ctr"/>
+          <a:lstStyle/>
+          <a:p>
+            <a:pPr algn="ctr"/>
+            <a:endParaRPr lang="en-US"/>
+          </a:p>
+        </p:txBody>
+      </p:sp>
+      <p:sp>
+        <p:nvSpPr>
+          <p:cNvPr id="230" name="Oval 229">
+            <a:extLst>
+              <a:ext uri="{FF2B5EF4-FFF2-40B4-BE49-F238E27FC236}">
+                <a16:creationId xmlns:a16="http://schemas.microsoft.com/office/drawing/2014/main" id="{9277CFC3-55F3-4DE2-6838-19A734FA4541}"/>
+              </a:ext>
+            </a:extLst>
+          </p:cNvPr>
+          <p:cNvSpPr/>
+          <p:nvPr/>
+        </p:nvSpPr>
+        <p:spPr>
+          <a:xfrm flipH="1">
+            <a:off x="5926664" y="2015066"/>
+            <a:ext cx="259645" cy="259645"/>
+          </a:xfrm>
+          <a:prstGeom prst="ellipse">
+            <a:avLst/>
+          </a:prstGeom>
+          <a:solidFill>
+            <a:schemeClr val="bg1"/>
+          </a:solidFill>
+          <a:ln>
+            <a:solidFill>
+              <a:schemeClr val="tx1"/>
+            </a:solidFill>
+          </a:ln>
+        </p:spPr>
+        <p:style>
+          <a:lnRef idx="2">
+            <a:schemeClr val="accent1">
+              <a:shade val="15000"/>
+            </a:schemeClr>
+          </a:lnRef>
+          <a:fillRef idx="1">
+            <a:schemeClr val="accent1"/>
+          </a:fillRef>
+          <a:effectRef idx="0">
+            <a:schemeClr val="accent1"/>
+          </a:effectRef>
+          <a:fontRef idx="minor">
+            <a:schemeClr val="lt1"/>
+          </a:fontRef>
+        </p:style>
+        <p:txBody>
+          <a:bodyPr rtlCol="0" anchor="ctr"/>
+          <a:lstStyle/>
+          <a:p>
+            <a:pPr algn="ctr"/>
+            <a:endParaRPr lang="en-US"/>
+          </a:p>
+        </p:txBody>
+      </p:sp>
+      <p:sp>
+        <p:nvSpPr>
+          <p:cNvPr id="231" name="Oval 230">
+            <a:extLst>
+              <a:ext uri="{FF2B5EF4-FFF2-40B4-BE49-F238E27FC236}">
+                <a16:creationId xmlns:a16="http://schemas.microsoft.com/office/drawing/2014/main" id="{5902D8CA-D674-6F82-42C9-8272DCB746A9}"/>
+              </a:ext>
+            </a:extLst>
+          </p:cNvPr>
+          <p:cNvSpPr/>
+          <p:nvPr/>
+        </p:nvSpPr>
+        <p:spPr>
+          <a:xfrm flipH="1">
+            <a:off x="5926665" y="2438399"/>
+            <a:ext cx="259645" cy="259645"/>
+          </a:xfrm>
+          <a:prstGeom prst="ellipse">
+            <a:avLst/>
+          </a:prstGeom>
+          <a:solidFill>
+            <a:schemeClr val="bg1"/>
+          </a:solidFill>
+          <a:ln>
+            <a:solidFill>
+              <a:schemeClr val="tx1"/>
+            </a:solidFill>
+          </a:ln>
+        </p:spPr>
+        <p:style>
+          <a:lnRef idx="2">
+            <a:schemeClr val="accent1">
+              <a:shade val="15000"/>
+            </a:schemeClr>
+          </a:lnRef>
+          <a:fillRef idx="1">
+            <a:schemeClr val="accent1"/>
+          </a:fillRef>
+          <a:effectRef idx="0">
+            <a:schemeClr val="accent1"/>
+          </a:effectRef>
+          <a:fontRef idx="minor">
+            <a:schemeClr val="lt1"/>
+          </a:fontRef>
+        </p:style>
+        <p:txBody>
+          <a:bodyPr rtlCol="0" anchor="ctr"/>
+          <a:lstStyle/>
+          <a:p>
+            <a:pPr algn="ctr"/>
+            <a:endParaRPr lang="en-US"/>
+          </a:p>
+        </p:txBody>
+      </p:sp>
+      <p:sp>
+        <p:nvSpPr>
+          <p:cNvPr id="232" name="Oval 231">
+            <a:extLst>
+              <a:ext uri="{FF2B5EF4-FFF2-40B4-BE49-F238E27FC236}">
+                <a16:creationId xmlns:a16="http://schemas.microsoft.com/office/drawing/2014/main" id="{3BF431D4-671B-6B38-5882-CFF0E72AFEFA}"/>
+              </a:ext>
+            </a:extLst>
+          </p:cNvPr>
+          <p:cNvSpPr/>
+          <p:nvPr/>
+        </p:nvSpPr>
+        <p:spPr>
+          <a:xfrm flipH="1">
+            <a:off x="5926665" y="2861732"/>
+            <a:ext cx="259645" cy="259645"/>
+          </a:xfrm>
+          <a:prstGeom prst="ellipse">
+            <a:avLst/>
+          </a:prstGeom>
+          <a:solidFill>
+            <a:schemeClr val="bg1"/>
+          </a:solidFill>
+          <a:ln>
+            <a:solidFill>
+              <a:schemeClr val="tx1"/>
+            </a:solidFill>
+          </a:ln>
+        </p:spPr>
+        <p:style>
+          <a:lnRef idx="2">
+            <a:schemeClr val="accent1">
+              <a:shade val="15000"/>
+            </a:schemeClr>
+          </a:lnRef>
+          <a:fillRef idx="1">
+            <a:schemeClr val="accent1"/>
+          </a:fillRef>
+          <a:effectRef idx="0">
+            <a:schemeClr val="accent1"/>
+          </a:effectRef>
+          <a:fontRef idx="minor">
+            <a:schemeClr val="lt1"/>
+          </a:fontRef>
+        </p:style>
+        <p:txBody>
+          <a:bodyPr rtlCol="0" anchor="ctr"/>
+          <a:lstStyle/>
+          <a:p>
+            <a:pPr algn="ctr"/>
+            <a:endParaRPr lang="en-US"/>
+          </a:p>
+        </p:txBody>
+      </p:sp>
+      <p:sp>
+        <p:nvSpPr>
+          <p:cNvPr id="233" name="Oval 232">
+            <a:extLst>
+              <a:ext uri="{FF2B5EF4-FFF2-40B4-BE49-F238E27FC236}">
+                <a16:creationId xmlns:a16="http://schemas.microsoft.com/office/drawing/2014/main" id="{8E810F14-CAE5-801A-E724-D2DE9BAC85C2}"/>
+              </a:ext>
+            </a:extLst>
+          </p:cNvPr>
+          <p:cNvSpPr/>
+          <p:nvPr/>
+        </p:nvSpPr>
+        <p:spPr>
+          <a:xfrm flipH="1">
+            <a:off x="4735686" y="1168400"/>
+            <a:ext cx="259645" cy="259645"/>
+          </a:xfrm>
+          <a:prstGeom prst="ellipse">
+            <a:avLst/>
+          </a:prstGeom>
+          <a:solidFill>
+            <a:schemeClr val="bg1"/>
+          </a:solidFill>
+        </p:spPr>
+        <p:style>
+          <a:lnRef idx="2">
+            <a:schemeClr val="accent1">
+              <a:shade val="15000"/>
+            </a:schemeClr>
+          </a:lnRef>
+          <a:fillRef idx="1">
+            <a:schemeClr val="accent1"/>
+          </a:fillRef>
+          <a:effectRef idx="0">
+            <a:schemeClr val="accent1"/>
+          </a:effectRef>
+          <a:fontRef idx="minor">
+            <a:schemeClr val="lt1"/>
+          </a:fontRef>
+        </p:style>
+        <p:txBody>
+          <a:bodyPr rtlCol="0" anchor="ctr"/>
+          <a:lstStyle/>
+          <a:p>
+            <a:pPr algn="ctr"/>
+            <a:endParaRPr lang="en-US"/>
+          </a:p>
+        </p:txBody>
+      </p:sp>
+      <p:sp>
+        <p:nvSpPr>
+          <p:cNvPr id="234" name="Oval 233">
+            <a:extLst>
+              <a:ext uri="{FF2B5EF4-FFF2-40B4-BE49-F238E27FC236}">
+                <a16:creationId xmlns:a16="http://schemas.microsoft.com/office/drawing/2014/main" id="{2C60AD51-BE9F-32A7-BAC5-DF1CFD34EE08}"/>
+              </a:ext>
+            </a:extLst>
+          </p:cNvPr>
+          <p:cNvSpPr/>
+          <p:nvPr/>
+        </p:nvSpPr>
+        <p:spPr>
+          <a:xfrm flipH="1">
+            <a:off x="4735686" y="1591733"/>
+            <a:ext cx="259645" cy="259645"/>
+          </a:xfrm>
+          <a:prstGeom prst="ellipse">
+            <a:avLst/>
+          </a:prstGeom>
+          <a:solidFill>
+            <a:schemeClr val="bg1"/>
+          </a:solidFill>
+          <a:ln>
+            <a:solidFill>
+              <a:schemeClr val="tx1"/>
+            </a:solidFill>
+          </a:ln>
+        </p:spPr>
+        <p:style>
+          <a:lnRef idx="2">
+            <a:schemeClr val="accent1">
+              <a:shade val="15000"/>
+            </a:schemeClr>
+          </a:lnRef>
+          <a:fillRef idx="1">
+            <a:schemeClr val="accent1"/>
+          </a:fillRef>
+          <a:effectRef idx="0">
+            <a:schemeClr val="accent1"/>
+          </a:effectRef>
+          <a:fontRef idx="minor">
+            <a:schemeClr val="lt1"/>
+          </a:fontRef>
+        </p:style>
+        <p:txBody>
+          <a:bodyPr rtlCol="0" anchor="ctr"/>
+          <a:lstStyle/>
+          <a:p>
+            <a:pPr algn="ctr"/>
+            <a:endParaRPr lang="en-US"/>
+          </a:p>
+        </p:txBody>
+      </p:sp>
+      <p:sp>
+        <p:nvSpPr>
+          <p:cNvPr id="235" name="Oval 234">
+            <a:extLst>
+              <a:ext uri="{FF2B5EF4-FFF2-40B4-BE49-F238E27FC236}">
+                <a16:creationId xmlns:a16="http://schemas.microsoft.com/office/drawing/2014/main" id="{5CC1CB09-2386-3F8C-AA03-CE195503C1C3}"/>
+              </a:ext>
+            </a:extLst>
+          </p:cNvPr>
+          <p:cNvSpPr/>
+          <p:nvPr/>
+        </p:nvSpPr>
+        <p:spPr>
+          <a:xfrm flipH="1">
+            <a:off x="4735687" y="2015066"/>
+            <a:ext cx="259645" cy="259645"/>
+          </a:xfrm>
+          <a:prstGeom prst="ellipse">
+            <a:avLst/>
+          </a:prstGeom>
+          <a:solidFill>
+            <a:schemeClr val="bg1"/>
+          </a:solidFill>
+          <a:ln>
+            <a:solidFill>
+              <a:schemeClr val="tx1"/>
+            </a:solidFill>
+          </a:ln>
+        </p:spPr>
+        <p:style>
+          <a:lnRef idx="2">
+            <a:schemeClr val="accent1">
+              <a:shade val="15000"/>
+            </a:schemeClr>
+          </a:lnRef>
+          <a:fillRef idx="1">
+            <a:schemeClr val="accent1"/>
+          </a:fillRef>
+          <a:effectRef idx="0">
+            <a:schemeClr val="accent1"/>
+          </a:effectRef>
+          <a:fontRef idx="minor">
+            <a:schemeClr val="lt1"/>
+          </a:fontRef>
+        </p:style>
+        <p:txBody>
+          <a:bodyPr rtlCol="0" anchor="ctr"/>
+          <a:lstStyle/>
+          <a:p>
+            <a:pPr algn="ctr"/>
+            <a:endParaRPr lang="en-US"/>
+          </a:p>
+        </p:txBody>
+      </p:sp>
+      <p:sp>
+        <p:nvSpPr>
+          <p:cNvPr id="236" name="Oval 235">
+            <a:extLst>
+              <a:ext uri="{FF2B5EF4-FFF2-40B4-BE49-F238E27FC236}">
+                <a16:creationId xmlns:a16="http://schemas.microsoft.com/office/drawing/2014/main" id="{278EADB0-F76D-3E77-E4A9-FD34EA390412}"/>
+              </a:ext>
+            </a:extLst>
+          </p:cNvPr>
+          <p:cNvSpPr/>
+          <p:nvPr/>
+        </p:nvSpPr>
+        <p:spPr>
+          <a:xfrm flipH="1">
+            <a:off x="4735687" y="2438399"/>
+            <a:ext cx="259645" cy="259645"/>
+          </a:xfrm>
+          <a:prstGeom prst="ellipse">
+            <a:avLst/>
+          </a:prstGeom>
+          <a:solidFill>
+            <a:schemeClr val="bg1"/>
+          </a:solidFill>
+          <a:ln>
+            <a:solidFill>
+              <a:schemeClr val="tx1"/>
+            </a:solidFill>
+          </a:ln>
+        </p:spPr>
+        <p:style>
+          <a:lnRef idx="2">
+            <a:schemeClr val="accent1">
+              <a:shade val="15000"/>
+            </a:schemeClr>
+          </a:lnRef>
+          <a:fillRef idx="1">
+            <a:schemeClr val="accent1"/>
+          </a:fillRef>
+          <a:effectRef idx="0">
+            <a:schemeClr val="accent1"/>
+          </a:effectRef>
+          <a:fontRef idx="minor">
+            <a:schemeClr val="lt1"/>
+          </a:fontRef>
+        </p:style>
+        <p:txBody>
+          <a:bodyPr rtlCol="0" anchor="ctr"/>
+          <a:lstStyle/>
+          <a:p>
+            <a:pPr algn="ctr"/>
+            <a:endParaRPr lang="en-US"/>
+          </a:p>
+        </p:txBody>
+      </p:sp>
+      <p:sp>
+        <p:nvSpPr>
+          <p:cNvPr id="237" name="Oval 236">
+            <a:extLst>
+              <a:ext uri="{FF2B5EF4-FFF2-40B4-BE49-F238E27FC236}">
+                <a16:creationId xmlns:a16="http://schemas.microsoft.com/office/drawing/2014/main" id="{2CB7823F-AB27-825F-C307-A61AD08402C8}"/>
+              </a:ext>
+            </a:extLst>
+          </p:cNvPr>
+          <p:cNvSpPr/>
+          <p:nvPr/>
+        </p:nvSpPr>
+        <p:spPr>
+          <a:xfrm flipH="1">
+            <a:off x="4735687" y="2861732"/>
+            <a:ext cx="259645" cy="259645"/>
+          </a:xfrm>
+          <a:prstGeom prst="ellipse">
+            <a:avLst/>
+          </a:prstGeom>
+          <a:solidFill>
+            <a:schemeClr val="bg1"/>
+          </a:solidFill>
+          <a:ln>
+            <a:solidFill>
+              <a:schemeClr val="tx1"/>
+            </a:solidFill>
+          </a:ln>
+        </p:spPr>
+        <p:style>
+          <a:lnRef idx="2">
+            <a:schemeClr val="accent1">
+              <a:shade val="15000"/>
+            </a:schemeClr>
+          </a:lnRef>
+          <a:fillRef idx="1">
+            <a:schemeClr val="accent1"/>
+          </a:fillRef>
+          <a:effectRef idx="0">
+            <a:schemeClr val="accent1"/>
+          </a:effectRef>
+          <a:fontRef idx="minor">
+            <a:schemeClr val="lt1"/>
+          </a:fontRef>
+        </p:style>
+        <p:txBody>
+          <a:bodyPr rtlCol="0" anchor="ctr"/>
+          <a:lstStyle/>
+          <a:p>
+            <a:pPr algn="ctr"/>
+            <a:endParaRPr lang="en-US"/>
+          </a:p>
+        </p:txBody>
+      </p:sp>
+      <p:sp>
+        <p:nvSpPr>
+          <p:cNvPr id="238" name="Oval 237">
+            <a:extLst>
+              <a:ext uri="{FF2B5EF4-FFF2-40B4-BE49-F238E27FC236}">
+                <a16:creationId xmlns:a16="http://schemas.microsoft.com/office/drawing/2014/main" id="{226FA407-96B7-C86A-A783-47F282EF8F33}"/>
+              </a:ext>
+            </a:extLst>
+          </p:cNvPr>
+          <p:cNvSpPr/>
+          <p:nvPr/>
+        </p:nvSpPr>
+        <p:spPr>
+          <a:xfrm flipH="1">
+            <a:off x="4735687" y="3285065"/>
+            <a:ext cx="259645" cy="259645"/>
+          </a:xfrm>
+          <a:prstGeom prst="ellipse">
+            <a:avLst/>
+          </a:prstGeom>
+          <a:solidFill>
+            <a:schemeClr val="bg1"/>
+          </a:solidFill>
+          <a:ln>
+            <a:solidFill>
+              <a:schemeClr val="tx1"/>
+            </a:solidFill>
+          </a:ln>
+        </p:spPr>
+        <p:style>
+          <a:lnRef idx="2">
+            <a:schemeClr val="accent1">
+              <a:shade val="15000"/>
+            </a:schemeClr>
+          </a:lnRef>
+          <a:fillRef idx="1">
+            <a:schemeClr val="accent1"/>
+          </a:fillRef>
+          <a:effectRef idx="0">
+            <a:schemeClr val="accent1"/>
+          </a:effectRef>
+          <a:fontRef idx="minor">
+            <a:schemeClr val="lt1"/>
+          </a:fontRef>
+        </p:style>
+        <p:txBody>
+          <a:bodyPr rtlCol="0" anchor="ctr"/>
+          <a:lstStyle/>
+          <a:p>
+            <a:pPr algn="ctr"/>
+            <a:endParaRPr lang="en-US"/>
+          </a:p>
+        </p:txBody>
+      </p:sp>
+      <p:cxnSp>
+        <p:nvCxnSpPr>
+          <p:cNvPr id="241" name="Straight Connector 240">
+            <a:extLst>
+              <a:ext uri="{FF2B5EF4-FFF2-40B4-BE49-F238E27FC236}">
+                <a16:creationId xmlns:a16="http://schemas.microsoft.com/office/drawing/2014/main" id="{5E894ECF-544D-0899-EE3D-3713DBC03176}"/>
+              </a:ext>
+            </a:extLst>
+          </p:cNvPr>
+          <p:cNvCxnSpPr>
+            <a:cxnSpLocks/>
+            <a:stCxn id="229" idx="6"/>
+            <a:endCxn id="233" idx="2"/>
+          </p:cNvCxnSpPr>
+          <p:nvPr/>
+        </p:nvCxnSpPr>
+        <p:spPr>
+          <a:xfrm flipH="1" flipV="1">
+            <a:off x="4995331" y="1298223"/>
+            <a:ext cx="931333" cy="423333"/>
+          </a:xfrm>
+          <a:prstGeom prst="line">
+            <a:avLst/>
+          </a:prstGeom>
+          <a:ln>
+            <a:solidFill>
+              <a:schemeClr val="tx1"/>
+            </a:solidFill>
+          </a:ln>
+        </p:spPr>
+        <p:style>
+          <a:lnRef idx="2">
+            <a:schemeClr val="accent1"/>
+          </a:lnRef>
+          <a:fillRef idx="0">
+            <a:schemeClr val="accent1"/>
+          </a:fillRef>
+          <a:effectRef idx="1">
+            <a:schemeClr val="accent1"/>
+          </a:effectRef>
+          <a:fontRef idx="minor">
+            <a:schemeClr val="tx1"/>
+          </a:fontRef>
+        </p:style>
+      </p:cxnSp>
+      <p:cxnSp>
+        <p:nvCxnSpPr>
+          <p:cNvPr id="242" name="Straight Connector 241">
+            <a:extLst>
+              <a:ext uri="{FF2B5EF4-FFF2-40B4-BE49-F238E27FC236}">
+                <a16:creationId xmlns:a16="http://schemas.microsoft.com/office/drawing/2014/main" id="{FCCBB346-B9C9-B79B-4385-4BFAA06B7827}"/>
+              </a:ext>
+            </a:extLst>
+          </p:cNvPr>
+          <p:cNvCxnSpPr>
+            <a:cxnSpLocks/>
+            <a:stCxn id="229" idx="6"/>
+            <a:endCxn id="234" idx="2"/>
+          </p:cNvCxnSpPr>
+          <p:nvPr/>
+        </p:nvCxnSpPr>
+        <p:spPr>
+          <a:xfrm flipH="1">
+            <a:off x="4995331" y="1721556"/>
+            <a:ext cx="931333" cy="0"/>
+          </a:xfrm>
+          <a:prstGeom prst="line">
+            <a:avLst/>
+          </a:prstGeom>
+          <a:ln>
+            <a:solidFill>
+              <a:schemeClr val="tx1"/>
+            </a:solidFill>
+          </a:ln>
+        </p:spPr>
+        <p:style>
+          <a:lnRef idx="2">
+            <a:schemeClr val="accent1"/>
+          </a:lnRef>
+          <a:fillRef idx="0">
+            <a:schemeClr val="accent1"/>
+          </a:fillRef>
+          <a:effectRef idx="1">
+            <a:schemeClr val="accent1"/>
+          </a:effectRef>
+          <a:fontRef idx="minor">
+            <a:schemeClr val="tx1"/>
+          </a:fontRef>
+        </p:style>
+      </p:cxnSp>
+      <p:cxnSp>
+        <p:nvCxnSpPr>
+          <p:cNvPr id="243" name="Straight Connector 242">
+            <a:extLst>
+              <a:ext uri="{FF2B5EF4-FFF2-40B4-BE49-F238E27FC236}">
+                <a16:creationId xmlns:a16="http://schemas.microsoft.com/office/drawing/2014/main" id="{6B87A3F8-DFE4-56B6-A117-DEFB3DF4E091}"/>
+              </a:ext>
+            </a:extLst>
+          </p:cNvPr>
+          <p:cNvCxnSpPr>
+            <a:cxnSpLocks/>
+            <a:stCxn id="229" idx="6"/>
+            <a:endCxn id="235" idx="2"/>
+          </p:cNvCxnSpPr>
+          <p:nvPr/>
+        </p:nvCxnSpPr>
+        <p:spPr>
+          <a:xfrm flipH="1">
+            <a:off x="4995332" y="1721556"/>
+            <a:ext cx="931332" cy="423333"/>
+          </a:xfrm>
+          <a:prstGeom prst="line">
+            <a:avLst/>
+          </a:prstGeom>
+          <a:ln>
+            <a:solidFill>
+              <a:schemeClr val="tx1"/>
+            </a:solidFill>
+          </a:ln>
+        </p:spPr>
+        <p:style>
+          <a:lnRef idx="2">
+            <a:schemeClr val="accent1"/>
+          </a:lnRef>
+          <a:fillRef idx="0">
+            <a:schemeClr val="accent1"/>
+          </a:fillRef>
+          <a:effectRef idx="1">
+            <a:schemeClr val="accent1"/>
+          </a:effectRef>
+          <a:fontRef idx="minor">
+            <a:schemeClr val="tx1"/>
+          </a:fontRef>
+        </p:style>
+      </p:cxnSp>
+      <p:cxnSp>
+        <p:nvCxnSpPr>
+          <p:cNvPr id="244" name="Straight Connector 243">
+            <a:extLst>
+              <a:ext uri="{FF2B5EF4-FFF2-40B4-BE49-F238E27FC236}">
+                <a16:creationId xmlns:a16="http://schemas.microsoft.com/office/drawing/2014/main" id="{26037E97-D7DD-E84B-B59F-8E110008E970}"/>
+              </a:ext>
+            </a:extLst>
+          </p:cNvPr>
+          <p:cNvCxnSpPr>
+            <a:cxnSpLocks/>
+            <a:stCxn id="229" idx="6"/>
+            <a:endCxn id="236" idx="2"/>
+          </p:cNvCxnSpPr>
+          <p:nvPr/>
+        </p:nvCxnSpPr>
+        <p:spPr>
+          <a:xfrm flipH="1">
+            <a:off x="4995332" y="1721556"/>
+            <a:ext cx="931332" cy="846666"/>
+          </a:xfrm>
+          <a:prstGeom prst="line">
+            <a:avLst/>
+          </a:prstGeom>
+          <a:ln>
+            <a:solidFill>
+              <a:schemeClr val="tx1"/>
+            </a:solidFill>
+          </a:ln>
+        </p:spPr>
+        <p:style>
+          <a:lnRef idx="2">
+            <a:schemeClr val="accent1"/>
+          </a:lnRef>
+          <a:fillRef idx="0">
+            <a:schemeClr val="accent1"/>
+          </a:fillRef>
+          <a:effectRef idx="1">
+            <a:schemeClr val="accent1"/>
+          </a:effectRef>
+          <a:fontRef idx="minor">
+            <a:schemeClr val="tx1"/>
+          </a:fontRef>
+        </p:style>
+      </p:cxnSp>
+      <p:cxnSp>
+        <p:nvCxnSpPr>
+          <p:cNvPr id="245" name="Straight Connector 244">
+            <a:extLst>
+              <a:ext uri="{FF2B5EF4-FFF2-40B4-BE49-F238E27FC236}">
+                <a16:creationId xmlns:a16="http://schemas.microsoft.com/office/drawing/2014/main" id="{34F49763-D825-DA94-D89A-02D78FF785FC}"/>
+              </a:ext>
+            </a:extLst>
+          </p:cNvPr>
+          <p:cNvCxnSpPr>
+            <a:cxnSpLocks/>
+            <a:stCxn id="229" idx="6"/>
+            <a:endCxn id="237" idx="2"/>
+          </p:cNvCxnSpPr>
+          <p:nvPr/>
+        </p:nvCxnSpPr>
+        <p:spPr>
+          <a:xfrm flipH="1">
+            <a:off x="4995332" y="1721556"/>
+            <a:ext cx="931332" cy="1269999"/>
+          </a:xfrm>
+          <a:prstGeom prst="line">
+            <a:avLst/>
+          </a:prstGeom>
+          <a:ln>
+            <a:solidFill>
+              <a:schemeClr val="tx1"/>
+            </a:solidFill>
+          </a:ln>
+        </p:spPr>
+        <p:style>
+          <a:lnRef idx="2">
+            <a:schemeClr val="accent1"/>
+          </a:lnRef>
+          <a:fillRef idx="0">
+            <a:schemeClr val="accent1"/>
+          </a:fillRef>
+          <a:effectRef idx="1">
+            <a:schemeClr val="accent1"/>
+          </a:effectRef>
+          <a:fontRef idx="minor">
+            <a:schemeClr val="tx1"/>
+          </a:fontRef>
+        </p:style>
+      </p:cxnSp>
+      <p:cxnSp>
+        <p:nvCxnSpPr>
+          <p:cNvPr id="246" name="Straight Connector 245">
+            <a:extLst>
+              <a:ext uri="{FF2B5EF4-FFF2-40B4-BE49-F238E27FC236}">
+                <a16:creationId xmlns:a16="http://schemas.microsoft.com/office/drawing/2014/main" id="{B56AFB06-02A7-7E3F-F550-D395124A4184}"/>
+              </a:ext>
+            </a:extLst>
+          </p:cNvPr>
+          <p:cNvCxnSpPr>
+            <a:cxnSpLocks/>
+            <a:stCxn id="229" idx="6"/>
+            <a:endCxn id="238" idx="2"/>
+          </p:cNvCxnSpPr>
+          <p:nvPr/>
+        </p:nvCxnSpPr>
+        <p:spPr>
+          <a:xfrm flipH="1">
+            <a:off x="4995332" y="1721556"/>
+            <a:ext cx="931332" cy="1693332"/>
+          </a:xfrm>
+          <a:prstGeom prst="line">
+            <a:avLst/>
+          </a:prstGeom>
+          <a:ln>
+            <a:solidFill>
+              <a:schemeClr val="tx1"/>
+            </a:solidFill>
+          </a:ln>
+        </p:spPr>
+        <p:style>
+          <a:lnRef idx="2">
+            <a:schemeClr val="accent1"/>
+          </a:lnRef>
+          <a:fillRef idx="0">
+            <a:schemeClr val="accent1"/>
+          </a:fillRef>
+          <a:effectRef idx="1">
+            <a:schemeClr val="accent1"/>
+          </a:effectRef>
+          <a:fontRef idx="minor">
+            <a:schemeClr val="tx1"/>
+          </a:fontRef>
+        </p:style>
+      </p:cxnSp>
+      <p:cxnSp>
+        <p:nvCxnSpPr>
+          <p:cNvPr id="247" name="Straight Connector 246">
+            <a:extLst>
+              <a:ext uri="{FF2B5EF4-FFF2-40B4-BE49-F238E27FC236}">
+                <a16:creationId xmlns:a16="http://schemas.microsoft.com/office/drawing/2014/main" id="{A5940BA4-D5A9-287C-F48F-95FE7EF11E23}"/>
+              </a:ext>
+            </a:extLst>
+          </p:cNvPr>
+          <p:cNvCxnSpPr>
+            <a:cxnSpLocks/>
+            <a:stCxn id="230" idx="6"/>
+            <a:endCxn id="233" idx="2"/>
+          </p:cNvCxnSpPr>
+          <p:nvPr/>
+        </p:nvCxnSpPr>
+        <p:spPr>
+          <a:xfrm flipH="1" flipV="1">
+            <a:off x="4995331" y="1298223"/>
+            <a:ext cx="931333" cy="846666"/>
+          </a:xfrm>
+          <a:prstGeom prst="line">
+            <a:avLst/>
+          </a:prstGeom>
+          <a:ln>
+            <a:solidFill>
+              <a:schemeClr val="tx1"/>
+            </a:solidFill>
+          </a:ln>
+        </p:spPr>
+        <p:style>
+          <a:lnRef idx="2">
+            <a:schemeClr val="accent1"/>
+          </a:lnRef>
+          <a:fillRef idx="0">
+            <a:schemeClr val="accent1"/>
+          </a:fillRef>
+          <a:effectRef idx="1">
+            <a:schemeClr val="accent1"/>
+          </a:effectRef>
+          <a:fontRef idx="minor">
+            <a:schemeClr val="tx1"/>
+          </a:fontRef>
+        </p:style>
+      </p:cxnSp>
+      <p:cxnSp>
+        <p:nvCxnSpPr>
+          <p:cNvPr id="248" name="Straight Connector 247">
+            <a:extLst>
+              <a:ext uri="{FF2B5EF4-FFF2-40B4-BE49-F238E27FC236}">
+                <a16:creationId xmlns:a16="http://schemas.microsoft.com/office/drawing/2014/main" id="{FDAA9B56-C906-50D1-0805-4D72A2808DEA}"/>
+              </a:ext>
+            </a:extLst>
+          </p:cNvPr>
+          <p:cNvCxnSpPr>
+            <a:cxnSpLocks/>
+            <a:stCxn id="230" idx="6"/>
+            <a:endCxn id="234" idx="2"/>
+          </p:cNvCxnSpPr>
+          <p:nvPr/>
+        </p:nvCxnSpPr>
+        <p:spPr>
+          <a:xfrm flipH="1" flipV="1">
+            <a:off x="4995331" y="1721556"/>
+            <a:ext cx="931333" cy="423333"/>
+          </a:xfrm>
+          <a:prstGeom prst="line">
+            <a:avLst/>
+          </a:prstGeom>
+          <a:ln>
+            <a:solidFill>
+              <a:schemeClr val="tx1"/>
+            </a:solidFill>
+          </a:ln>
+        </p:spPr>
+        <p:style>
+          <a:lnRef idx="2">
+            <a:schemeClr val="accent1"/>
+          </a:lnRef>
+          <a:fillRef idx="0">
+            <a:schemeClr val="accent1"/>
+          </a:fillRef>
+          <a:effectRef idx="1">
+            <a:schemeClr val="accent1"/>
+          </a:effectRef>
+          <a:fontRef idx="minor">
+            <a:schemeClr val="tx1"/>
+          </a:fontRef>
+        </p:style>
+      </p:cxnSp>
+      <p:cxnSp>
+        <p:nvCxnSpPr>
+          <p:cNvPr id="249" name="Straight Connector 248">
+            <a:extLst>
+              <a:ext uri="{FF2B5EF4-FFF2-40B4-BE49-F238E27FC236}">
+                <a16:creationId xmlns:a16="http://schemas.microsoft.com/office/drawing/2014/main" id="{45BB31A8-47FD-E4E9-AB78-54D7CAA2FF32}"/>
+              </a:ext>
+            </a:extLst>
+          </p:cNvPr>
+          <p:cNvCxnSpPr>
+            <a:cxnSpLocks/>
+            <a:stCxn id="230" idx="6"/>
+            <a:endCxn id="235" idx="2"/>
+          </p:cNvCxnSpPr>
+          <p:nvPr/>
+        </p:nvCxnSpPr>
+        <p:spPr>
+          <a:xfrm flipH="1">
+            <a:off x="4995332" y="2144889"/>
+            <a:ext cx="931332" cy="0"/>
+          </a:xfrm>
+          <a:prstGeom prst="line">
+            <a:avLst/>
+          </a:prstGeom>
+          <a:ln>
+            <a:solidFill>
+              <a:schemeClr val="tx1"/>
+            </a:solidFill>
+          </a:ln>
+        </p:spPr>
+        <p:style>
+          <a:lnRef idx="2">
+            <a:schemeClr val="accent1"/>
+          </a:lnRef>
+          <a:fillRef idx="0">
+            <a:schemeClr val="accent1"/>
+          </a:fillRef>
+          <a:effectRef idx="1">
+            <a:schemeClr val="accent1"/>
+          </a:effectRef>
+          <a:fontRef idx="minor">
+            <a:schemeClr val="tx1"/>
+          </a:fontRef>
+        </p:style>
+      </p:cxnSp>
+      <p:cxnSp>
+        <p:nvCxnSpPr>
+          <p:cNvPr id="250" name="Straight Connector 249">
+            <a:extLst>
+              <a:ext uri="{FF2B5EF4-FFF2-40B4-BE49-F238E27FC236}">
+                <a16:creationId xmlns:a16="http://schemas.microsoft.com/office/drawing/2014/main" id="{929A1FE2-2F25-7583-E2D4-38E596E5B5F9}"/>
+              </a:ext>
+            </a:extLst>
+          </p:cNvPr>
+          <p:cNvCxnSpPr>
+            <a:cxnSpLocks/>
+            <a:stCxn id="230" idx="6"/>
+            <a:endCxn id="236" idx="2"/>
+          </p:cNvCxnSpPr>
+          <p:nvPr/>
+        </p:nvCxnSpPr>
+        <p:spPr>
+          <a:xfrm flipH="1">
+            <a:off x="4995332" y="2144889"/>
+            <a:ext cx="931332" cy="423333"/>
+          </a:xfrm>
+          <a:prstGeom prst="line">
+            <a:avLst/>
+          </a:prstGeom>
+          <a:ln>
+            <a:solidFill>
+              <a:schemeClr val="tx1"/>
+            </a:solidFill>
+          </a:ln>
+        </p:spPr>
+        <p:style>
+          <a:lnRef idx="2">
+            <a:schemeClr val="accent1"/>
+          </a:lnRef>
+          <a:fillRef idx="0">
+            <a:schemeClr val="accent1"/>
+          </a:fillRef>
+          <a:effectRef idx="1">
+            <a:schemeClr val="accent1"/>
+          </a:effectRef>
+          <a:fontRef idx="minor">
+            <a:schemeClr val="tx1"/>
+          </a:fontRef>
+        </p:style>
+      </p:cxnSp>
+      <p:cxnSp>
+        <p:nvCxnSpPr>
+          <p:cNvPr id="251" name="Straight Connector 250">
+            <a:extLst>
+              <a:ext uri="{FF2B5EF4-FFF2-40B4-BE49-F238E27FC236}">
+                <a16:creationId xmlns:a16="http://schemas.microsoft.com/office/drawing/2014/main" id="{11C4951A-ECB1-8138-2465-FC15BEB2FD7D}"/>
+              </a:ext>
+            </a:extLst>
+          </p:cNvPr>
+          <p:cNvCxnSpPr>
+            <a:cxnSpLocks/>
+            <a:stCxn id="230" idx="6"/>
+            <a:endCxn id="237" idx="2"/>
+          </p:cNvCxnSpPr>
+          <p:nvPr/>
+        </p:nvCxnSpPr>
+        <p:spPr>
+          <a:xfrm flipH="1">
+            <a:off x="4995332" y="2144889"/>
+            <a:ext cx="931332" cy="846666"/>
+          </a:xfrm>
+          <a:prstGeom prst="line">
+            <a:avLst/>
+          </a:prstGeom>
+          <a:ln>
+            <a:solidFill>
+              <a:schemeClr val="tx1"/>
+            </a:solidFill>
+          </a:ln>
+        </p:spPr>
+        <p:style>
+          <a:lnRef idx="2">
+            <a:schemeClr val="accent1"/>
+          </a:lnRef>
+          <a:fillRef idx="0">
+            <a:schemeClr val="accent1"/>
+          </a:fillRef>
+          <a:effectRef idx="1">
+            <a:schemeClr val="accent1"/>
+          </a:effectRef>
+          <a:fontRef idx="minor">
+            <a:schemeClr val="tx1"/>
+          </a:fontRef>
+        </p:style>
+      </p:cxnSp>
+      <p:cxnSp>
+        <p:nvCxnSpPr>
+          <p:cNvPr id="252" name="Straight Connector 251">
+            <a:extLst>
+              <a:ext uri="{FF2B5EF4-FFF2-40B4-BE49-F238E27FC236}">
+                <a16:creationId xmlns:a16="http://schemas.microsoft.com/office/drawing/2014/main" id="{AEDD0FE8-F519-7283-0665-F702AAD17E17}"/>
+              </a:ext>
+            </a:extLst>
+          </p:cNvPr>
+          <p:cNvCxnSpPr>
+            <a:cxnSpLocks/>
+            <a:stCxn id="230" idx="6"/>
+            <a:endCxn id="238" idx="2"/>
+          </p:cNvCxnSpPr>
+          <p:nvPr/>
+        </p:nvCxnSpPr>
+        <p:spPr>
+          <a:xfrm flipH="1">
+            <a:off x="4995332" y="2144889"/>
+            <a:ext cx="931332" cy="1269999"/>
+          </a:xfrm>
+          <a:prstGeom prst="line">
+            <a:avLst/>
+          </a:prstGeom>
+          <a:ln>
+            <a:solidFill>
+              <a:schemeClr val="tx1"/>
+            </a:solidFill>
+          </a:ln>
+        </p:spPr>
+        <p:style>
+          <a:lnRef idx="2">
+            <a:schemeClr val="accent1"/>
+          </a:lnRef>
+          <a:fillRef idx="0">
+            <a:schemeClr val="accent1"/>
+          </a:fillRef>
+          <a:effectRef idx="1">
+            <a:schemeClr val="accent1"/>
+          </a:effectRef>
+          <a:fontRef idx="minor">
+            <a:schemeClr val="tx1"/>
+          </a:fontRef>
+        </p:style>
+      </p:cxnSp>
+      <p:cxnSp>
+        <p:nvCxnSpPr>
+          <p:cNvPr id="253" name="Straight Connector 252">
+            <a:extLst>
+              <a:ext uri="{FF2B5EF4-FFF2-40B4-BE49-F238E27FC236}">
+                <a16:creationId xmlns:a16="http://schemas.microsoft.com/office/drawing/2014/main" id="{CAD49DE6-48E5-1D48-D18E-2A1EC9BCFFD9}"/>
+              </a:ext>
+            </a:extLst>
+          </p:cNvPr>
+          <p:cNvCxnSpPr>
+            <a:cxnSpLocks/>
+            <a:stCxn id="231" idx="6"/>
+            <a:endCxn id="233" idx="2"/>
+          </p:cNvCxnSpPr>
+          <p:nvPr/>
+        </p:nvCxnSpPr>
+        <p:spPr>
+          <a:xfrm flipH="1" flipV="1">
+            <a:off x="4995331" y="1298223"/>
+            <a:ext cx="931334" cy="1269999"/>
+          </a:xfrm>
+          <a:prstGeom prst="line">
+            <a:avLst/>
+          </a:prstGeom>
+          <a:ln>
+            <a:solidFill>
+              <a:schemeClr val="tx1"/>
+            </a:solidFill>
+          </a:ln>
+        </p:spPr>
+        <p:style>
+          <a:lnRef idx="2">
+            <a:schemeClr val="accent1"/>
+          </a:lnRef>
+          <a:fillRef idx="0">
+            <a:schemeClr val="accent1"/>
+          </a:fillRef>
+          <a:effectRef idx="1">
+            <a:schemeClr val="accent1"/>
+          </a:effectRef>
+          <a:fontRef idx="minor">
+            <a:schemeClr val="tx1"/>
+          </a:fontRef>
+        </p:style>
+      </p:cxnSp>
+      <p:cxnSp>
+        <p:nvCxnSpPr>
+          <p:cNvPr id="254" name="Straight Connector 253">
+            <a:extLst>
+              <a:ext uri="{FF2B5EF4-FFF2-40B4-BE49-F238E27FC236}">
+                <a16:creationId xmlns:a16="http://schemas.microsoft.com/office/drawing/2014/main" id="{1E8019BE-8817-0C19-74C2-1A5AB61B62A1}"/>
+              </a:ext>
+            </a:extLst>
+          </p:cNvPr>
+          <p:cNvCxnSpPr>
+            <a:cxnSpLocks/>
+            <a:stCxn id="231" idx="6"/>
+            <a:endCxn id="234" idx="2"/>
+          </p:cNvCxnSpPr>
+          <p:nvPr/>
+        </p:nvCxnSpPr>
+        <p:spPr>
+          <a:xfrm flipH="1" flipV="1">
+            <a:off x="4995331" y="1721556"/>
+            <a:ext cx="931334" cy="846666"/>
+          </a:xfrm>
+          <a:prstGeom prst="line">
+            <a:avLst/>
+          </a:prstGeom>
+          <a:ln>
+            <a:solidFill>
+              <a:schemeClr val="tx1"/>
+            </a:solidFill>
+          </a:ln>
+        </p:spPr>
+        <p:style>
+          <a:lnRef idx="2">
+            <a:schemeClr val="accent1"/>
+          </a:lnRef>
+          <a:fillRef idx="0">
+            <a:schemeClr val="accent1"/>
+          </a:fillRef>
+          <a:effectRef idx="1">
+            <a:schemeClr val="accent1"/>
+          </a:effectRef>
+          <a:fontRef idx="minor">
+            <a:schemeClr val="tx1"/>
+          </a:fontRef>
+        </p:style>
+      </p:cxnSp>
+      <p:cxnSp>
+        <p:nvCxnSpPr>
+          <p:cNvPr id="255" name="Straight Connector 254">
+            <a:extLst>
+              <a:ext uri="{FF2B5EF4-FFF2-40B4-BE49-F238E27FC236}">
+                <a16:creationId xmlns:a16="http://schemas.microsoft.com/office/drawing/2014/main" id="{7AB5341E-A7B7-C453-1FF1-D92DE39C6118}"/>
+              </a:ext>
+            </a:extLst>
+          </p:cNvPr>
+          <p:cNvCxnSpPr>
+            <a:cxnSpLocks/>
+            <a:stCxn id="231" idx="6"/>
+            <a:endCxn id="235" idx="2"/>
+          </p:cNvCxnSpPr>
+          <p:nvPr/>
+        </p:nvCxnSpPr>
+        <p:spPr>
+          <a:xfrm flipH="1" flipV="1">
+            <a:off x="4995332" y="2144889"/>
+            <a:ext cx="931333" cy="423333"/>
+          </a:xfrm>
+          <a:prstGeom prst="line">
+            <a:avLst/>
+          </a:prstGeom>
+          <a:ln>
+            <a:solidFill>
+              <a:schemeClr val="tx1"/>
+            </a:solidFill>
+          </a:ln>
+        </p:spPr>
+        <p:style>
+          <a:lnRef idx="2">
+            <a:schemeClr val="accent1"/>
+          </a:lnRef>
+          <a:fillRef idx="0">
+            <a:schemeClr val="accent1"/>
+          </a:fillRef>
+          <a:effectRef idx="1">
+            <a:schemeClr val="accent1"/>
+          </a:effectRef>
+          <a:fontRef idx="minor">
+            <a:schemeClr val="tx1"/>
+          </a:fontRef>
+        </p:style>
+      </p:cxnSp>
+      <p:cxnSp>
+        <p:nvCxnSpPr>
+          <p:cNvPr id="256" name="Straight Connector 255">
+            <a:extLst>
+              <a:ext uri="{FF2B5EF4-FFF2-40B4-BE49-F238E27FC236}">
+                <a16:creationId xmlns:a16="http://schemas.microsoft.com/office/drawing/2014/main" id="{15ED078F-DE7B-83F3-02EB-BF2E1CA1AEB5}"/>
+              </a:ext>
+            </a:extLst>
+          </p:cNvPr>
+          <p:cNvCxnSpPr>
+            <a:cxnSpLocks/>
+            <a:stCxn id="231" idx="6"/>
+            <a:endCxn id="236" idx="2"/>
+          </p:cNvCxnSpPr>
+          <p:nvPr/>
+        </p:nvCxnSpPr>
+        <p:spPr>
+          <a:xfrm flipH="1">
+            <a:off x="4995332" y="2568222"/>
+            <a:ext cx="931333" cy="0"/>
+          </a:xfrm>
+          <a:prstGeom prst="line">
+            <a:avLst/>
+          </a:prstGeom>
+          <a:ln>
+            <a:solidFill>
+              <a:schemeClr val="tx1"/>
+            </a:solidFill>
+          </a:ln>
+        </p:spPr>
+        <p:style>
+          <a:lnRef idx="2">
+            <a:schemeClr val="accent1"/>
+          </a:lnRef>
+          <a:fillRef idx="0">
+            <a:schemeClr val="accent1"/>
+          </a:fillRef>
+          <a:effectRef idx="1">
+            <a:schemeClr val="accent1"/>
+          </a:effectRef>
+          <a:fontRef idx="minor">
+            <a:schemeClr val="tx1"/>
+          </a:fontRef>
+        </p:style>
+      </p:cxnSp>
+      <p:cxnSp>
+        <p:nvCxnSpPr>
+          <p:cNvPr id="257" name="Straight Connector 256">
+            <a:extLst>
+              <a:ext uri="{FF2B5EF4-FFF2-40B4-BE49-F238E27FC236}">
+                <a16:creationId xmlns:a16="http://schemas.microsoft.com/office/drawing/2014/main" id="{C4809784-5422-12ED-4527-7725F49E0A2C}"/>
+              </a:ext>
+            </a:extLst>
+          </p:cNvPr>
+          <p:cNvCxnSpPr>
+            <a:cxnSpLocks/>
+            <a:stCxn id="231" idx="6"/>
+            <a:endCxn id="237" idx="2"/>
+          </p:cNvCxnSpPr>
+          <p:nvPr/>
+        </p:nvCxnSpPr>
+        <p:spPr>
+          <a:xfrm flipH="1">
+            <a:off x="4995332" y="2568222"/>
+            <a:ext cx="931333" cy="423333"/>
+          </a:xfrm>
+          <a:prstGeom prst="line">
+            <a:avLst/>
+          </a:prstGeom>
+          <a:ln>
+            <a:solidFill>
+              <a:schemeClr val="tx1"/>
+            </a:solidFill>
+          </a:ln>
+        </p:spPr>
+        <p:style>
+          <a:lnRef idx="2">
+            <a:schemeClr val="accent1"/>
+          </a:lnRef>
+          <a:fillRef idx="0">
+            <a:schemeClr val="accent1"/>
+          </a:fillRef>
+          <a:effectRef idx="1">
+            <a:schemeClr val="accent1"/>
+          </a:effectRef>
+          <a:fontRef idx="minor">
+            <a:schemeClr val="tx1"/>
+          </a:fontRef>
+        </p:style>
+      </p:cxnSp>
+      <p:cxnSp>
+        <p:nvCxnSpPr>
+          <p:cNvPr id="258" name="Straight Connector 257">
+            <a:extLst>
+              <a:ext uri="{FF2B5EF4-FFF2-40B4-BE49-F238E27FC236}">
+                <a16:creationId xmlns:a16="http://schemas.microsoft.com/office/drawing/2014/main" id="{1FC18353-51C3-600E-EC27-F8985725CF04}"/>
+              </a:ext>
+            </a:extLst>
+          </p:cNvPr>
+          <p:cNvCxnSpPr>
+            <a:cxnSpLocks/>
+            <a:stCxn id="231" idx="6"/>
+            <a:endCxn id="238" idx="2"/>
+          </p:cNvCxnSpPr>
+          <p:nvPr/>
+        </p:nvCxnSpPr>
+        <p:spPr>
+          <a:xfrm flipH="1">
+            <a:off x="4995332" y="2568222"/>
+            <a:ext cx="931333" cy="846666"/>
+          </a:xfrm>
+          <a:prstGeom prst="line">
+            <a:avLst/>
+          </a:prstGeom>
+          <a:ln>
+            <a:solidFill>
+              <a:schemeClr val="tx1"/>
+            </a:solidFill>
+          </a:ln>
+        </p:spPr>
+        <p:style>
+          <a:lnRef idx="2">
+            <a:schemeClr val="accent1"/>
+          </a:lnRef>
+          <a:fillRef idx="0">
+            <a:schemeClr val="accent1"/>
+          </a:fillRef>
+          <a:effectRef idx="1">
+            <a:schemeClr val="accent1"/>
+          </a:effectRef>
+          <a:fontRef idx="minor">
+            <a:schemeClr val="tx1"/>
+          </a:fontRef>
+        </p:style>
+      </p:cxnSp>
+      <p:cxnSp>
+        <p:nvCxnSpPr>
+          <p:cNvPr id="259" name="Straight Connector 258">
+            <a:extLst>
+              <a:ext uri="{FF2B5EF4-FFF2-40B4-BE49-F238E27FC236}">
+                <a16:creationId xmlns:a16="http://schemas.microsoft.com/office/drawing/2014/main" id="{83C6BB2D-60A0-35DC-6B76-FA04F3561DBF}"/>
+              </a:ext>
+            </a:extLst>
+          </p:cNvPr>
+          <p:cNvCxnSpPr>
+            <a:cxnSpLocks/>
+            <a:stCxn id="232" idx="6"/>
+            <a:endCxn id="233" idx="2"/>
+          </p:cNvCxnSpPr>
+          <p:nvPr/>
+        </p:nvCxnSpPr>
+        <p:spPr>
+          <a:xfrm flipH="1" flipV="1">
+            <a:off x="4995331" y="1298223"/>
+            <a:ext cx="931334" cy="1693332"/>
+          </a:xfrm>
+          <a:prstGeom prst="line">
+            <a:avLst/>
+          </a:prstGeom>
+          <a:ln>
+            <a:solidFill>
+              <a:schemeClr val="tx1"/>
+            </a:solidFill>
+          </a:ln>
+        </p:spPr>
+        <p:style>
+          <a:lnRef idx="2">
+            <a:schemeClr val="accent1"/>
+          </a:lnRef>
+          <a:fillRef idx="0">
+            <a:schemeClr val="accent1"/>
+          </a:fillRef>
+          <a:effectRef idx="1">
+            <a:schemeClr val="accent1"/>
+          </a:effectRef>
+          <a:fontRef idx="minor">
+            <a:schemeClr val="tx1"/>
+          </a:fontRef>
+        </p:style>
+      </p:cxnSp>
+      <p:cxnSp>
+        <p:nvCxnSpPr>
+          <p:cNvPr id="260" name="Straight Connector 259">
+            <a:extLst>
+              <a:ext uri="{FF2B5EF4-FFF2-40B4-BE49-F238E27FC236}">
+                <a16:creationId xmlns:a16="http://schemas.microsoft.com/office/drawing/2014/main" id="{49CA720F-C076-462F-5FD4-687415A0CA94}"/>
+              </a:ext>
+            </a:extLst>
+          </p:cNvPr>
+          <p:cNvCxnSpPr>
+            <a:cxnSpLocks/>
+            <a:stCxn id="232" idx="6"/>
+            <a:endCxn id="234" idx="2"/>
+          </p:cNvCxnSpPr>
+          <p:nvPr/>
+        </p:nvCxnSpPr>
+        <p:spPr>
+          <a:xfrm flipH="1" flipV="1">
+            <a:off x="4995331" y="1721556"/>
+            <a:ext cx="931334" cy="1269999"/>
+          </a:xfrm>
+          <a:prstGeom prst="line">
+            <a:avLst/>
+          </a:prstGeom>
+          <a:ln>
+            <a:solidFill>
+              <a:schemeClr val="tx1"/>
+            </a:solidFill>
+          </a:ln>
+        </p:spPr>
+        <p:style>
+          <a:lnRef idx="2">
+            <a:schemeClr val="accent1"/>
+          </a:lnRef>
+          <a:fillRef idx="0">
+            <a:schemeClr val="accent1"/>
+          </a:fillRef>
+          <a:effectRef idx="1">
+            <a:schemeClr val="accent1"/>
+          </a:effectRef>
+          <a:fontRef idx="minor">
+            <a:schemeClr val="tx1"/>
+          </a:fontRef>
+        </p:style>
+      </p:cxnSp>
+      <p:cxnSp>
+        <p:nvCxnSpPr>
+          <p:cNvPr id="261" name="Straight Connector 260">
+            <a:extLst>
+              <a:ext uri="{FF2B5EF4-FFF2-40B4-BE49-F238E27FC236}">
+                <a16:creationId xmlns:a16="http://schemas.microsoft.com/office/drawing/2014/main" id="{FA2E5F0F-212A-6454-8C9B-DBD0F7804D6A}"/>
+              </a:ext>
+            </a:extLst>
+          </p:cNvPr>
+          <p:cNvCxnSpPr>
+            <a:cxnSpLocks/>
+            <a:stCxn id="232" idx="6"/>
+            <a:endCxn id="235" idx="2"/>
+          </p:cNvCxnSpPr>
+          <p:nvPr/>
+        </p:nvCxnSpPr>
+        <p:spPr>
+          <a:xfrm flipH="1" flipV="1">
+            <a:off x="4995332" y="2144889"/>
+            <a:ext cx="931333" cy="846666"/>
+          </a:xfrm>
+          <a:prstGeom prst="line">
+            <a:avLst/>
+          </a:prstGeom>
+          <a:ln>
+            <a:solidFill>
+              <a:schemeClr val="tx1"/>
+            </a:solidFill>
+          </a:ln>
+        </p:spPr>
+        <p:style>
+          <a:lnRef idx="2">
+            <a:schemeClr val="accent1"/>
+          </a:lnRef>
+          <a:fillRef idx="0">
+            <a:schemeClr val="accent1"/>
+          </a:fillRef>
+          <a:effectRef idx="1">
+            <a:schemeClr val="accent1"/>
+          </a:effectRef>
+          <a:fontRef idx="minor">
+            <a:schemeClr val="tx1"/>
+          </a:fontRef>
+        </p:style>
+      </p:cxnSp>
+      <p:cxnSp>
+        <p:nvCxnSpPr>
+          <p:cNvPr id="262" name="Straight Connector 261">
+            <a:extLst>
+              <a:ext uri="{FF2B5EF4-FFF2-40B4-BE49-F238E27FC236}">
+                <a16:creationId xmlns:a16="http://schemas.microsoft.com/office/drawing/2014/main" id="{6BC4A283-5492-33F4-6954-90E06D85B6B4}"/>
+              </a:ext>
+            </a:extLst>
+          </p:cNvPr>
+          <p:cNvCxnSpPr>
+            <a:cxnSpLocks/>
+            <a:stCxn id="232" idx="6"/>
+            <a:endCxn id="236" idx="2"/>
+          </p:cNvCxnSpPr>
+          <p:nvPr/>
+        </p:nvCxnSpPr>
+        <p:spPr>
+          <a:xfrm flipH="1" flipV="1">
+            <a:off x="4995332" y="2568222"/>
+            <a:ext cx="931333" cy="423333"/>
+          </a:xfrm>
+          <a:prstGeom prst="line">
+            <a:avLst/>
+          </a:prstGeom>
+          <a:ln>
+            <a:solidFill>
+              <a:schemeClr val="tx1"/>
+            </a:solidFill>
+          </a:ln>
+        </p:spPr>
+        <p:style>
+          <a:lnRef idx="2">
+            <a:schemeClr val="accent1"/>
+          </a:lnRef>
+          <a:fillRef idx="0">
+            <a:schemeClr val="accent1"/>
+          </a:fillRef>
+          <a:effectRef idx="1">
+            <a:schemeClr val="accent1"/>
+          </a:effectRef>
+          <a:fontRef idx="minor">
+            <a:schemeClr val="tx1"/>
+          </a:fontRef>
+        </p:style>
+      </p:cxnSp>
+      <p:cxnSp>
+        <p:nvCxnSpPr>
+          <p:cNvPr id="263" name="Straight Connector 262">
+            <a:extLst>
+              <a:ext uri="{FF2B5EF4-FFF2-40B4-BE49-F238E27FC236}">
+                <a16:creationId xmlns:a16="http://schemas.microsoft.com/office/drawing/2014/main" id="{6FE0D27D-0631-92D6-0C38-B221B63EB39B}"/>
+              </a:ext>
+            </a:extLst>
+          </p:cNvPr>
+          <p:cNvCxnSpPr>
+            <a:cxnSpLocks/>
+            <a:stCxn id="232" idx="6"/>
+            <a:endCxn id="237" idx="2"/>
+          </p:cNvCxnSpPr>
+          <p:nvPr/>
+        </p:nvCxnSpPr>
+        <p:spPr>
+          <a:xfrm flipH="1">
+            <a:off x="4995332" y="2991555"/>
+            <a:ext cx="931333" cy="0"/>
+          </a:xfrm>
+          <a:prstGeom prst="line">
+            <a:avLst/>
+          </a:prstGeom>
+          <a:ln>
+            <a:solidFill>
+              <a:schemeClr val="tx1"/>
+            </a:solidFill>
+          </a:ln>
+        </p:spPr>
+        <p:style>
+          <a:lnRef idx="2">
+            <a:schemeClr val="accent1"/>
+          </a:lnRef>
+          <a:fillRef idx="0">
+            <a:schemeClr val="accent1"/>
+          </a:fillRef>
+          <a:effectRef idx="1">
+            <a:schemeClr val="accent1"/>
+          </a:effectRef>
+          <a:fontRef idx="minor">
+            <a:schemeClr val="tx1"/>
+          </a:fontRef>
+        </p:style>
+      </p:cxnSp>
+      <p:cxnSp>
+        <p:nvCxnSpPr>
+          <p:cNvPr id="264" name="Straight Connector 263">
+            <a:extLst>
+              <a:ext uri="{FF2B5EF4-FFF2-40B4-BE49-F238E27FC236}">
+                <a16:creationId xmlns:a16="http://schemas.microsoft.com/office/drawing/2014/main" id="{BDFAC1BE-314A-4140-0538-C44FD9FAB170}"/>
+              </a:ext>
+            </a:extLst>
+          </p:cNvPr>
+          <p:cNvCxnSpPr>
+            <a:cxnSpLocks/>
+            <a:stCxn id="232" idx="6"/>
+            <a:endCxn id="238" idx="2"/>
+          </p:cNvCxnSpPr>
+          <p:nvPr/>
+        </p:nvCxnSpPr>
+        <p:spPr>
+          <a:xfrm flipH="1">
+            <a:off x="4995332" y="2991555"/>
+            <a:ext cx="931333" cy="423333"/>
+          </a:xfrm>
+          <a:prstGeom prst="line">
+            <a:avLst/>
+          </a:prstGeom>
+          <a:ln>
+            <a:solidFill>
+              <a:schemeClr val="tx1"/>
+            </a:solidFill>
+          </a:ln>
+        </p:spPr>
+        <p:style>
+          <a:lnRef idx="2">
+            <a:schemeClr val="accent1"/>
+          </a:lnRef>
+          <a:fillRef idx="0">
+            <a:schemeClr val="accent1"/>
+          </a:fillRef>
+          <a:effectRef idx="1">
+            <a:schemeClr val="accent1"/>
+          </a:effectRef>
+          <a:fontRef idx="minor">
+            <a:schemeClr val="tx1"/>
+          </a:fontRef>
+        </p:style>
+      </p:cxnSp>
+      <p:cxnSp>
+        <p:nvCxnSpPr>
+          <p:cNvPr id="265" name="Straight Connector 264">
+            <a:extLst>
+              <a:ext uri="{FF2B5EF4-FFF2-40B4-BE49-F238E27FC236}">
+                <a16:creationId xmlns:a16="http://schemas.microsoft.com/office/drawing/2014/main" id="{A8A3E9B7-4E24-6446-7E51-5F073B52E222}"/>
+              </a:ext>
+            </a:extLst>
+          </p:cNvPr>
+          <p:cNvCxnSpPr>
+            <a:cxnSpLocks/>
+            <a:stCxn id="233" idx="6"/>
+            <a:endCxn id="16" idx="6"/>
+          </p:cNvCxnSpPr>
+          <p:nvPr/>
+        </p:nvCxnSpPr>
+        <p:spPr>
+          <a:xfrm flipH="1">
+            <a:off x="3894666" y="1298223"/>
+            <a:ext cx="841020" cy="846666"/>
+          </a:xfrm>
+          <a:prstGeom prst="line">
+            <a:avLst/>
+          </a:prstGeom>
+          <a:ln>
+            <a:solidFill>
+              <a:schemeClr val="tx1"/>
+            </a:solidFill>
+          </a:ln>
+        </p:spPr>
+        <p:style>
+          <a:lnRef idx="2">
+            <a:schemeClr val="accent1"/>
+          </a:lnRef>
+          <a:fillRef idx="0">
+            <a:schemeClr val="accent1"/>
+          </a:fillRef>
+          <a:effectRef idx="1">
+            <a:schemeClr val="accent1"/>
+          </a:effectRef>
+          <a:fontRef idx="minor">
+            <a:schemeClr val="tx1"/>
+          </a:fontRef>
+        </p:style>
+      </p:cxnSp>
+      <p:cxnSp>
+        <p:nvCxnSpPr>
+          <p:cNvPr id="266" name="Straight Connector 265">
+            <a:extLst>
+              <a:ext uri="{FF2B5EF4-FFF2-40B4-BE49-F238E27FC236}">
+                <a16:creationId xmlns:a16="http://schemas.microsoft.com/office/drawing/2014/main" id="{5BE6EAC7-9756-1DB3-D64B-23B3BC171536}"/>
+              </a:ext>
+            </a:extLst>
+          </p:cNvPr>
+          <p:cNvCxnSpPr>
+            <a:cxnSpLocks/>
+            <a:stCxn id="234" idx="6"/>
+            <a:endCxn id="16" idx="6"/>
+          </p:cNvCxnSpPr>
+          <p:nvPr/>
+        </p:nvCxnSpPr>
+        <p:spPr>
+          <a:xfrm flipH="1">
+            <a:off x="3894666" y="1721556"/>
+            <a:ext cx="841020" cy="423333"/>
+          </a:xfrm>
+          <a:prstGeom prst="line">
+            <a:avLst/>
+          </a:prstGeom>
+          <a:ln>
+            <a:solidFill>
+              <a:schemeClr val="tx1"/>
+            </a:solidFill>
+          </a:ln>
+        </p:spPr>
+        <p:style>
+          <a:lnRef idx="2">
+            <a:schemeClr val="accent1"/>
+          </a:lnRef>
+          <a:fillRef idx="0">
+            <a:schemeClr val="accent1"/>
+          </a:fillRef>
+          <a:effectRef idx="1">
+            <a:schemeClr val="accent1"/>
+          </a:effectRef>
+          <a:fontRef idx="minor">
+            <a:schemeClr val="tx1"/>
+          </a:fontRef>
+        </p:style>
+      </p:cxnSp>
+      <p:cxnSp>
+        <p:nvCxnSpPr>
+          <p:cNvPr id="267" name="Straight Connector 266">
+            <a:extLst>
+              <a:ext uri="{FF2B5EF4-FFF2-40B4-BE49-F238E27FC236}">
+                <a16:creationId xmlns:a16="http://schemas.microsoft.com/office/drawing/2014/main" id="{5EBDAEC2-DB11-C067-00D0-0ED9C42D1E7B}"/>
+              </a:ext>
+            </a:extLst>
+          </p:cNvPr>
+          <p:cNvCxnSpPr>
+            <a:cxnSpLocks/>
+            <a:stCxn id="235" idx="6"/>
+            <a:endCxn id="16" idx="6"/>
+          </p:cNvCxnSpPr>
+          <p:nvPr/>
+        </p:nvCxnSpPr>
+        <p:spPr>
+          <a:xfrm flipH="1">
+            <a:off x="3894666" y="2144889"/>
+            <a:ext cx="841021" cy="0"/>
+          </a:xfrm>
+          <a:prstGeom prst="line">
+            <a:avLst/>
+          </a:prstGeom>
+          <a:ln>
+            <a:solidFill>
+              <a:schemeClr val="tx1"/>
+            </a:solidFill>
+          </a:ln>
+        </p:spPr>
+        <p:style>
+          <a:lnRef idx="2">
+            <a:schemeClr val="accent1"/>
+          </a:lnRef>
+          <a:fillRef idx="0">
+            <a:schemeClr val="accent1"/>
+          </a:fillRef>
+          <a:effectRef idx="1">
+            <a:schemeClr val="accent1"/>
+          </a:effectRef>
+          <a:fontRef idx="minor">
+            <a:schemeClr val="tx1"/>
+          </a:fontRef>
+        </p:style>
+      </p:cxnSp>
+      <p:cxnSp>
+        <p:nvCxnSpPr>
+          <p:cNvPr id="268" name="Straight Connector 267">
+            <a:extLst>
+              <a:ext uri="{FF2B5EF4-FFF2-40B4-BE49-F238E27FC236}">
+                <a16:creationId xmlns:a16="http://schemas.microsoft.com/office/drawing/2014/main" id="{7E7EF25B-A094-A0A0-F4D2-733C292FDA5E}"/>
+              </a:ext>
+            </a:extLst>
+          </p:cNvPr>
+          <p:cNvCxnSpPr>
+            <a:cxnSpLocks/>
+            <a:stCxn id="236" idx="6"/>
+            <a:endCxn id="16" idx="6"/>
+          </p:cNvCxnSpPr>
+          <p:nvPr/>
+        </p:nvCxnSpPr>
+        <p:spPr>
+          <a:xfrm flipH="1" flipV="1">
+            <a:off x="3894666" y="2144889"/>
+            <a:ext cx="841021" cy="423333"/>
+          </a:xfrm>
+          <a:prstGeom prst="line">
+            <a:avLst/>
+          </a:prstGeom>
+          <a:ln>
+            <a:solidFill>
+              <a:schemeClr val="tx1"/>
+            </a:solidFill>
+          </a:ln>
+        </p:spPr>
+        <p:style>
+          <a:lnRef idx="2">
+            <a:schemeClr val="accent1"/>
+          </a:lnRef>
+          <a:fillRef idx="0">
+            <a:schemeClr val="accent1"/>
+          </a:fillRef>
+          <a:effectRef idx="1">
+            <a:schemeClr val="accent1"/>
+          </a:effectRef>
+          <a:fontRef idx="minor">
+            <a:schemeClr val="tx1"/>
+          </a:fontRef>
+        </p:style>
+      </p:cxnSp>
+      <p:cxnSp>
+        <p:nvCxnSpPr>
+          <p:cNvPr id="269" name="Straight Connector 268">
+            <a:extLst>
+              <a:ext uri="{FF2B5EF4-FFF2-40B4-BE49-F238E27FC236}">
+                <a16:creationId xmlns:a16="http://schemas.microsoft.com/office/drawing/2014/main" id="{13FF6487-845B-79BE-3B7F-23835870252A}"/>
+              </a:ext>
+            </a:extLst>
+          </p:cNvPr>
+          <p:cNvCxnSpPr>
+            <a:cxnSpLocks/>
+            <a:stCxn id="237" idx="6"/>
+            <a:endCxn id="16" idx="6"/>
+          </p:cNvCxnSpPr>
+          <p:nvPr/>
+        </p:nvCxnSpPr>
+        <p:spPr>
+          <a:xfrm flipH="1" flipV="1">
+            <a:off x="3894666" y="2144889"/>
+            <a:ext cx="841021" cy="846666"/>
+          </a:xfrm>
+          <a:prstGeom prst="line">
+            <a:avLst/>
+          </a:prstGeom>
+          <a:ln>
+            <a:solidFill>
+              <a:schemeClr val="tx1"/>
+            </a:solidFill>
+          </a:ln>
+        </p:spPr>
+        <p:style>
+          <a:lnRef idx="2">
+            <a:schemeClr val="accent1"/>
+          </a:lnRef>
+          <a:fillRef idx="0">
+            <a:schemeClr val="accent1"/>
+          </a:fillRef>
+          <a:effectRef idx="1">
+            <a:schemeClr val="accent1"/>
+          </a:effectRef>
+          <a:fontRef idx="minor">
+            <a:schemeClr val="tx1"/>
+          </a:fontRef>
+        </p:style>
+      </p:cxnSp>
+      <p:cxnSp>
+        <p:nvCxnSpPr>
+          <p:cNvPr id="270" name="Straight Connector 269">
+            <a:extLst>
+              <a:ext uri="{FF2B5EF4-FFF2-40B4-BE49-F238E27FC236}">
+                <a16:creationId xmlns:a16="http://schemas.microsoft.com/office/drawing/2014/main" id="{01BA712F-E419-6149-3D53-195FC464D165}"/>
+              </a:ext>
+            </a:extLst>
+          </p:cNvPr>
+          <p:cNvCxnSpPr>
+            <a:cxnSpLocks/>
+            <a:stCxn id="238" idx="6"/>
+            <a:endCxn id="16" idx="6"/>
+          </p:cNvCxnSpPr>
+          <p:nvPr/>
+        </p:nvCxnSpPr>
+        <p:spPr>
+          <a:xfrm flipH="1" flipV="1">
+            <a:off x="3894666" y="2144889"/>
+            <a:ext cx="841021" cy="1269999"/>
+          </a:xfrm>
+          <a:prstGeom prst="line">
+            <a:avLst/>
+          </a:prstGeom>
+          <a:ln>
+            <a:solidFill>
+              <a:schemeClr val="tx1"/>
+            </a:solidFill>
+          </a:ln>
+        </p:spPr>
+        <p:style>
+          <a:lnRef idx="2">
+            <a:schemeClr val="accent1"/>
+          </a:lnRef>
+          <a:fillRef idx="0">
+            <a:schemeClr val="accent1"/>
+          </a:fillRef>
+          <a:effectRef idx="1">
+            <a:schemeClr val="accent1"/>
+          </a:effectRef>
+          <a:fontRef idx="minor">
+            <a:schemeClr val="tx1"/>
+          </a:fontRef>
+        </p:style>
+      </p:cxnSp>
+      <p:cxnSp>
+        <p:nvCxnSpPr>
+          <p:cNvPr id="271" name="Straight Connector 270">
+            <a:extLst>
+              <a:ext uri="{FF2B5EF4-FFF2-40B4-BE49-F238E27FC236}">
+                <a16:creationId xmlns:a16="http://schemas.microsoft.com/office/drawing/2014/main" id="{422E34EA-FD42-61DA-C73E-7743C3976D03}"/>
+              </a:ext>
+            </a:extLst>
+          </p:cNvPr>
+          <p:cNvCxnSpPr>
+            <a:cxnSpLocks/>
+            <a:stCxn id="233" idx="6"/>
+            <a:endCxn id="17" idx="6"/>
+          </p:cNvCxnSpPr>
+          <p:nvPr/>
+        </p:nvCxnSpPr>
+        <p:spPr>
+          <a:xfrm flipH="1">
+            <a:off x="3894666" y="1298223"/>
+            <a:ext cx="841020" cy="1269999"/>
+          </a:xfrm>
+          <a:prstGeom prst="line">
+            <a:avLst/>
+          </a:prstGeom>
+          <a:ln>
+            <a:solidFill>
+              <a:schemeClr val="tx1"/>
+            </a:solidFill>
+          </a:ln>
+        </p:spPr>
+        <p:style>
+          <a:lnRef idx="2">
+            <a:schemeClr val="accent1"/>
+          </a:lnRef>
+          <a:fillRef idx="0">
+            <a:schemeClr val="accent1"/>
+          </a:fillRef>
+          <a:effectRef idx="1">
+            <a:schemeClr val="accent1"/>
+          </a:effectRef>
+          <a:fontRef idx="minor">
+            <a:schemeClr val="tx1"/>
+          </a:fontRef>
+        </p:style>
+      </p:cxnSp>
+      <p:cxnSp>
+        <p:nvCxnSpPr>
+          <p:cNvPr id="272" name="Straight Connector 271">
+            <a:extLst>
+              <a:ext uri="{FF2B5EF4-FFF2-40B4-BE49-F238E27FC236}">
+                <a16:creationId xmlns:a16="http://schemas.microsoft.com/office/drawing/2014/main" id="{F9A9FA2D-131D-C59A-ECC3-5C4FC821914F}"/>
+              </a:ext>
+            </a:extLst>
+          </p:cNvPr>
+          <p:cNvCxnSpPr>
+            <a:cxnSpLocks/>
+            <a:stCxn id="234" idx="6"/>
+            <a:endCxn id="17" idx="6"/>
+          </p:cNvCxnSpPr>
+          <p:nvPr/>
+        </p:nvCxnSpPr>
+        <p:spPr>
+          <a:xfrm flipH="1">
+            <a:off x="3894666" y="1721556"/>
+            <a:ext cx="841020" cy="846666"/>
+          </a:xfrm>
+          <a:prstGeom prst="line">
+            <a:avLst/>
+          </a:prstGeom>
+          <a:ln>
+            <a:solidFill>
+              <a:schemeClr val="tx1"/>
+            </a:solidFill>
+          </a:ln>
+        </p:spPr>
+        <p:style>
+          <a:lnRef idx="2">
+            <a:schemeClr val="accent1"/>
+          </a:lnRef>
+          <a:fillRef idx="0">
+            <a:schemeClr val="accent1"/>
+          </a:fillRef>
+          <a:effectRef idx="1">
+            <a:schemeClr val="accent1"/>
+          </a:effectRef>
+          <a:fontRef idx="minor">
+            <a:schemeClr val="tx1"/>
+          </a:fontRef>
+        </p:style>
+      </p:cxnSp>
+      <p:cxnSp>
+        <p:nvCxnSpPr>
+          <p:cNvPr id="273" name="Straight Connector 272">
+            <a:extLst>
+              <a:ext uri="{FF2B5EF4-FFF2-40B4-BE49-F238E27FC236}">
+                <a16:creationId xmlns:a16="http://schemas.microsoft.com/office/drawing/2014/main" id="{57CAEB6F-C8AB-49AB-7A96-0C915AFF8349}"/>
+              </a:ext>
+            </a:extLst>
+          </p:cNvPr>
+          <p:cNvCxnSpPr>
+            <a:cxnSpLocks/>
+            <a:stCxn id="235" idx="6"/>
+            <a:endCxn id="17" idx="6"/>
+          </p:cNvCxnSpPr>
+          <p:nvPr/>
+        </p:nvCxnSpPr>
+        <p:spPr>
+          <a:xfrm flipH="1">
+            <a:off x="3894666" y="2144889"/>
+            <a:ext cx="841021" cy="423333"/>
+          </a:xfrm>
+          <a:prstGeom prst="line">
+            <a:avLst/>
+          </a:prstGeom>
+          <a:ln>
+            <a:solidFill>
+              <a:schemeClr val="tx1"/>
+            </a:solidFill>
+          </a:ln>
+        </p:spPr>
+        <p:style>
+          <a:lnRef idx="2">
+            <a:schemeClr val="accent1"/>
+          </a:lnRef>
+          <a:fillRef idx="0">
+            <a:schemeClr val="accent1"/>
+          </a:fillRef>
+          <a:effectRef idx="1">
+            <a:schemeClr val="accent1"/>
+          </a:effectRef>
+          <a:fontRef idx="minor">
+            <a:schemeClr val="tx1"/>
+          </a:fontRef>
+        </p:style>
+      </p:cxnSp>
+      <p:cxnSp>
+        <p:nvCxnSpPr>
+          <p:cNvPr id="274" name="Straight Connector 273">
+            <a:extLst>
+              <a:ext uri="{FF2B5EF4-FFF2-40B4-BE49-F238E27FC236}">
+                <a16:creationId xmlns:a16="http://schemas.microsoft.com/office/drawing/2014/main" id="{2C9809BC-4448-3DFF-1705-17515AC770C1}"/>
+              </a:ext>
+            </a:extLst>
+          </p:cNvPr>
+          <p:cNvCxnSpPr>
+            <a:cxnSpLocks/>
+            <a:stCxn id="236" idx="6"/>
+            <a:endCxn id="17" idx="6"/>
+          </p:cNvCxnSpPr>
+          <p:nvPr/>
+        </p:nvCxnSpPr>
+        <p:spPr>
+          <a:xfrm flipH="1">
+            <a:off x="3894666" y="2568222"/>
+            <a:ext cx="841021" cy="0"/>
+          </a:xfrm>
+          <a:prstGeom prst="line">
+            <a:avLst/>
+          </a:prstGeom>
+          <a:ln>
+            <a:solidFill>
+              <a:schemeClr val="tx1"/>
+            </a:solidFill>
+          </a:ln>
+        </p:spPr>
+        <p:style>
+          <a:lnRef idx="2">
+            <a:schemeClr val="accent1"/>
+          </a:lnRef>
+          <a:fillRef idx="0">
+            <a:schemeClr val="accent1"/>
+          </a:fillRef>
+          <a:effectRef idx="1">
+            <a:schemeClr val="accent1"/>
+          </a:effectRef>
+          <a:fontRef idx="minor">
+            <a:schemeClr val="tx1"/>
+          </a:fontRef>
+        </p:style>
+      </p:cxnSp>
+      <p:cxnSp>
+        <p:nvCxnSpPr>
+          <p:cNvPr id="275" name="Straight Connector 274">
+            <a:extLst>
+              <a:ext uri="{FF2B5EF4-FFF2-40B4-BE49-F238E27FC236}">
+                <a16:creationId xmlns:a16="http://schemas.microsoft.com/office/drawing/2014/main" id="{1EBEA499-52B7-D1A7-B7F9-44B73BF12A58}"/>
+              </a:ext>
+            </a:extLst>
+          </p:cNvPr>
+          <p:cNvCxnSpPr>
+            <a:cxnSpLocks/>
+            <a:stCxn id="237" idx="6"/>
+            <a:endCxn id="17" idx="6"/>
+          </p:cNvCxnSpPr>
+          <p:nvPr/>
+        </p:nvCxnSpPr>
+        <p:spPr>
+          <a:xfrm flipH="1" flipV="1">
+            <a:off x="3894666" y="2568222"/>
+            <a:ext cx="841021" cy="423333"/>
+          </a:xfrm>
+          <a:prstGeom prst="line">
+            <a:avLst/>
+          </a:prstGeom>
+          <a:ln>
+            <a:solidFill>
+              <a:schemeClr val="tx1"/>
+            </a:solidFill>
+          </a:ln>
+        </p:spPr>
+        <p:style>
+          <a:lnRef idx="2">
+            <a:schemeClr val="accent1"/>
+          </a:lnRef>
+          <a:fillRef idx="0">
+            <a:schemeClr val="accent1"/>
+          </a:fillRef>
+          <a:effectRef idx="1">
+            <a:schemeClr val="accent1"/>
+          </a:effectRef>
+          <a:fontRef idx="minor">
+            <a:schemeClr val="tx1"/>
+          </a:fontRef>
+        </p:style>
+      </p:cxnSp>
+      <p:cxnSp>
+        <p:nvCxnSpPr>
+          <p:cNvPr id="276" name="Straight Connector 275">
+            <a:extLst>
+              <a:ext uri="{FF2B5EF4-FFF2-40B4-BE49-F238E27FC236}">
+                <a16:creationId xmlns:a16="http://schemas.microsoft.com/office/drawing/2014/main" id="{98C83BA2-C34B-8DC0-2097-B5D371CC92E9}"/>
+              </a:ext>
+            </a:extLst>
+          </p:cNvPr>
+          <p:cNvCxnSpPr>
+            <a:cxnSpLocks/>
+            <a:stCxn id="238" idx="6"/>
+            <a:endCxn id="17" idx="6"/>
+          </p:cNvCxnSpPr>
+          <p:nvPr/>
+        </p:nvCxnSpPr>
+        <p:spPr>
+          <a:xfrm flipH="1" flipV="1">
+            <a:off x="3894666" y="2568222"/>
+            <a:ext cx="841021" cy="846666"/>
+          </a:xfrm>
+          <a:prstGeom prst="line">
+            <a:avLst/>
+          </a:prstGeom>
+          <a:ln>
+            <a:solidFill>
+              <a:schemeClr val="tx1"/>
+            </a:solidFill>
+          </a:ln>
+        </p:spPr>
+        <p:style>
+          <a:lnRef idx="2">
+            <a:schemeClr val="accent1"/>
+          </a:lnRef>
+          <a:fillRef idx="0">
+            <a:schemeClr val="accent1"/>
+          </a:fillRef>
+          <a:effectRef idx="1">
+            <a:schemeClr val="accent1"/>
+          </a:effectRef>
+          <a:fontRef idx="minor">
+            <a:schemeClr val="tx1"/>
+          </a:fontRef>
+        </p:style>
+      </p:cxnSp>
+      <mc:AlternateContent xmlns:mc="http://schemas.openxmlformats.org/markup-compatibility/2006">
+        <mc:Choice xmlns:a14="http://schemas.microsoft.com/office/drawing/2010/main" Requires="a14">
+          <p:sp>
+            <p:nvSpPr>
+              <p:cNvPr id="289" name="TextBox 288">
+                <a:extLst>
+                  <a:ext uri="{FF2B5EF4-FFF2-40B4-BE49-F238E27FC236}">
+                    <a16:creationId xmlns:a16="http://schemas.microsoft.com/office/drawing/2014/main" id="{7BE37D87-6137-2405-F378-3D971F84BB32}"/>
+                  </a:ext>
+                </a:extLst>
+              </p:cNvPr>
+              <p:cNvSpPr txBox="1"/>
+              <p:nvPr/>
+            </p:nvSpPr>
+            <p:spPr>
+              <a:xfrm>
+                <a:off x="1347797" y="3558084"/>
+                <a:ext cx="196913" cy="307777"/>
+              </a:xfrm>
+              <a:prstGeom prst="rect">
+                <a:avLst/>
+              </a:prstGeom>
+              <a:noFill/>
+            </p:spPr>
+            <p:txBody>
+              <a:bodyPr wrap="none" lIns="0" tIns="0" rIns="0" bIns="0" rtlCol="0">
+                <a:spAutoFit/>
+              </a:bodyPr>
+              <a:lstStyle/>
+              <a:p>
+                <a:pPr algn="ctr"/>
+                <a14:m>
+                  <m:oMathPara xmlns:m="http://schemas.openxmlformats.org/officeDocument/2006/math">
+                    <m:oMathParaPr>
+                      <m:jc m:val="center"/>
+                    </m:oMathParaPr>
+                    <m:oMath xmlns:m="http://schemas.openxmlformats.org/officeDocument/2006/math">
+                      <m:r>
+                        <a:rPr lang="en-GB" sz="2000" b="0" i="1" smtClean="0">
+                          <a:latin typeface="Cambria Math" panose="02040503050406030204" pitchFamily="18" charset="0"/>
+                        </a:rPr>
+                        <m:t>𝑥</m:t>
+                      </m:r>
+                    </m:oMath>
+                  </m:oMathPara>
+                </a14:m>
+                <a:endParaRPr lang="en-US" sz="1400" dirty="0"/>
+              </a:p>
+            </p:txBody>
+          </p:sp>
+        </mc:Choice>
+        <mc:Fallback>
+          <p:sp>
+            <p:nvSpPr>
+              <p:cNvPr id="289" name="TextBox 288">
+                <a:extLst>
+                  <a:ext uri="{FF2B5EF4-FFF2-40B4-BE49-F238E27FC236}">
+                    <a16:creationId xmlns:a16="http://schemas.microsoft.com/office/drawing/2014/main" id="{7BE37D87-6137-2405-F378-3D971F84BB32}"/>
+                  </a:ext>
+                </a:extLst>
+              </p:cNvPr>
+              <p:cNvSpPr txBox="1">
+                <a:spLocks noRot="1" noChangeAspect="1" noMove="1" noResize="1" noEditPoints="1" noAdjustHandles="1" noChangeArrowheads="1" noChangeShapeType="1" noTextEdit="1"/>
+              </p:cNvSpPr>
+              <p:nvPr/>
+            </p:nvSpPr>
+            <p:spPr>
+              <a:xfrm>
+                <a:off x="1347797" y="3558084"/>
+                <a:ext cx="196913" cy="307777"/>
+              </a:xfrm>
+              <a:prstGeom prst="rect">
+                <a:avLst/>
+              </a:prstGeom>
+              <a:blipFill>
+                <a:blip r:embed="rId2"/>
+                <a:stretch>
+                  <a:fillRect l="-37500"/>
+                </a:stretch>
+              </a:blipFill>
+            </p:spPr>
+            <p:txBody>
+              <a:bodyPr/>
+              <a:lstStyle/>
+              <a:p>
+                <a:r>
+                  <a:rPr lang="en-US">
+                    <a:noFill/>
+                  </a:rPr>
+                  <a:t> </a:t>
+                </a:r>
+              </a:p>
+            </p:txBody>
+          </p:sp>
+        </mc:Fallback>
+      </mc:AlternateContent>
+      <mc:AlternateContent xmlns:mc="http://schemas.openxmlformats.org/markup-compatibility/2006">
+        <mc:Choice xmlns:a14="http://schemas.microsoft.com/office/drawing/2010/main" Requires="a14">
+          <p:sp>
+            <p:nvSpPr>
+              <p:cNvPr id="290" name="TextBox 289">
+                <a:extLst>
+                  <a:ext uri="{FF2B5EF4-FFF2-40B4-BE49-F238E27FC236}">
+                    <a16:creationId xmlns:a16="http://schemas.microsoft.com/office/drawing/2014/main" id="{688AB584-534A-A7FF-D45B-CCD802C22A23}"/>
+                  </a:ext>
+                </a:extLst>
+              </p:cNvPr>
+              <p:cNvSpPr txBox="1"/>
+              <p:nvPr/>
+            </p:nvSpPr>
+            <p:spPr>
+              <a:xfrm>
+                <a:off x="3729013" y="3558084"/>
+                <a:ext cx="180690" cy="307777"/>
+              </a:xfrm>
+              <a:prstGeom prst="rect">
+                <a:avLst/>
+              </a:prstGeom>
+              <a:noFill/>
+            </p:spPr>
+            <p:txBody>
+              <a:bodyPr wrap="none" lIns="0" tIns="0" rIns="0" bIns="0" rtlCol="0">
+                <a:spAutoFit/>
+              </a:bodyPr>
+              <a:lstStyle/>
+              <a:p>
+                <a:pPr algn="ctr"/>
+                <a14:m>
+                  <m:oMathPara xmlns:m="http://schemas.openxmlformats.org/officeDocument/2006/math">
+                    <m:oMathParaPr>
+                      <m:jc m:val="center"/>
+                    </m:oMathParaPr>
+                    <m:oMath xmlns:m="http://schemas.openxmlformats.org/officeDocument/2006/math">
+                      <m:r>
+                        <a:rPr lang="en-GB" sz="2000" b="0" i="1" smtClean="0">
+                          <a:latin typeface="Cambria Math" panose="02040503050406030204" pitchFamily="18" charset="0"/>
+                        </a:rPr>
+                        <m:t>𝑧</m:t>
+                      </m:r>
+                    </m:oMath>
+                  </m:oMathPara>
+                </a14:m>
+                <a:endParaRPr lang="en-US" sz="2000" dirty="0"/>
+              </a:p>
+            </p:txBody>
+          </p:sp>
+        </mc:Choice>
+        <mc:Fallback>
+          <p:sp>
+            <p:nvSpPr>
+              <p:cNvPr id="290" name="TextBox 289">
+                <a:extLst>
+                  <a:ext uri="{FF2B5EF4-FFF2-40B4-BE49-F238E27FC236}">
+                    <a16:creationId xmlns:a16="http://schemas.microsoft.com/office/drawing/2014/main" id="{688AB584-534A-A7FF-D45B-CCD802C22A23}"/>
+                  </a:ext>
+                </a:extLst>
+              </p:cNvPr>
+              <p:cNvSpPr txBox="1">
+                <a:spLocks noRot="1" noChangeAspect="1" noMove="1" noResize="1" noEditPoints="1" noAdjustHandles="1" noChangeArrowheads="1" noChangeShapeType="1" noTextEdit="1"/>
+              </p:cNvSpPr>
+              <p:nvPr/>
+            </p:nvSpPr>
+            <p:spPr>
+              <a:xfrm>
+                <a:off x="3729013" y="3558084"/>
+                <a:ext cx="180690" cy="307777"/>
+              </a:xfrm>
+              <a:prstGeom prst="rect">
+                <a:avLst/>
+              </a:prstGeom>
+              <a:blipFill>
+                <a:blip r:embed="rId3"/>
+                <a:stretch>
+                  <a:fillRect l="-33333" r="-6667"/>
+                </a:stretch>
+              </a:blipFill>
+            </p:spPr>
+            <p:txBody>
+              <a:bodyPr/>
+              <a:lstStyle/>
+              <a:p>
+                <a:r>
+                  <a:rPr lang="en-US">
+                    <a:noFill/>
+                  </a:rPr>
+                  <a:t> </a:t>
+                </a:r>
+              </a:p>
+            </p:txBody>
+          </p:sp>
+        </mc:Fallback>
+      </mc:AlternateContent>
+      <mc:AlternateContent xmlns:mc="http://schemas.openxmlformats.org/markup-compatibility/2006">
+        <mc:Choice xmlns:a14="http://schemas.microsoft.com/office/drawing/2010/main" Requires="a14">
+          <p:sp>
+            <p:nvSpPr>
+              <p:cNvPr id="291" name="TextBox 290">
+                <a:extLst>
+                  <a:ext uri="{FF2B5EF4-FFF2-40B4-BE49-F238E27FC236}">
+                    <a16:creationId xmlns:a16="http://schemas.microsoft.com/office/drawing/2014/main" id="{8CE69B60-8B5B-3295-625B-7FE6DB4B1493}"/>
+                  </a:ext>
+                </a:extLst>
+              </p:cNvPr>
+              <p:cNvSpPr txBox="1"/>
+              <p:nvPr/>
+            </p:nvSpPr>
+            <p:spPr>
+              <a:xfrm>
+                <a:off x="5939742" y="3558084"/>
+                <a:ext cx="254877" cy="307777"/>
+              </a:xfrm>
+              <a:prstGeom prst="rect">
+                <a:avLst/>
+              </a:prstGeom>
+              <a:noFill/>
+            </p:spPr>
+            <p:txBody>
+              <a:bodyPr wrap="none" lIns="0" tIns="0" rIns="0" bIns="0" rtlCol="0">
+                <a:spAutoFit/>
+              </a:bodyPr>
+              <a:lstStyle/>
+              <a:p>
+                <a:pPr algn="ctr"/>
+                <a14:m>
+                  <m:oMathPara xmlns:m="http://schemas.openxmlformats.org/officeDocument/2006/math">
+                    <m:oMathParaPr>
+                      <m:jc m:val="centerGroup"/>
+                    </m:oMathParaPr>
+                    <m:oMath xmlns:m="http://schemas.openxmlformats.org/officeDocument/2006/math">
+                      <m:r>
+                        <a:rPr lang="en-GB" sz="2000" b="0" i="1" smtClean="0">
+                          <a:latin typeface="Cambria Math" panose="02040503050406030204" pitchFamily="18" charset="0"/>
+                        </a:rPr>
+                        <m:t>𝑥</m:t>
+                      </m:r>
+                      <m:r>
+                        <a:rPr lang="en-GB" sz="2000" b="0" i="1" smtClean="0">
+                          <a:latin typeface="Cambria Math" panose="02040503050406030204" pitchFamily="18" charset="0"/>
+                        </a:rPr>
+                        <m:t>′</m:t>
+                      </m:r>
+                    </m:oMath>
+                  </m:oMathPara>
+                </a14:m>
+                <a:endParaRPr lang="en-US" sz="1400" dirty="0"/>
+              </a:p>
+            </p:txBody>
+          </p:sp>
+        </mc:Choice>
+        <mc:Fallback>
+          <p:sp>
+            <p:nvSpPr>
+              <p:cNvPr id="291" name="TextBox 290">
+                <a:extLst>
+                  <a:ext uri="{FF2B5EF4-FFF2-40B4-BE49-F238E27FC236}">
+                    <a16:creationId xmlns:a16="http://schemas.microsoft.com/office/drawing/2014/main" id="{8CE69B60-8B5B-3295-625B-7FE6DB4B1493}"/>
+                  </a:ext>
+                </a:extLst>
+              </p:cNvPr>
+              <p:cNvSpPr txBox="1">
+                <a:spLocks noRot="1" noChangeAspect="1" noMove="1" noResize="1" noEditPoints="1" noAdjustHandles="1" noChangeArrowheads="1" noChangeShapeType="1" noTextEdit="1"/>
+              </p:cNvSpPr>
+              <p:nvPr/>
+            </p:nvSpPr>
+            <p:spPr>
+              <a:xfrm>
+                <a:off x="5939742" y="3558084"/>
+                <a:ext cx="254877" cy="307777"/>
+              </a:xfrm>
+              <a:prstGeom prst="rect">
+                <a:avLst/>
+              </a:prstGeom>
+              <a:blipFill>
+                <a:blip r:embed="rId4"/>
+                <a:stretch>
+                  <a:fillRect l="-38095" r="-19048" b="-8000"/>
+                </a:stretch>
+              </a:blipFill>
+            </p:spPr>
+            <p:txBody>
+              <a:bodyPr/>
+              <a:lstStyle/>
+              <a:p>
+                <a:r>
+                  <a:rPr lang="en-US">
+                    <a:noFill/>
+                  </a:rPr>
+                  <a:t> </a:t>
+                </a:r>
+              </a:p>
+            </p:txBody>
+          </p:sp>
+        </mc:Fallback>
+      </mc:AlternateContent>
+      <p:cxnSp>
+        <p:nvCxnSpPr>
+          <p:cNvPr id="293" name="Straight Arrow Connector 292">
+            <a:extLst>
+              <a:ext uri="{FF2B5EF4-FFF2-40B4-BE49-F238E27FC236}">
+                <a16:creationId xmlns:a16="http://schemas.microsoft.com/office/drawing/2014/main" id="{171A6590-F2B4-5B42-3923-5494DE38ACD1}"/>
+              </a:ext>
+            </a:extLst>
+          </p:cNvPr>
+          <p:cNvCxnSpPr/>
+          <p:nvPr/>
+        </p:nvCxnSpPr>
+        <p:spPr>
+          <a:xfrm>
+            <a:off x="1452852" y="903111"/>
+            <a:ext cx="2308678" cy="0"/>
+          </a:xfrm>
+          <a:prstGeom prst="straightConnector1">
+            <a:avLst/>
+          </a:prstGeom>
+          <a:ln>
+            <a:solidFill>
+              <a:schemeClr val="tx1"/>
+            </a:solidFill>
+            <a:tailEnd type="triangle" w="lg" len="lg"/>
+          </a:ln>
+        </p:spPr>
+        <p:style>
+          <a:lnRef idx="2">
+            <a:schemeClr val="accent1"/>
+          </a:lnRef>
+          <a:fillRef idx="0">
+            <a:schemeClr val="accent1"/>
+          </a:fillRef>
+          <a:effectRef idx="1">
+            <a:schemeClr val="accent1"/>
+          </a:effectRef>
+          <a:fontRef idx="minor">
+            <a:schemeClr val="tx1"/>
+          </a:fontRef>
+        </p:style>
+      </p:cxnSp>
+      <mc:AlternateContent xmlns:mc="http://schemas.openxmlformats.org/markup-compatibility/2006">
+        <mc:Choice xmlns:a14="http://schemas.microsoft.com/office/drawing/2010/main" Requires="a14">
+          <p:sp>
+            <p:nvSpPr>
+              <p:cNvPr id="294" name="TextBox 293">
+                <a:extLst>
+                  <a:ext uri="{FF2B5EF4-FFF2-40B4-BE49-F238E27FC236}">
+                    <a16:creationId xmlns:a16="http://schemas.microsoft.com/office/drawing/2014/main" id="{B5CCAA18-479A-599F-F76F-6F2E529D2F6B}"/>
+                  </a:ext>
+                </a:extLst>
+              </p:cNvPr>
+              <p:cNvSpPr txBox="1"/>
+              <p:nvPr/>
+            </p:nvSpPr>
+            <p:spPr>
+              <a:xfrm>
+                <a:off x="2571094" y="539955"/>
+                <a:ext cx="201465" cy="307777"/>
+              </a:xfrm>
+              <a:prstGeom prst="rect">
+                <a:avLst/>
+              </a:prstGeom>
+              <a:noFill/>
+            </p:spPr>
+            <p:txBody>
+              <a:bodyPr wrap="none" lIns="0" tIns="0" rIns="0" bIns="0" rtlCol="0">
+                <a:spAutoFit/>
+              </a:bodyPr>
+              <a:lstStyle/>
+              <a:p>
+                <a14:m>
+                  <m:oMathPara xmlns:m="http://schemas.openxmlformats.org/officeDocument/2006/math">
+                    <m:oMathParaPr>
+                      <m:jc m:val="centerGroup"/>
+                    </m:oMathParaPr>
+                    <m:oMath xmlns:m="http://schemas.openxmlformats.org/officeDocument/2006/math">
+                      <m:r>
+                        <a:rPr lang="en-GB" sz="2000" b="0" i="1" smtClean="0">
+                          <a:latin typeface="Cambria Math" panose="02040503050406030204" pitchFamily="18" charset="0"/>
+                        </a:rPr>
+                        <m:t>𝑓</m:t>
+                      </m:r>
+                    </m:oMath>
+                  </m:oMathPara>
+                </a14:m>
+                <a:endParaRPr lang="en-US" sz="1400" dirty="0"/>
+              </a:p>
+            </p:txBody>
+          </p:sp>
+        </mc:Choice>
+        <mc:Fallback>
+          <p:sp>
+            <p:nvSpPr>
+              <p:cNvPr id="294" name="TextBox 293">
+                <a:extLst>
+                  <a:ext uri="{FF2B5EF4-FFF2-40B4-BE49-F238E27FC236}">
+                    <a16:creationId xmlns:a16="http://schemas.microsoft.com/office/drawing/2014/main" id="{B5CCAA18-479A-599F-F76F-6F2E529D2F6B}"/>
+                  </a:ext>
+                </a:extLst>
+              </p:cNvPr>
+              <p:cNvSpPr txBox="1">
+                <a:spLocks noRot="1" noChangeAspect="1" noMove="1" noResize="1" noEditPoints="1" noAdjustHandles="1" noChangeArrowheads="1" noChangeShapeType="1" noTextEdit="1"/>
+              </p:cNvSpPr>
+              <p:nvPr/>
+            </p:nvSpPr>
+            <p:spPr>
+              <a:xfrm>
+                <a:off x="2571094" y="539955"/>
+                <a:ext cx="201465" cy="307777"/>
+              </a:xfrm>
+              <a:prstGeom prst="rect">
+                <a:avLst/>
+              </a:prstGeom>
+              <a:blipFill>
+                <a:blip r:embed="rId5"/>
+                <a:stretch>
+                  <a:fillRect l="-41176" r="-35294" b="-32000"/>
+                </a:stretch>
+              </a:blipFill>
+            </p:spPr>
+            <p:txBody>
+              <a:bodyPr/>
+              <a:lstStyle/>
+              <a:p>
+                <a:r>
+                  <a:rPr lang="en-US">
+                    <a:noFill/>
+                  </a:rPr>
+                  <a:t> </a:t>
+                </a:r>
+              </a:p>
+            </p:txBody>
+          </p:sp>
+        </mc:Fallback>
+      </mc:AlternateContent>
+      <p:cxnSp>
+        <p:nvCxnSpPr>
+          <p:cNvPr id="295" name="Straight Arrow Connector 294">
+            <a:extLst>
+              <a:ext uri="{FF2B5EF4-FFF2-40B4-BE49-F238E27FC236}">
+                <a16:creationId xmlns:a16="http://schemas.microsoft.com/office/drawing/2014/main" id="{799F430B-82CC-D566-19DF-718D237B4248}"/>
+              </a:ext>
+            </a:extLst>
+          </p:cNvPr>
+          <p:cNvCxnSpPr/>
+          <p:nvPr/>
+        </p:nvCxnSpPr>
+        <p:spPr>
+          <a:xfrm>
+            <a:off x="3787322" y="903111"/>
+            <a:ext cx="2308678" cy="0"/>
+          </a:xfrm>
+          <a:prstGeom prst="straightConnector1">
+            <a:avLst/>
+          </a:prstGeom>
+          <a:ln>
+            <a:solidFill>
+              <a:schemeClr val="tx1"/>
+            </a:solidFill>
+            <a:tailEnd type="triangle" w="lg" len="lg"/>
+          </a:ln>
+        </p:spPr>
+        <p:style>
+          <a:lnRef idx="2">
+            <a:schemeClr val="accent1"/>
+          </a:lnRef>
+          <a:fillRef idx="0">
+            <a:schemeClr val="accent1"/>
+          </a:fillRef>
+          <a:effectRef idx="1">
+            <a:schemeClr val="accent1"/>
+          </a:effectRef>
+          <a:fontRef idx="minor">
+            <a:schemeClr val="tx1"/>
+          </a:fontRef>
+        </p:style>
+      </p:cxnSp>
+      <mc:AlternateContent xmlns:mc="http://schemas.openxmlformats.org/markup-compatibility/2006">
+        <mc:Choice xmlns:a14="http://schemas.microsoft.com/office/drawing/2010/main" Requires="a14">
+          <p:sp>
+            <p:nvSpPr>
+              <p:cNvPr id="296" name="TextBox 295">
+                <a:extLst>
+                  <a:ext uri="{FF2B5EF4-FFF2-40B4-BE49-F238E27FC236}">
+                    <a16:creationId xmlns:a16="http://schemas.microsoft.com/office/drawing/2014/main" id="{1482C531-077C-D8DD-0FF7-9DFCD2770255}"/>
+                  </a:ext>
+                </a:extLst>
+              </p:cNvPr>
+              <p:cNvSpPr txBox="1"/>
+              <p:nvPr/>
+            </p:nvSpPr>
+            <p:spPr>
+              <a:xfrm>
+                <a:off x="4589475" y="547470"/>
+                <a:ext cx="465512" cy="307777"/>
+              </a:xfrm>
+              <a:prstGeom prst="rect">
+                <a:avLst/>
+              </a:prstGeom>
+              <a:noFill/>
+            </p:spPr>
+            <p:txBody>
+              <a:bodyPr wrap="none" lIns="0" tIns="0" rIns="0" bIns="0" rtlCol="0">
+                <a:spAutoFit/>
+              </a:bodyPr>
+              <a:lstStyle/>
+              <a:p>
+                <a14:m>
+                  <m:oMathPara xmlns:m="http://schemas.openxmlformats.org/officeDocument/2006/math">
+                    <m:oMathParaPr>
+                      <m:jc m:val="centerGroup"/>
+                    </m:oMathParaPr>
+                    <m:oMath xmlns:m="http://schemas.openxmlformats.org/officeDocument/2006/math">
+                      <m:sSup>
+                        <m:sSupPr>
+                          <m:ctrlPr>
+                            <a:rPr lang="en-GB" sz="2000" b="0" i="1" smtClean="0">
+                              <a:latin typeface="Cambria Math" panose="02040503050406030204" pitchFamily="18" charset="0"/>
+                            </a:rPr>
+                          </m:ctrlPr>
+                        </m:sSupPr>
+                        <m:e>
+                          <m:r>
+                            <a:rPr lang="en-GB" sz="2000" b="0" i="1" smtClean="0">
+                              <a:latin typeface="Cambria Math" panose="02040503050406030204" pitchFamily="18" charset="0"/>
+                            </a:rPr>
+                            <m:t>𝑓</m:t>
+                          </m:r>
+                        </m:e>
+                        <m:sup>
+                          <m:r>
+                            <a:rPr lang="en-GB" sz="2000" b="0" i="1" smtClean="0">
+                              <a:latin typeface="Cambria Math" panose="02040503050406030204" pitchFamily="18" charset="0"/>
+                            </a:rPr>
+                            <m:t>−1</m:t>
+                          </m:r>
+                        </m:sup>
+                      </m:sSup>
+                    </m:oMath>
+                  </m:oMathPara>
+                </a14:m>
+                <a:endParaRPr lang="en-US" sz="1400" dirty="0"/>
+              </a:p>
+            </p:txBody>
+          </p:sp>
+        </mc:Choice>
+        <mc:Fallback>
+          <p:sp>
+            <p:nvSpPr>
+              <p:cNvPr id="296" name="TextBox 295">
+                <a:extLst>
+                  <a:ext uri="{FF2B5EF4-FFF2-40B4-BE49-F238E27FC236}">
+                    <a16:creationId xmlns:a16="http://schemas.microsoft.com/office/drawing/2014/main" id="{1482C531-077C-D8DD-0FF7-9DFCD2770255}"/>
+                  </a:ext>
+                </a:extLst>
+              </p:cNvPr>
+              <p:cNvSpPr txBox="1">
+                <a:spLocks noRot="1" noChangeAspect="1" noMove="1" noResize="1" noEditPoints="1" noAdjustHandles="1" noChangeArrowheads="1" noChangeShapeType="1" noTextEdit="1"/>
+              </p:cNvSpPr>
+              <p:nvPr/>
+            </p:nvSpPr>
+            <p:spPr>
+              <a:xfrm>
+                <a:off x="4589475" y="547470"/>
+                <a:ext cx="465512" cy="307777"/>
+              </a:xfrm>
+              <a:prstGeom prst="rect">
+                <a:avLst/>
+              </a:prstGeom>
+              <a:blipFill>
+                <a:blip r:embed="rId6"/>
+                <a:stretch>
+                  <a:fillRect l="-18919" r="-5405" b="-32000"/>
+                </a:stretch>
+              </a:blipFill>
+            </p:spPr>
+            <p:txBody>
+              <a:bodyPr/>
+              <a:lstStyle/>
+              <a:p>
+                <a:r>
+                  <a:rPr lang="en-US">
+                    <a:noFill/>
+                  </a:rPr>
+                  <a:t> </a:t>
+                </a:r>
+              </a:p>
+            </p:txBody>
+          </p:sp>
+        </mc:Fallback>
+      </mc:AlternateContent>
+      <p:sp>
+        <p:nvSpPr>
+          <p:cNvPr id="297" name="TextBox 296">
+            <a:extLst>
+              <a:ext uri="{FF2B5EF4-FFF2-40B4-BE49-F238E27FC236}">
+                <a16:creationId xmlns:a16="http://schemas.microsoft.com/office/drawing/2014/main" id="{851445F9-4625-908B-B695-6A687023113A}"/>
+              </a:ext>
+            </a:extLst>
+          </p:cNvPr>
+          <p:cNvSpPr txBox="1"/>
+          <p:nvPr/>
+        </p:nvSpPr>
+        <p:spPr>
+          <a:xfrm>
+            <a:off x="835197" y="3835725"/>
+            <a:ext cx="1199624" cy="369332"/>
+          </a:xfrm>
+          <a:prstGeom prst="rect">
+            <a:avLst/>
+          </a:prstGeom>
+          <a:noFill/>
+        </p:spPr>
+        <p:txBody>
+          <a:bodyPr wrap="none" rtlCol="0">
+            <a:spAutoFit/>
+          </a:bodyPr>
+          <a:lstStyle/>
+          <a:p>
+            <a:r>
+              <a:rPr lang="en-US" dirty="0"/>
+              <a:t>Input data</a:t>
+            </a:r>
+          </a:p>
+        </p:txBody>
+      </p:sp>
+      <p:sp>
+        <p:nvSpPr>
+          <p:cNvPr id="298" name="TextBox 297">
+            <a:extLst>
+              <a:ext uri="{FF2B5EF4-FFF2-40B4-BE49-F238E27FC236}">
+                <a16:creationId xmlns:a16="http://schemas.microsoft.com/office/drawing/2014/main" id="{795EF539-85C5-DA16-B3B8-3C0C7CBCEB01}"/>
+              </a:ext>
+            </a:extLst>
+          </p:cNvPr>
+          <p:cNvSpPr txBox="1"/>
+          <p:nvPr/>
+        </p:nvSpPr>
+        <p:spPr>
+          <a:xfrm>
+            <a:off x="2600101" y="3835725"/>
+            <a:ext cx="2329484" cy="369332"/>
+          </a:xfrm>
+          <a:prstGeom prst="rect">
+            <a:avLst/>
+          </a:prstGeom>
+          <a:noFill/>
+        </p:spPr>
+        <p:txBody>
+          <a:bodyPr wrap="none" rtlCol="0">
+            <a:spAutoFit/>
+          </a:bodyPr>
+          <a:lstStyle/>
+          <a:p>
+            <a:pPr algn="ctr"/>
+            <a:r>
+              <a:rPr lang="en-US" dirty="0"/>
+              <a:t>Latent representation</a:t>
+            </a:r>
+          </a:p>
+        </p:txBody>
+      </p:sp>
+      <p:sp>
+        <p:nvSpPr>
+          <p:cNvPr id="299" name="TextBox 298">
+            <a:extLst>
+              <a:ext uri="{FF2B5EF4-FFF2-40B4-BE49-F238E27FC236}">
+                <a16:creationId xmlns:a16="http://schemas.microsoft.com/office/drawing/2014/main" id="{8A4BA4AD-28C4-C244-638E-085DA967FB8B}"/>
+              </a:ext>
+            </a:extLst>
+          </p:cNvPr>
+          <p:cNvSpPr txBox="1"/>
+          <p:nvPr/>
+        </p:nvSpPr>
+        <p:spPr>
+          <a:xfrm>
+            <a:off x="5203436" y="3835725"/>
+            <a:ext cx="1717394" cy="369332"/>
+          </a:xfrm>
+          <a:prstGeom prst="rect">
+            <a:avLst/>
+          </a:prstGeom>
+          <a:noFill/>
+        </p:spPr>
+        <p:txBody>
+          <a:bodyPr wrap="none" rtlCol="0">
+            <a:spAutoFit/>
+          </a:bodyPr>
+          <a:lstStyle/>
+          <a:p>
+            <a:pPr algn="ctr"/>
+            <a:r>
+              <a:rPr lang="en-US" dirty="0"/>
+              <a:t>Reconstruction</a:t>
+            </a:r>
+          </a:p>
+        </p:txBody>
+      </p:sp>
+      <p:sp>
+        <p:nvSpPr>
+          <p:cNvPr id="300" name="TextBox 299">
+            <a:extLst>
+              <a:ext uri="{FF2B5EF4-FFF2-40B4-BE49-F238E27FC236}">
+                <a16:creationId xmlns:a16="http://schemas.microsoft.com/office/drawing/2014/main" id="{932BB97F-6E9B-1EC6-4FD4-9DCF3D050F1E}"/>
+              </a:ext>
+            </a:extLst>
+          </p:cNvPr>
+          <p:cNvSpPr txBox="1"/>
+          <p:nvPr/>
+        </p:nvSpPr>
+        <p:spPr>
+          <a:xfrm>
+            <a:off x="1393338" y="885037"/>
+            <a:ext cx="1016625" cy="369332"/>
+          </a:xfrm>
+          <a:prstGeom prst="rect">
+            <a:avLst/>
+          </a:prstGeom>
+          <a:noFill/>
+        </p:spPr>
+        <p:txBody>
+          <a:bodyPr wrap="none" rtlCol="0">
+            <a:spAutoFit/>
+          </a:bodyPr>
+          <a:lstStyle/>
+          <a:p>
+            <a:r>
+              <a:rPr lang="en-US" i="1" dirty="0"/>
+              <a:t>Encoder</a:t>
+            </a:r>
+          </a:p>
+        </p:txBody>
+      </p:sp>
+      <p:sp>
+        <p:nvSpPr>
+          <p:cNvPr id="301" name="TextBox 300">
+            <a:extLst>
+              <a:ext uri="{FF2B5EF4-FFF2-40B4-BE49-F238E27FC236}">
+                <a16:creationId xmlns:a16="http://schemas.microsoft.com/office/drawing/2014/main" id="{CBCC213D-EC55-5652-A680-1BACE43C5783}"/>
+              </a:ext>
+            </a:extLst>
+          </p:cNvPr>
+          <p:cNvSpPr txBox="1"/>
+          <p:nvPr/>
+        </p:nvSpPr>
+        <p:spPr>
+          <a:xfrm>
+            <a:off x="3747907" y="885037"/>
+            <a:ext cx="1042273" cy="369332"/>
+          </a:xfrm>
+          <a:prstGeom prst="rect">
+            <a:avLst/>
+          </a:prstGeom>
+          <a:noFill/>
+        </p:spPr>
+        <p:txBody>
+          <a:bodyPr wrap="none" rtlCol="0">
+            <a:spAutoFit/>
+          </a:bodyPr>
+          <a:lstStyle/>
+          <a:p>
+            <a:r>
+              <a:rPr lang="en-US" i="1" dirty="0"/>
+              <a:t>Decoder</a:t>
+            </a:r>
+          </a:p>
+        </p:txBody>
+      </p:sp>
+      <mc:AlternateContent xmlns:mc="http://schemas.openxmlformats.org/markup-compatibility/2006">
+        <mc:Choice xmlns:a14="http://schemas.microsoft.com/office/drawing/2010/main" Requires="a14">
+          <p:sp>
+            <p:nvSpPr>
+              <p:cNvPr id="304" name="TextBox 303">
+                <a:extLst>
+                  <a:ext uri="{FF2B5EF4-FFF2-40B4-BE49-F238E27FC236}">
+                    <a16:creationId xmlns:a16="http://schemas.microsoft.com/office/drawing/2014/main" id="{31464ECD-89E1-0374-C2B2-055995894121}"/>
+                  </a:ext>
+                </a:extLst>
+              </p:cNvPr>
+              <p:cNvSpPr txBox="1"/>
+              <p:nvPr/>
+            </p:nvSpPr>
+            <p:spPr>
+              <a:xfrm>
+                <a:off x="2435196" y="4207020"/>
+                <a:ext cx="2710294" cy="369332"/>
+              </a:xfrm>
+              <a:prstGeom prst="rect">
+                <a:avLst/>
+              </a:prstGeom>
+              <a:noFill/>
+            </p:spPr>
+            <p:txBody>
+              <a:bodyPr wrap="none" rtlCol="0">
+                <a:spAutoFit/>
+              </a:bodyPr>
+              <a:lstStyle/>
+              <a:p>
+                <a:pPr algn="ctr"/>
+                <a14:m>
+                  <m:oMathPara xmlns:m="http://schemas.openxmlformats.org/officeDocument/2006/math">
+                    <m:oMathParaPr>
+                      <m:jc m:val="centerGroup"/>
+                    </m:oMathParaPr>
+                    <m:oMath xmlns:m="http://schemas.openxmlformats.org/officeDocument/2006/math">
+                      <m:r>
+                        <a:rPr lang="en-GB" b="0" i="1" smtClean="0">
+                          <a:latin typeface="Cambria Math" panose="02040503050406030204" pitchFamily="18" charset="0"/>
+                        </a:rPr>
+                        <m:t>𝑞</m:t>
+                      </m:r>
+                      <m:d>
+                        <m:dPr>
+                          <m:ctrlPr>
+                            <a:rPr lang="en-GB" b="0" i="1" smtClean="0">
+                              <a:latin typeface="Cambria Math" panose="02040503050406030204" pitchFamily="18" charset="0"/>
+                            </a:rPr>
+                          </m:ctrlPr>
+                        </m:dPr>
+                        <m:e>
+                          <m:r>
+                            <a:rPr lang="en-GB" b="0" i="1" smtClean="0">
+                              <a:latin typeface="Cambria Math" panose="02040503050406030204" pitchFamily="18" charset="0"/>
+                            </a:rPr>
+                            <m:t>𝑧</m:t>
+                          </m:r>
+                        </m:e>
+                        <m:e>
+                          <m:r>
+                            <a:rPr lang="en-GB" b="0" i="1" smtClean="0">
+                              <a:latin typeface="Cambria Math" panose="02040503050406030204" pitchFamily="18" charset="0"/>
+                            </a:rPr>
+                            <m:t>𝑥</m:t>
+                          </m:r>
+                        </m:e>
+                      </m:d>
+                      <m:r>
+                        <a:rPr lang="en-GB" b="0" i="1" smtClean="0">
+                          <a:latin typeface="Cambria Math" panose="02040503050406030204" pitchFamily="18" charset="0"/>
+                        </a:rPr>
+                        <m:t>=</m:t>
+                      </m:r>
+                      <m:r>
+                        <a:rPr lang="en-GB" i="1">
+                          <a:latin typeface="Cambria Math" panose="02040503050406030204" pitchFamily="18" charset="0"/>
+                          <a:ea typeface="Cambria Math" panose="02040503050406030204" pitchFamily="18" charset="0"/>
+                        </a:rPr>
+                        <m:t>𝒩</m:t>
+                      </m:r>
+                      <m:d>
+                        <m:dPr>
+                          <m:ctrlPr>
+                            <a:rPr lang="en-GB" i="1">
+                              <a:latin typeface="Cambria Math" panose="02040503050406030204" pitchFamily="18" charset="0"/>
+                              <a:ea typeface="Cambria Math" panose="02040503050406030204" pitchFamily="18" charset="0"/>
+                            </a:rPr>
+                          </m:ctrlPr>
+                        </m:dPr>
+                        <m:e>
+                          <m:r>
+                            <a:rPr lang="en-GB" i="1">
+                              <a:latin typeface="Cambria Math" panose="02040503050406030204" pitchFamily="18" charset="0"/>
+                              <a:ea typeface="Cambria Math" panose="02040503050406030204" pitchFamily="18" charset="0"/>
+                            </a:rPr>
+                            <m:t>𝜇</m:t>
+                          </m:r>
+                          <m:d>
+                            <m:dPr>
+                              <m:ctrlPr>
+                                <a:rPr lang="en-GB" i="1">
+                                  <a:latin typeface="Cambria Math" panose="02040503050406030204" pitchFamily="18" charset="0"/>
+                                  <a:ea typeface="Cambria Math" panose="02040503050406030204" pitchFamily="18" charset="0"/>
+                                </a:rPr>
+                              </m:ctrlPr>
+                            </m:dPr>
+                            <m:e>
+                              <m:r>
+                                <a:rPr lang="en-GB" i="1">
+                                  <a:latin typeface="Cambria Math" panose="02040503050406030204" pitchFamily="18" charset="0"/>
+                                  <a:ea typeface="Cambria Math" panose="02040503050406030204" pitchFamily="18" charset="0"/>
+                                </a:rPr>
+                                <m:t>𝑥</m:t>
+                              </m:r>
+                            </m:e>
+                          </m:d>
+                          <m:r>
+                            <a:rPr lang="en-GB" i="1">
+                              <a:latin typeface="Cambria Math" panose="02040503050406030204" pitchFamily="18" charset="0"/>
+                              <a:ea typeface="Cambria Math" panose="02040503050406030204" pitchFamily="18" charset="0"/>
+                            </a:rPr>
+                            <m:t>,</m:t>
+                          </m:r>
+                          <m:sSup>
+                            <m:sSupPr>
+                              <m:ctrlPr>
+                                <a:rPr lang="en-GB" i="1">
+                                  <a:latin typeface="Cambria Math" panose="02040503050406030204" pitchFamily="18" charset="0"/>
+                                  <a:ea typeface="Cambria Math" panose="02040503050406030204" pitchFamily="18" charset="0"/>
+                                </a:rPr>
+                              </m:ctrlPr>
+                            </m:sSupPr>
+                            <m:e>
+                              <m:r>
+                                <a:rPr lang="en-GB" i="1">
+                                  <a:latin typeface="Cambria Math" panose="02040503050406030204" pitchFamily="18" charset="0"/>
+                                  <a:ea typeface="Cambria Math" panose="02040503050406030204" pitchFamily="18" charset="0"/>
+                                </a:rPr>
+                                <m:t>𝜎</m:t>
+                              </m:r>
+                              <m:d>
+                                <m:dPr>
+                                  <m:ctrlPr>
+                                    <a:rPr lang="en-GB" i="1">
+                                      <a:latin typeface="Cambria Math" panose="02040503050406030204" pitchFamily="18" charset="0"/>
+                                      <a:ea typeface="Cambria Math" panose="02040503050406030204" pitchFamily="18" charset="0"/>
+                                    </a:rPr>
+                                  </m:ctrlPr>
+                                </m:dPr>
+                                <m:e>
+                                  <m:r>
+                                    <a:rPr lang="en-GB" i="1">
+                                      <a:latin typeface="Cambria Math" panose="02040503050406030204" pitchFamily="18" charset="0"/>
+                                      <a:ea typeface="Cambria Math" panose="02040503050406030204" pitchFamily="18" charset="0"/>
+                                    </a:rPr>
+                                    <m:t>𝑥</m:t>
+                                  </m:r>
+                                </m:e>
+                              </m:d>
+                            </m:e>
+                            <m:sup>
+                              <m:r>
+                                <a:rPr lang="en-GB" i="1">
+                                  <a:latin typeface="Cambria Math" panose="02040503050406030204" pitchFamily="18" charset="0"/>
+                                  <a:ea typeface="Cambria Math" panose="02040503050406030204" pitchFamily="18" charset="0"/>
+                                </a:rPr>
+                                <m:t>2</m:t>
+                              </m:r>
+                            </m:sup>
+                          </m:sSup>
+                        </m:e>
+                      </m:d>
+                    </m:oMath>
+                  </m:oMathPara>
+                </a14:m>
+                <a:endParaRPr lang="en-US" dirty="0"/>
+              </a:p>
+            </p:txBody>
+          </p:sp>
+        </mc:Choice>
+        <mc:Fallback>
+          <p:sp>
+            <p:nvSpPr>
+              <p:cNvPr id="304" name="TextBox 303">
+                <a:extLst>
+                  <a:ext uri="{FF2B5EF4-FFF2-40B4-BE49-F238E27FC236}">
+                    <a16:creationId xmlns:a16="http://schemas.microsoft.com/office/drawing/2014/main" id="{31464ECD-89E1-0374-C2B2-055995894121}"/>
+                  </a:ext>
+                </a:extLst>
+              </p:cNvPr>
+              <p:cNvSpPr txBox="1">
+                <a:spLocks noRot="1" noChangeAspect="1" noMove="1" noResize="1" noEditPoints="1" noAdjustHandles="1" noChangeArrowheads="1" noChangeShapeType="1" noTextEdit="1"/>
+              </p:cNvSpPr>
+              <p:nvPr/>
+            </p:nvSpPr>
+            <p:spPr>
+              <a:xfrm>
+                <a:off x="2435196" y="4207020"/>
+                <a:ext cx="2710294" cy="369332"/>
+              </a:xfrm>
+              <a:prstGeom prst="rect">
+                <a:avLst/>
+              </a:prstGeom>
+              <a:blipFill>
+                <a:blip r:embed="rId7"/>
+                <a:stretch>
+                  <a:fillRect b="-6667"/>
+                </a:stretch>
+              </a:blipFill>
+            </p:spPr>
+            <p:txBody>
+              <a:bodyPr/>
+              <a:lstStyle/>
+              <a:p>
+                <a:r>
+                  <a:rPr lang="en-US">
+                    <a:noFill/>
+                  </a:rPr>
+                  <a:t> </a:t>
+                </a:r>
+              </a:p>
+            </p:txBody>
+          </p:sp>
+        </mc:Fallback>
+      </mc:AlternateContent>
+      <p:sp>
+        <p:nvSpPr>
+          <p:cNvPr id="307" name="Bent Arrow 306">
+            <a:extLst>
+              <a:ext uri="{FF2B5EF4-FFF2-40B4-BE49-F238E27FC236}">
+                <a16:creationId xmlns:a16="http://schemas.microsoft.com/office/drawing/2014/main" id="{82D486D9-AEED-17B1-D26D-C457301DA686}"/>
+              </a:ext>
+            </a:extLst>
+          </p:cNvPr>
+          <p:cNvSpPr/>
+          <p:nvPr/>
+        </p:nvSpPr>
+        <p:spPr>
+          <a:xfrm rot="16200000">
+            <a:off x="1755535" y="3865682"/>
+            <a:ext cx="656493" cy="1647095"/>
+          </a:xfrm>
+          <a:prstGeom prst="bentArrow">
+            <a:avLst>
+              <a:gd name="adj1" fmla="val 11335"/>
+              <a:gd name="adj2" fmla="val 16925"/>
+              <a:gd name="adj3" fmla="val 25000"/>
+              <a:gd name="adj4" fmla="val 43750"/>
+            </a:avLst>
+          </a:prstGeom>
+          <a:solidFill>
+            <a:schemeClr val="bg2">
+              <a:lumMod val="90000"/>
+            </a:schemeClr>
+          </a:solidFill>
+          <a:ln>
+            <a:solidFill>
+              <a:schemeClr val="tx1"/>
+            </a:solidFill>
+          </a:ln>
+        </p:spPr>
+        <p:style>
+          <a:lnRef idx="2">
+            <a:schemeClr val="accent1">
+              <a:shade val="15000"/>
+            </a:schemeClr>
+          </a:lnRef>
+          <a:fillRef idx="1">
+            <a:schemeClr val="accent1"/>
+          </a:fillRef>
+          <a:effectRef idx="0">
+            <a:schemeClr val="accent1"/>
+          </a:effectRef>
+          <a:fontRef idx="minor">
+            <a:schemeClr val="lt1"/>
+          </a:fontRef>
+        </p:style>
+        <p:txBody>
+          <a:bodyPr rtlCol="0" anchor="ctr"/>
+          <a:lstStyle/>
+          <a:p>
+            <a:pPr algn="ctr"/>
+            <a:endParaRPr lang="en-US">
+              <a:solidFill>
+                <a:schemeClr val="tx1"/>
+              </a:solidFill>
+            </a:endParaRPr>
+          </a:p>
+        </p:txBody>
+      </p:sp>
+      <p:sp>
+        <p:nvSpPr>
+          <p:cNvPr id="308" name="Bent Arrow 307">
+            <a:extLst>
+              <a:ext uri="{FF2B5EF4-FFF2-40B4-BE49-F238E27FC236}">
+                <a16:creationId xmlns:a16="http://schemas.microsoft.com/office/drawing/2014/main" id="{54885CA6-F9DF-E0A3-A210-DF5631D07A88}"/>
+              </a:ext>
+            </a:extLst>
+          </p:cNvPr>
+          <p:cNvSpPr/>
+          <p:nvPr/>
+        </p:nvSpPr>
+        <p:spPr>
+          <a:xfrm rot="5400000" flipH="1">
+            <a:off x="5032131" y="3865682"/>
+            <a:ext cx="656494" cy="1647095"/>
+          </a:xfrm>
+          <a:prstGeom prst="bentArrow">
+            <a:avLst>
+              <a:gd name="adj1" fmla="val 11335"/>
+              <a:gd name="adj2" fmla="val 16925"/>
+              <a:gd name="adj3" fmla="val 25000"/>
+              <a:gd name="adj4" fmla="val 43750"/>
+            </a:avLst>
+          </a:prstGeom>
+          <a:solidFill>
+            <a:schemeClr val="bg2">
+              <a:lumMod val="90000"/>
+            </a:schemeClr>
+          </a:solidFill>
+          <a:ln>
+            <a:solidFill>
+              <a:schemeClr val="tx1"/>
+            </a:solidFill>
+          </a:ln>
+        </p:spPr>
+        <p:style>
+          <a:lnRef idx="2">
+            <a:schemeClr val="accent1">
+              <a:shade val="15000"/>
+            </a:schemeClr>
+          </a:lnRef>
+          <a:fillRef idx="1">
+            <a:schemeClr val="accent1"/>
+          </a:fillRef>
+          <a:effectRef idx="0">
+            <a:schemeClr val="accent1"/>
+          </a:effectRef>
+          <a:fontRef idx="minor">
+            <a:schemeClr val="lt1"/>
+          </a:fontRef>
+        </p:style>
+        <p:txBody>
+          <a:bodyPr rtlCol="0" anchor="ctr"/>
+          <a:lstStyle/>
+          <a:p>
+            <a:pPr algn="ctr"/>
+            <a:endParaRPr lang="en-US">
+              <a:solidFill>
+                <a:schemeClr val="tx1"/>
+              </a:solidFill>
+            </a:endParaRPr>
+          </a:p>
+        </p:txBody>
+      </p:sp>
+      <mc:AlternateContent xmlns:mc="http://schemas.openxmlformats.org/markup-compatibility/2006">
+        <mc:Choice xmlns:a14="http://schemas.microsoft.com/office/drawing/2010/main" Requires="a14">
+          <p:sp>
+            <p:nvSpPr>
+              <p:cNvPr id="309" name="TextBox 308">
+                <a:extLst>
+                  <a:ext uri="{FF2B5EF4-FFF2-40B4-BE49-F238E27FC236}">
+                    <a16:creationId xmlns:a16="http://schemas.microsoft.com/office/drawing/2014/main" id="{74EA6AA0-FD1B-AE8F-5751-7CC948980BDB}"/>
+                  </a:ext>
+                </a:extLst>
+              </p:cNvPr>
+              <p:cNvSpPr txBox="1"/>
+              <p:nvPr/>
+            </p:nvSpPr>
+            <p:spPr>
+              <a:xfrm>
+                <a:off x="1901651" y="4770511"/>
+                <a:ext cx="3777381" cy="769441"/>
+              </a:xfrm>
+              <a:prstGeom prst="rect">
+                <a:avLst/>
+              </a:prstGeom>
+              <a:noFill/>
+            </p:spPr>
+            <p:txBody>
+              <a:bodyPr wrap="none" rtlCol="0">
+                <a:spAutoFit/>
+              </a:bodyPr>
+              <a:lstStyle/>
+              <a:p>
+                <a:pPr algn="ctr"/>
+                <a:r>
+                  <a:rPr lang="en-US" u="sng" dirty="0"/>
+                  <a:t>Training loss</a:t>
+                </a:r>
+              </a:p>
+              <a:p>
+                <a:pPr algn="ctr"/>
+                <a:endParaRPr lang="en-US" sz="800" dirty="0"/>
+              </a:p>
+              <a:p>
+                <a:pPr algn="ctr"/>
+                <a14:m>
+                  <m:oMathPara xmlns:m="http://schemas.openxmlformats.org/officeDocument/2006/math">
+                    <m:oMathParaPr>
+                      <m:jc m:val="centerGroup"/>
+                    </m:oMathParaPr>
+                    <m:oMath xmlns:m="http://schemas.openxmlformats.org/officeDocument/2006/math">
+                      <m:r>
+                        <a:rPr lang="en-GB" b="0" i="1" smtClean="0">
+                          <a:latin typeface="Cambria Math" panose="02040503050406030204" pitchFamily="18" charset="0"/>
+                          <a:ea typeface="Cambria Math" panose="02040503050406030204" pitchFamily="18" charset="0"/>
+                        </a:rPr>
+                        <m:t>ℒ</m:t>
+                      </m:r>
+                      <m:r>
+                        <a:rPr lang="en-GB" b="0" i="1" smtClean="0">
+                          <a:latin typeface="Cambria Math" panose="02040503050406030204" pitchFamily="18" charset="0"/>
+                          <a:ea typeface="Cambria Math" panose="02040503050406030204" pitchFamily="18" charset="0"/>
+                        </a:rPr>
+                        <m:t>=|</m:t>
+                      </m:r>
+                      <m:d>
+                        <m:dPr>
+                          <m:begChr m:val="|"/>
+                          <m:endChr m:val="|"/>
+                          <m:ctrlPr>
+                            <a:rPr lang="en-GB" b="0" i="1" smtClean="0">
+                              <a:latin typeface="Cambria Math" panose="02040503050406030204" pitchFamily="18" charset="0"/>
+                            </a:rPr>
+                          </m:ctrlPr>
+                        </m:dPr>
+                        <m:e>
+                          <m:sSup>
+                            <m:sSupPr>
+                              <m:ctrlPr>
+                                <a:rPr lang="en-GB" b="0" i="1" smtClean="0">
+                                  <a:latin typeface="Cambria Math" panose="02040503050406030204" pitchFamily="18" charset="0"/>
+                                </a:rPr>
+                              </m:ctrlPr>
+                            </m:sSupPr>
+                            <m:e>
+                              <m:r>
+                                <a:rPr lang="en-GB" b="0" i="1" smtClean="0">
+                                  <a:latin typeface="Cambria Math" panose="02040503050406030204" pitchFamily="18" charset="0"/>
+                                </a:rPr>
+                                <m:t>𝑥</m:t>
+                              </m:r>
+                            </m:e>
+                            <m:sup>
+                              <m:r>
+                                <a:rPr lang="en-GB" b="0" i="1" smtClean="0">
+                                  <a:latin typeface="Cambria Math" panose="02040503050406030204" pitchFamily="18" charset="0"/>
+                                </a:rPr>
+                                <m:t>′</m:t>
+                              </m:r>
+                            </m:sup>
+                          </m:sSup>
+                          <m:r>
+                            <a:rPr lang="en-GB" b="0" i="1" smtClean="0">
+                              <a:latin typeface="Cambria Math" panose="02040503050406030204" pitchFamily="18" charset="0"/>
+                            </a:rPr>
+                            <m:t>−</m:t>
+                          </m:r>
+                          <m:r>
+                            <a:rPr lang="en-GB" b="0" i="1" smtClean="0">
+                              <a:latin typeface="Cambria Math" panose="02040503050406030204" pitchFamily="18" charset="0"/>
+                            </a:rPr>
+                            <m:t>𝑥</m:t>
+                          </m:r>
+                        </m:e>
+                      </m:d>
+                      <m:r>
+                        <a:rPr lang="en-GB" b="0" i="1" smtClean="0">
+                          <a:latin typeface="Cambria Math" panose="02040503050406030204" pitchFamily="18" charset="0"/>
+                        </a:rPr>
+                        <m:t>|</m:t>
+                      </m:r>
+                      <m:r>
+                        <a:rPr lang="en-GB" b="0" i="1" smtClean="0">
+                          <a:latin typeface="Cambria Math" panose="02040503050406030204" pitchFamily="18" charset="0"/>
+                        </a:rPr>
+                        <m:t>+</m:t>
+                      </m:r>
+                      <m:r>
+                        <m:rPr>
+                          <m:sty m:val="p"/>
+                        </m:rPr>
+                        <a:rPr lang="en-GB" b="0" i="0" smtClean="0">
+                          <a:latin typeface="Cambria Math" panose="02040503050406030204" pitchFamily="18" charset="0"/>
+                        </a:rPr>
+                        <m:t>KL</m:t>
+                      </m:r>
+                      <m:r>
+                        <a:rPr lang="en-GB" b="0" i="1" smtClean="0">
+                          <a:latin typeface="Cambria Math" panose="02040503050406030204" pitchFamily="18" charset="0"/>
+                        </a:rPr>
+                        <m:t>(</m:t>
+                      </m:r>
+                      <m:r>
+                        <a:rPr lang="en-GB" b="0" i="1" smtClean="0">
+                          <a:latin typeface="Cambria Math" panose="02040503050406030204" pitchFamily="18" charset="0"/>
+                        </a:rPr>
+                        <m:t>𝑞</m:t>
+                      </m:r>
+                      <m:r>
+                        <a:rPr lang="en-GB" b="0" i="1" smtClean="0">
+                          <a:latin typeface="Cambria Math" panose="02040503050406030204" pitchFamily="18" charset="0"/>
+                        </a:rPr>
+                        <m:t>(</m:t>
+                      </m:r>
+                      <m:r>
+                        <a:rPr lang="en-GB" b="0" i="1" smtClean="0">
+                          <a:latin typeface="Cambria Math" panose="02040503050406030204" pitchFamily="18" charset="0"/>
+                        </a:rPr>
+                        <m:t>𝑧</m:t>
+                      </m:r>
+                      <m:r>
+                        <a:rPr lang="en-GB" b="0" i="1" smtClean="0">
+                          <a:latin typeface="Cambria Math" panose="02040503050406030204" pitchFamily="18" charset="0"/>
+                        </a:rPr>
+                        <m:t>|</m:t>
+                      </m:r>
+                      <m:r>
+                        <a:rPr lang="en-GB" b="0" i="1" smtClean="0">
+                          <a:latin typeface="Cambria Math" panose="02040503050406030204" pitchFamily="18" charset="0"/>
+                        </a:rPr>
+                        <m:t>𝑥</m:t>
+                      </m:r>
+                      <m:r>
+                        <a:rPr lang="en-GB" b="0" i="1" smtClean="0">
+                          <a:latin typeface="Cambria Math" panose="02040503050406030204" pitchFamily="18" charset="0"/>
+                        </a:rPr>
+                        <m:t>), </m:t>
+                      </m:r>
+                      <m:r>
+                        <a:rPr lang="en-GB" i="1" smtClean="0">
+                          <a:latin typeface="Cambria Math" panose="02040503050406030204" pitchFamily="18" charset="0"/>
+                          <a:ea typeface="Cambria Math" panose="02040503050406030204" pitchFamily="18" charset="0"/>
+                        </a:rPr>
+                        <m:t>𝒩</m:t>
+                      </m:r>
+                      <m:d>
+                        <m:dPr>
+                          <m:ctrlPr>
+                            <a:rPr lang="en-GB" i="1">
+                              <a:latin typeface="Cambria Math" panose="02040503050406030204" pitchFamily="18" charset="0"/>
+                              <a:ea typeface="Cambria Math" panose="02040503050406030204" pitchFamily="18" charset="0"/>
+                            </a:rPr>
+                          </m:ctrlPr>
+                        </m:dPr>
+                        <m:e>
+                          <m:r>
+                            <a:rPr lang="en-GB" b="0" i="1" smtClean="0">
+                              <a:latin typeface="Cambria Math" panose="02040503050406030204" pitchFamily="18" charset="0"/>
+                              <a:ea typeface="Cambria Math" panose="02040503050406030204" pitchFamily="18" charset="0"/>
+                            </a:rPr>
+                            <m:t>0</m:t>
+                          </m:r>
+                          <m:r>
+                            <a:rPr lang="en-GB" i="1">
+                              <a:latin typeface="Cambria Math" panose="02040503050406030204" pitchFamily="18" charset="0"/>
+                              <a:ea typeface="Cambria Math" panose="02040503050406030204" pitchFamily="18" charset="0"/>
+                            </a:rPr>
+                            <m:t>,</m:t>
+                          </m:r>
+                          <m:r>
+                            <a:rPr lang="en-GB" b="0" i="1" smtClean="0">
+                              <a:latin typeface="Cambria Math" panose="02040503050406030204" pitchFamily="18" charset="0"/>
+                              <a:ea typeface="Cambria Math" panose="02040503050406030204" pitchFamily="18" charset="0"/>
+                            </a:rPr>
+                            <m:t>1</m:t>
+                          </m:r>
+                        </m:e>
+                      </m:d>
+                      <m:r>
+                        <a:rPr lang="en-GB" b="0" i="1" smtClean="0">
+                          <a:latin typeface="Cambria Math" panose="02040503050406030204" pitchFamily="18" charset="0"/>
+                        </a:rPr>
+                        <m:t>)</m:t>
+                      </m:r>
+                    </m:oMath>
+                  </m:oMathPara>
+                </a14:m>
+                <a:endParaRPr lang="en-US" i="1" dirty="0"/>
+              </a:p>
+            </p:txBody>
+          </p:sp>
+        </mc:Choice>
+        <mc:Fallback>
+          <p:sp>
+            <p:nvSpPr>
+              <p:cNvPr id="309" name="TextBox 308">
+                <a:extLst>
+                  <a:ext uri="{FF2B5EF4-FFF2-40B4-BE49-F238E27FC236}">
+                    <a16:creationId xmlns:a16="http://schemas.microsoft.com/office/drawing/2014/main" id="{74EA6AA0-FD1B-AE8F-5751-7CC948980BDB}"/>
+                  </a:ext>
+                </a:extLst>
+              </p:cNvPr>
+              <p:cNvSpPr txBox="1">
+                <a:spLocks noRot="1" noChangeAspect="1" noMove="1" noResize="1" noEditPoints="1" noAdjustHandles="1" noChangeArrowheads="1" noChangeShapeType="1" noTextEdit="1"/>
+              </p:cNvSpPr>
+              <p:nvPr/>
+            </p:nvSpPr>
+            <p:spPr>
+              <a:xfrm>
+                <a:off x="1901651" y="4770511"/>
+                <a:ext cx="3777381" cy="769441"/>
+              </a:xfrm>
+              <a:prstGeom prst="rect">
+                <a:avLst/>
+              </a:prstGeom>
+              <a:blipFill>
+                <a:blip r:embed="rId8"/>
+                <a:stretch>
+                  <a:fillRect t="-3226" b="-6452"/>
+                </a:stretch>
+              </a:blipFill>
+            </p:spPr>
+            <p:txBody>
+              <a:bodyPr/>
+              <a:lstStyle/>
+              <a:p>
+                <a:r>
+                  <a:rPr lang="en-US">
+                    <a:noFill/>
+                  </a:rPr>
+                  <a:t> </a:t>
+                </a:r>
+              </a:p>
+            </p:txBody>
+          </p:sp>
+        </mc:Fallback>
+      </mc:AlternateContent>
+    </p:spTree>
+    <p:extLst>
+      <p:ext uri="{BB962C8B-B14F-4D97-AF65-F5344CB8AC3E}">
+        <p14:creationId xmlns:p14="http://schemas.microsoft.com/office/powerpoint/2010/main" val="6652883"/>
+      </p:ext>
+    </p:extLst>
+  </p:cSld>
+  <p:clrMapOvr>
+    <a:masterClrMapping/>
+  </p:clrMapOvr>
+</p:sld>
+</file>
+
 <file path=ppt/theme/theme1.xml><?xml version="1.0" encoding="utf-8"?>
 <a:theme xmlns:a="http://schemas.openxmlformats.org/drawingml/2006/main" name="Office Theme">
   <a:themeElements>
